--- a/Presentation/IntroToExpress/IntroToExpress.pptx
+++ b/Presentation/IntroToExpress/IntroToExpress.pptx
@@ -11,10 +11,10 @@
     <p:sldMasterId id="2147483729" r:id="rId10"/>
   </p:sldMasterIdLst>
   <p:notesMasterIdLst>
-    <p:notesMasterId r:id="rId31"/>
+    <p:notesMasterId r:id="rId24"/>
   </p:notesMasterIdLst>
   <p:handoutMasterIdLst>
-    <p:handoutMasterId r:id="rId32"/>
+    <p:handoutMasterId r:id="rId25"/>
   </p:handoutMasterIdLst>
   <p:sldIdLst>
     <p:sldId id="297" r:id="rId11"/>
@@ -28,15 +28,8 @@
     <p:sldId id="296" r:id="rId19"/>
     <p:sldId id="286" r:id="rId20"/>
     <p:sldId id="302" r:id="rId21"/>
-    <p:sldId id="288" r:id="rId22"/>
-    <p:sldId id="289" r:id="rId23"/>
-    <p:sldId id="290" r:id="rId24"/>
-    <p:sldId id="291" r:id="rId25"/>
-    <p:sldId id="292" r:id="rId26"/>
-    <p:sldId id="293" r:id="rId27"/>
-    <p:sldId id="294" r:id="rId28"/>
-    <p:sldId id="283" r:id="rId29"/>
-    <p:sldId id="269" r:id="rId30"/>
+    <p:sldId id="283" r:id="rId22"/>
+    <p:sldId id="269" r:id="rId23"/>
   </p:sldIdLst>
   <p:sldSz cx="12192000" cy="6858000"/>
   <p:notesSz cx="6858000" cy="9144000"/>
@@ -228,7 +221,7 @@
           <a:p>
             <a:fld id="{312E7B4A-039C-48A2-9B2C-AF16AA3873D8}" type="datetimeFigureOut">
               <a:rPr lang="en-US" smtClean="0"/>
-              <a:t>07/07/2015</a:t>
+              <a:t>20/07/2015</a:t>
             </a:fld>
             <a:endParaRPr lang="en-US"/>
           </a:p>
@@ -393,7 +386,7 @@
           <a:p>
             <a:fld id="{DA005A0C-54D9-45AA-87D4-C551D08DFCE1}" type="datetimeFigureOut">
               <a:rPr lang="en-US" smtClean="0"/>
-              <a:t>07/07/2015</a:t>
+              <a:t>20/07/2015</a:t>
             </a:fld>
             <a:endParaRPr lang="en-US"/>
           </a:p>
@@ -17156,8 +17149,8 @@
         </p:nvSpPr>
         <p:spPr>
           <a:xfrm>
-            <a:off x="560798" y="1893325"/>
-            <a:ext cx="11079822" cy="4215579"/>
+            <a:off x="560798" y="2598719"/>
+            <a:ext cx="9323431" cy="2922515"/>
           </a:xfrm>
         </p:spPr>
         <p:style>
@@ -17176,7 +17169,7 @@
         </p:style>
         <p:txBody>
           <a:bodyPr>
-            <a:normAutofit lnSpcReduction="10000"/>
+            <a:normAutofit/>
           </a:bodyPr>
           <a:lstStyle/>
           <a:p>
@@ -17190,7 +17183,7 @@
               <a:buNone/>
             </a:pPr>
             <a:r>
-              <a:rPr lang="en-US" altLang="en-US" dirty="0" err="1">
+              <a:rPr lang="en-US" altLang="en-US" sz="2400" dirty="0" err="1">
                 <a:solidFill>
                   <a:srgbClr val="0000FF"/>
                 </a:solidFill>
@@ -17200,7 +17193,7 @@
               <a:t>var</a:t>
             </a:r>
             <a:r>
-              <a:rPr lang="en-US" altLang="en-US" dirty="0">
+              <a:rPr lang="en-US" altLang="en-US" sz="2400" dirty="0">
                 <a:solidFill>
                   <a:srgbClr val="000000"/>
                 </a:solidFill>
@@ -17210,7 +17203,7 @@
               <a:t> express = require(</a:t>
             </a:r>
             <a:r>
-              <a:rPr lang="en-US" altLang="en-US" dirty="0">
+              <a:rPr lang="en-US" altLang="en-US" sz="2400" dirty="0">
                 <a:solidFill>
                   <a:srgbClr val="A31515"/>
                 </a:solidFill>
@@ -17220,7 +17213,7 @@
               <a:t>'express'</a:t>
             </a:r>
             <a:r>
-              <a:rPr lang="en-US" altLang="en-US" dirty="0">
+              <a:rPr lang="en-US" altLang="en-US" sz="2400" dirty="0">
                 <a:solidFill>
                   <a:srgbClr val="000000"/>
                 </a:solidFill>
@@ -17241,7 +17234,7 @@
               <a:buNone/>
             </a:pPr>
             <a:r>
-              <a:rPr lang="en-US" altLang="en-US" dirty="0" err="1">
+              <a:rPr lang="en-US" altLang="en-US" sz="2400" dirty="0" err="1">
                 <a:solidFill>
                   <a:srgbClr val="0000FF"/>
                 </a:solidFill>
@@ -17251,7 +17244,7 @@
               <a:t>var</a:t>
             </a:r>
             <a:r>
-              <a:rPr lang="en-US" altLang="en-US" dirty="0">
+              <a:rPr lang="en-US" altLang="en-US" sz="2400" dirty="0">
                 <a:solidFill>
                   <a:srgbClr val="000000"/>
                 </a:solidFill>
@@ -17271,7 +17264,7 @@
               </a:spcAft>
               <a:buNone/>
             </a:pPr>
-            <a:endParaRPr lang="en-US" altLang="en-US" dirty="0">
+            <a:endParaRPr lang="en-US" altLang="en-US" sz="2400" dirty="0">
               <a:solidFill>
                 <a:srgbClr val="000000"/>
               </a:solidFill>
@@ -17290,7 +17283,7 @@
               <a:buNone/>
             </a:pPr>
             <a:r>
-              <a:rPr lang="en-US" altLang="en-US" dirty="0" err="1">
+              <a:rPr lang="en-US" altLang="en-US" sz="2400" dirty="0" err="1">
                 <a:solidFill>
                   <a:srgbClr val="000000"/>
                 </a:solidFill>
@@ -17300,7 +17293,7 @@
               <a:t>app.</a:t>
             </a:r>
             <a:r>
-              <a:rPr lang="en-US" altLang="en-US" dirty="0" err="1">
+              <a:rPr lang="en-US" altLang="en-US" sz="2400" dirty="0" err="1">
                 <a:solidFill>
                   <a:srgbClr val="0000FF"/>
                 </a:solidFill>
@@ -17310,7 +17303,7 @@
               <a:t>get</a:t>
             </a:r>
             <a:r>
-              <a:rPr lang="en-US" altLang="en-US" dirty="0">
+              <a:rPr lang="en-US" altLang="en-US" sz="2400" dirty="0">
                 <a:solidFill>
                   <a:srgbClr val="000000"/>
                 </a:solidFill>
@@ -17320,7 +17313,7 @@
               <a:t>(</a:t>
             </a:r>
             <a:r>
-              <a:rPr lang="en-US" altLang="en-US" dirty="0">
+              <a:rPr lang="en-US" altLang="en-US" sz="2400" dirty="0">
                 <a:solidFill>
                   <a:srgbClr val="A31515"/>
                 </a:solidFill>
@@ -17330,7 +17323,7 @@
               <a:t>'/'</a:t>
             </a:r>
             <a:r>
-              <a:rPr lang="en-US" altLang="en-US" dirty="0">
+              <a:rPr lang="en-US" altLang="en-US" sz="2400" dirty="0">
                 <a:solidFill>
                   <a:srgbClr val="000000"/>
                 </a:solidFill>
@@ -17340,7 +17333,7 @@
               <a:t>, </a:t>
             </a:r>
             <a:r>
-              <a:rPr lang="en-US" altLang="en-US" dirty="0">
+              <a:rPr lang="en-US" altLang="en-US" sz="2400" dirty="0">
                 <a:solidFill>
                   <a:srgbClr val="0000FF"/>
                 </a:solidFill>
@@ -17350,7 +17343,7 @@
               <a:t>function</a:t>
             </a:r>
             <a:r>
-              <a:rPr lang="en-US" altLang="en-US" dirty="0">
+              <a:rPr lang="en-US" altLang="en-US" sz="2400" dirty="0">
                 <a:solidFill>
                   <a:srgbClr val="000000"/>
                 </a:solidFill>
@@ -17360,7 +17353,7 @@
               <a:t> (</a:t>
             </a:r>
             <a:r>
-              <a:rPr lang="en-US" altLang="en-US" dirty="0" err="1">
+              <a:rPr lang="en-US" altLang="en-US" sz="2400" dirty="0" err="1">
                 <a:solidFill>
                   <a:srgbClr val="000000"/>
                 </a:solidFill>
@@ -17370,7 +17363,7 @@
               <a:t>req</a:t>
             </a:r>
             <a:r>
-              <a:rPr lang="en-US" altLang="en-US" dirty="0">
+              <a:rPr lang="en-US" altLang="en-US" sz="2400" dirty="0">
                 <a:solidFill>
                   <a:srgbClr val="000000"/>
                 </a:solidFill>
@@ -17391,7 +17384,7 @@
               <a:buNone/>
             </a:pPr>
             <a:r>
-              <a:rPr lang="en-US" altLang="en-US" dirty="0">
+              <a:rPr lang="en-US" altLang="en-US" sz="2400" dirty="0">
                 <a:solidFill>
                   <a:srgbClr val="000000"/>
                 </a:solidFill>
@@ -17401,7 +17394,7 @@
               <a:t>    </a:t>
             </a:r>
             <a:r>
-              <a:rPr lang="en-US" altLang="en-US" dirty="0" err="1">
+              <a:rPr lang="en-US" altLang="en-US" sz="2400" dirty="0" err="1">
                 <a:solidFill>
                   <a:srgbClr val="000000"/>
                 </a:solidFill>
@@ -17411,7 +17404,7 @@
               <a:t>res.json</a:t>
             </a:r>
             <a:r>
-              <a:rPr lang="en-US" altLang="en-US" dirty="0">
+              <a:rPr lang="en-US" altLang="en-US" sz="2400" dirty="0">
                 <a:solidFill>
                   <a:srgbClr val="000000"/>
                 </a:solidFill>
@@ -17421,7 +17414,7 @@
               <a:t>({</a:t>
             </a:r>
             <a:r>
-              <a:rPr lang="en-US" altLang="en-US" dirty="0" err="1">
+              <a:rPr lang="en-US" altLang="en-US" sz="2400" dirty="0" err="1">
                 <a:solidFill>
                   <a:srgbClr val="000000"/>
                 </a:solidFill>
@@ -17431,7 +17424,7 @@
               <a:t>message:</a:t>
             </a:r>
             <a:r>
-              <a:rPr lang="en-US" altLang="en-US" dirty="0" err="1">
+              <a:rPr lang="en-US" altLang="en-US" sz="2400" dirty="0" err="1">
                 <a:solidFill>
                   <a:srgbClr val="A31515"/>
                 </a:solidFill>
@@ -17441,7 +17434,7 @@
               <a:t>'hooray</a:t>
             </a:r>
             <a:r>
-              <a:rPr lang="en-US" altLang="en-US" dirty="0">
+              <a:rPr lang="en-US" altLang="en-US" sz="2400" dirty="0">
                 <a:solidFill>
                   <a:srgbClr val="A31515"/>
                 </a:solidFill>
@@ -17451,7 +17444,7 @@
               <a:t>! welcome to our </a:t>
             </a:r>
             <a:r>
-              <a:rPr lang="en-US" altLang="en-US" dirty="0" err="1">
+              <a:rPr lang="en-US" altLang="en-US" sz="2400" dirty="0" err="1">
                 <a:solidFill>
                   <a:srgbClr val="A31515"/>
                 </a:solidFill>
@@ -17461,7 +17454,7 @@
               <a:t>api</a:t>
             </a:r>
             <a:r>
-              <a:rPr lang="en-US" altLang="en-US" dirty="0">
+              <a:rPr lang="en-US" altLang="en-US" sz="2400" dirty="0">
                 <a:solidFill>
                   <a:srgbClr val="A31515"/>
                 </a:solidFill>
@@ -17471,7 +17464,7 @@
               <a:t>!'</a:t>
             </a:r>
             <a:r>
-              <a:rPr lang="en-US" altLang="en-US" dirty="0">
+              <a:rPr lang="en-US" altLang="en-US" sz="2400" dirty="0">
                 <a:solidFill>
                   <a:srgbClr val="000000"/>
                 </a:solidFill>
@@ -17492,7 +17485,7 @@
               <a:buNone/>
             </a:pPr>
             <a:r>
-              <a:rPr lang="en-US" altLang="en-US" dirty="0">
+              <a:rPr lang="en-US" altLang="en-US" sz="2400" dirty="0">
                 <a:solidFill>
                   <a:srgbClr val="000000"/>
                 </a:solidFill>
@@ -17512,7 +17505,7 @@
               </a:spcAft>
               <a:buNone/>
             </a:pPr>
-            <a:endParaRPr lang="en-US" altLang="en-US" dirty="0">
+            <a:endParaRPr lang="en-US" altLang="en-US" sz="2400" dirty="0">
               <a:solidFill>
                 <a:srgbClr val="000000"/>
               </a:solidFill>
@@ -17531,7 +17524,7 @@
               <a:buNone/>
             </a:pPr>
             <a:r>
-              <a:rPr lang="en-US" altLang="en-US" dirty="0" err="1">
+              <a:rPr lang="en-US" altLang="en-US" sz="2400" dirty="0" err="1">
                 <a:solidFill>
                   <a:srgbClr val="000000"/>
                 </a:solidFill>
@@ -17541,7 +17534,7 @@
               <a:t>app.listen</a:t>
             </a:r>
             <a:r>
-              <a:rPr lang="en-US" altLang="en-US" dirty="0">
+              <a:rPr lang="en-US" altLang="en-US" sz="2400" dirty="0">
                 <a:solidFill>
                   <a:srgbClr val="000000"/>
                 </a:solidFill>
@@ -17551,7 +17544,7 @@
               <a:t>(</a:t>
             </a:r>
             <a:r>
-              <a:rPr lang="en-US" altLang="en-US" dirty="0" err="1">
+              <a:rPr lang="en-US" altLang="en-US" sz="2400" dirty="0" err="1">
                 <a:solidFill>
                   <a:srgbClr val="000000"/>
                 </a:solidFill>
@@ -17561,7 +17554,7 @@
               <a:t>process.env.PORT</a:t>
             </a:r>
             <a:r>
-              <a:rPr lang="en-US" altLang="en-US" dirty="0">
+              <a:rPr lang="en-US" altLang="en-US" sz="2400" dirty="0">
                 <a:solidFill>
                   <a:srgbClr val="000000"/>
                 </a:solidFill>
@@ -17570,12 +17563,12 @@
               </a:rPr>
               <a:t> || 8080); </a:t>
             </a:r>
-            <a:endParaRPr lang="en-US" altLang="en-US" sz="6600" dirty="0">
+            <a:endParaRPr lang="en-US" altLang="en-US" sz="4800" dirty="0">
               <a:latin typeface="Arial" panose="020B0604020202020204" pitchFamily="34" charset="0"/>
             </a:endParaRPr>
           </a:p>
           <a:p>
-            <a:endParaRPr lang="en-US" dirty="0"/>
+            <a:endParaRPr lang="en-US" sz="2400" dirty="0"/>
           </a:p>
         </p:txBody>
       </p:sp>
@@ -17683,876 +17676,6 @@
 </file>
 
 <file path=ppt/slides/slide12.xml><?xml version="1.0" encoding="utf-8"?>
-<p:sld xmlns:a="http://schemas.openxmlformats.org/drawingml/2006/main" xmlns:r="http://schemas.openxmlformats.org/officeDocument/2006/relationships" xmlns:p="http://schemas.openxmlformats.org/presentationml/2006/main" show="0">
-  <p:cSld>
-    <p:spTree>
-      <p:nvGrpSpPr>
-        <p:cNvPr id="1" name=""/>
-        <p:cNvGrpSpPr/>
-        <p:nvPr/>
-      </p:nvGrpSpPr>
-      <p:grpSpPr>
-        <a:xfrm>
-          <a:off x="0" y="0"/>
-          <a:ext cx="0" cy="0"/>
-          <a:chOff x="0" y="0"/>
-          <a:chExt cx="0" cy="0"/>
-        </a:xfrm>
-      </p:grpSpPr>
-      <p:sp>
-        <p:nvSpPr>
-          <p:cNvPr id="2" name="Title 1"/>
-          <p:cNvSpPr>
-            <a:spLocks noGrp="1"/>
-          </p:cNvSpPr>
-          <p:nvPr>
-            <p:ph type="title" idx="4294967295"/>
-          </p:nvPr>
-        </p:nvSpPr>
-        <p:spPr>
-          <a:xfrm>
-            <a:off x="666750" y="182563"/>
-            <a:ext cx="11525250" cy="1063625"/>
-          </a:xfrm>
-        </p:spPr>
-        <p:txBody>
-          <a:bodyPr/>
-          <a:lstStyle/>
-          <a:p>
-            <a:r>
-              <a:rPr lang="en-US" dirty="0" smtClean="0"/>
-              <a:t>Why use Express? </a:t>
-            </a:r>
-            <a:endParaRPr lang="en-US" dirty="0"/>
-          </a:p>
-        </p:txBody>
-      </p:sp>
-      <p:pic>
-        <p:nvPicPr>
-          <p:cNvPr id="4" name="Picture 3"/>
-          <p:cNvPicPr/>
-          <p:nvPr/>
-        </p:nvPicPr>
-        <p:blipFill>
-          <a:blip r:embed="rId2">
-            <a:extLst>
-              <a:ext uri="{28A0092B-C50C-407E-A947-70E740481C1C}">
-                <a14:useLocalDpi xmlns:a14="http://schemas.microsoft.com/office/drawing/2010/main" val="0"/>
-              </a:ext>
-            </a:extLst>
-          </a:blip>
-          <a:stretch>
-            <a:fillRect/>
-          </a:stretch>
-        </p:blipFill>
-        <p:spPr>
-          <a:xfrm>
-            <a:off x="549813" y="1083750"/>
-            <a:ext cx="8819271" cy="5248220"/>
-          </a:xfrm>
-          <a:prstGeom prst="rect">
-            <a:avLst/>
-          </a:prstGeom>
-        </p:spPr>
-      </p:pic>
-    </p:spTree>
-    <p:extLst>
-      <p:ext uri="{BB962C8B-B14F-4D97-AF65-F5344CB8AC3E}">
-        <p14:creationId xmlns:p14="http://schemas.microsoft.com/office/powerpoint/2010/main" val="1099103362"/>
-      </p:ext>
-    </p:extLst>
-  </p:cSld>
-  <p:clrMapOvr>
-    <a:masterClrMapping/>
-  </p:clrMapOvr>
-  <mc:AlternateContent xmlns:mc="http://schemas.openxmlformats.org/markup-compatibility/2006" xmlns:p14="http://schemas.microsoft.com/office/powerpoint/2010/main">
-    <mc:Choice Requires="p14">
-      <p:transition spd="med" p14:dur="700">
-        <p:fade/>
-      </p:transition>
-    </mc:Choice>
-    <mc:Fallback xmlns="">
-      <p:transition spd="med">
-        <p:fade/>
-      </p:transition>
-    </mc:Fallback>
-  </mc:AlternateContent>
-  <p:timing>
-    <p:tnLst>
-      <p:par>
-        <p:cTn id="1" dur="indefinite" restart="never" nodeType="tmRoot"/>
-      </p:par>
-    </p:tnLst>
-  </p:timing>
-</p:sld>
-</file>
-
-<file path=ppt/slides/slide13.xml><?xml version="1.0" encoding="utf-8"?>
-<p:sld xmlns:a="http://schemas.openxmlformats.org/drawingml/2006/main" xmlns:r="http://schemas.openxmlformats.org/officeDocument/2006/relationships" xmlns:p="http://schemas.openxmlformats.org/presentationml/2006/main" show="0">
-  <p:cSld>
-    <p:spTree>
-      <p:nvGrpSpPr>
-        <p:cNvPr id="1" name=""/>
-        <p:cNvGrpSpPr/>
-        <p:nvPr/>
-      </p:nvGrpSpPr>
-      <p:grpSpPr>
-        <a:xfrm>
-          <a:off x="0" y="0"/>
-          <a:ext cx="0" cy="0"/>
-          <a:chOff x="0" y="0"/>
-          <a:chExt cx="0" cy="0"/>
-        </a:xfrm>
-      </p:grpSpPr>
-      <p:sp>
-        <p:nvSpPr>
-          <p:cNvPr id="2" name="Title 1"/>
-          <p:cNvSpPr>
-            <a:spLocks noGrp="1"/>
-          </p:cNvSpPr>
-          <p:nvPr>
-            <p:ph type="title" idx="4294967295"/>
-          </p:nvPr>
-        </p:nvSpPr>
-        <p:spPr>
-          <a:xfrm>
-            <a:off x="666750" y="182563"/>
-            <a:ext cx="11525250" cy="1063625"/>
-          </a:xfrm>
-        </p:spPr>
-        <p:txBody>
-          <a:bodyPr/>
-          <a:lstStyle/>
-          <a:p>
-            <a:r>
-              <a:rPr lang="en-US" dirty="0" smtClean="0"/>
-              <a:t>Why use Express? </a:t>
-            </a:r>
-            <a:endParaRPr lang="en-US" dirty="0"/>
-          </a:p>
-        </p:txBody>
-      </p:sp>
-      <p:pic>
-        <p:nvPicPr>
-          <p:cNvPr id="1026" name="Picture 2" descr="BLOG POST - Part 2 - Screenshot 2"/>
-          <p:cNvPicPr>
-            <a:picLocks noChangeAspect="1" noChangeArrowheads="1"/>
-          </p:cNvPicPr>
-          <p:nvPr/>
-        </p:nvPicPr>
-        <p:blipFill>
-          <a:blip r:embed="rId2">
-            <a:extLst>
-              <a:ext uri="{28A0092B-C50C-407E-A947-70E740481C1C}">
-                <a14:useLocalDpi xmlns:a14="http://schemas.microsoft.com/office/drawing/2010/main" val="0"/>
-              </a:ext>
-            </a:extLst>
-          </a:blip>
-          <a:srcRect/>
-          <a:stretch>
-            <a:fillRect/>
-          </a:stretch>
-        </p:blipFill>
-        <p:spPr bwMode="auto">
-          <a:xfrm>
-            <a:off x="379514" y="1031705"/>
-            <a:ext cx="7667206" cy="5308066"/>
-          </a:xfrm>
-          <a:prstGeom prst="rect">
-            <a:avLst/>
-          </a:prstGeom>
-          <a:noFill/>
-          <a:ln>
-            <a:noFill/>
-          </a:ln>
-          <a:extLst>
-            <a:ext uri="{909E8E84-426E-40DD-AFC4-6F175D3DCCD1}">
-              <a14:hiddenFill xmlns:a14="http://schemas.microsoft.com/office/drawing/2010/main">
-                <a:solidFill>
-                  <a:srgbClr val="FFFFFF"/>
-                </a:solidFill>
-              </a14:hiddenFill>
-            </a:ext>
-            <a:ext uri="{91240B29-F687-4F45-9708-019B960494DF}">
-              <a14:hiddenLine xmlns:a14="http://schemas.microsoft.com/office/drawing/2010/main" w="9525">
-                <a:solidFill>
-                  <a:srgbClr val="000000"/>
-                </a:solidFill>
-                <a:miter lim="800000"/>
-                <a:headEnd/>
-                <a:tailEnd/>
-              </a14:hiddenLine>
-            </a:ext>
-          </a:extLst>
-        </p:spPr>
-      </p:pic>
-    </p:spTree>
-    <p:extLst>
-      <p:ext uri="{BB962C8B-B14F-4D97-AF65-F5344CB8AC3E}">
-        <p14:creationId xmlns:p14="http://schemas.microsoft.com/office/powerpoint/2010/main" val="1416731533"/>
-      </p:ext>
-    </p:extLst>
-  </p:cSld>
-  <p:clrMapOvr>
-    <a:masterClrMapping/>
-  </p:clrMapOvr>
-  <mc:AlternateContent xmlns:mc="http://schemas.openxmlformats.org/markup-compatibility/2006" xmlns:p14="http://schemas.microsoft.com/office/powerpoint/2010/main">
-    <mc:Choice Requires="p14">
-      <p:transition spd="med" p14:dur="700">
-        <p:fade/>
-      </p:transition>
-    </mc:Choice>
-    <mc:Fallback xmlns="">
-      <p:transition spd="med">
-        <p:fade/>
-      </p:transition>
-    </mc:Fallback>
-  </mc:AlternateContent>
-  <p:timing>
-    <p:tnLst>
-      <p:par>
-        <p:cTn id="1" dur="indefinite" restart="never" nodeType="tmRoot"/>
-      </p:par>
-    </p:tnLst>
-  </p:timing>
-</p:sld>
-</file>
-
-<file path=ppt/slides/slide14.xml><?xml version="1.0" encoding="utf-8"?>
-<p:sld xmlns:a="http://schemas.openxmlformats.org/drawingml/2006/main" xmlns:r="http://schemas.openxmlformats.org/officeDocument/2006/relationships" xmlns:p="http://schemas.openxmlformats.org/presentationml/2006/main" show="0">
-  <p:cSld>
-    <p:spTree>
-      <p:nvGrpSpPr>
-        <p:cNvPr id="1" name=""/>
-        <p:cNvGrpSpPr/>
-        <p:nvPr/>
-      </p:nvGrpSpPr>
-      <p:grpSpPr>
-        <a:xfrm>
-          <a:off x="0" y="0"/>
-          <a:ext cx="0" cy="0"/>
-          <a:chOff x="0" y="0"/>
-          <a:chExt cx="0" cy="0"/>
-        </a:xfrm>
-      </p:grpSpPr>
-      <p:sp>
-        <p:nvSpPr>
-          <p:cNvPr id="2" name="Title 1"/>
-          <p:cNvSpPr>
-            <a:spLocks noGrp="1"/>
-          </p:cNvSpPr>
-          <p:nvPr>
-            <p:ph type="title" idx="4294967295"/>
-          </p:nvPr>
-        </p:nvSpPr>
-        <p:spPr>
-          <a:xfrm>
-            <a:off x="666750" y="182563"/>
-            <a:ext cx="11525250" cy="1063625"/>
-          </a:xfrm>
-        </p:spPr>
-        <p:txBody>
-          <a:bodyPr/>
-          <a:lstStyle/>
-          <a:p>
-            <a:r>
-              <a:rPr lang="en-US" dirty="0" smtClean="0"/>
-              <a:t>Why use Express? </a:t>
-            </a:r>
-            <a:endParaRPr lang="en-US" dirty="0"/>
-          </a:p>
-        </p:txBody>
-      </p:sp>
-      <p:pic>
-        <p:nvPicPr>
-          <p:cNvPr id="2050" name="Picture 2" descr="BLOG POST - Part 2 - Screenshot 3"/>
-          <p:cNvPicPr>
-            <a:picLocks noChangeAspect="1" noChangeArrowheads="1"/>
-          </p:cNvPicPr>
-          <p:nvPr/>
-        </p:nvPicPr>
-        <p:blipFill>
-          <a:blip r:embed="rId2">
-            <a:extLst>
-              <a:ext uri="{28A0092B-C50C-407E-A947-70E740481C1C}">
-                <a14:useLocalDpi xmlns:a14="http://schemas.microsoft.com/office/drawing/2010/main" val="0"/>
-              </a:ext>
-            </a:extLst>
-          </a:blip>
-          <a:srcRect/>
-          <a:stretch>
-            <a:fillRect/>
-          </a:stretch>
-        </p:blipFill>
-        <p:spPr bwMode="auto">
-          <a:xfrm>
-            <a:off x="379514" y="1144245"/>
-            <a:ext cx="9671044" cy="5298757"/>
-          </a:xfrm>
-          <a:prstGeom prst="rect">
-            <a:avLst/>
-          </a:prstGeom>
-          <a:noFill/>
-          <a:ln>
-            <a:noFill/>
-          </a:ln>
-          <a:extLst>
-            <a:ext uri="{909E8E84-426E-40DD-AFC4-6F175D3DCCD1}">
-              <a14:hiddenFill xmlns:a14="http://schemas.microsoft.com/office/drawing/2010/main">
-                <a:solidFill>
-                  <a:srgbClr val="FFFFFF"/>
-                </a:solidFill>
-              </a14:hiddenFill>
-            </a:ext>
-            <a:ext uri="{91240B29-F687-4F45-9708-019B960494DF}">
-              <a14:hiddenLine xmlns:a14="http://schemas.microsoft.com/office/drawing/2010/main" w="9525">
-                <a:solidFill>
-                  <a:srgbClr val="000000"/>
-                </a:solidFill>
-                <a:miter lim="800000"/>
-                <a:headEnd/>
-                <a:tailEnd/>
-              </a14:hiddenLine>
-            </a:ext>
-          </a:extLst>
-        </p:spPr>
-      </p:pic>
-    </p:spTree>
-    <p:extLst>
-      <p:ext uri="{BB962C8B-B14F-4D97-AF65-F5344CB8AC3E}">
-        <p14:creationId xmlns:p14="http://schemas.microsoft.com/office/powerpoint/2010/main" val="2642491047"/>
-      </p:ext>
-    </p:extLst>
-  </p:cSld>
-  <p:clrMapOvr>
-    <a:masterClrMapping/>
-  </p:clrMapOvr>
-  <mc:AlternateContent xmlns:mc="http://schemas.openxmlformats.org/markup-compatibility/2006" xmlns:p14="http://schemas.microsoft.com/office/powerpoint/2010/main">
-    <mc:Choice Requires="p14">
-      <p:transition spd="med" p14:dur="700">
-        <p:fade/>
-      </p:transition>
-    </mc:Choice>
-    <mc:Fallback xmlns="">
-      <p:transition spd="med">
-        <p:fade/>
-      </p:transition>
-    </mc:Fallback>
-  </mc:AlternateContent>
-  <p:timing>
-    <p:tnLst>
-      <p:par>
-        <p:cTn id="1" dur="indefinite" restart="never" nodeType="tmRoot"/>
-      </p:par>
-    </p:tnLst>
-  </p:timing>
-</p:sld>
-</file>
-
-<file path=ppt/slides/slide15.xml><?xml version="1.0" encoding="utf-8"?>
-<p:sld xmlns:a="http://schemas.openxmlformats.org/drawingml/2006/main" xmlns:r="http://schemas.openxmlformats.org/officeDocument/2006/relationships" xmlns:p="http://schemas.openxmlformats.org/presentationml/2006/main" show="0">
-  <p:cSld>
-    <p:spTree>
-      <p:nvGrpSpPr>
-        <p:cNvPr id="1" name=""/>
-        <p:cNvGrpSpPr/>
-        <p:nvPr/>
-      </p:nvGrpSpPr>
-      <p:grpSpPr>
-        <a:xfrm>
-          <a:off x="0" y="0"/>
-          <a:ext cx="0" cy="0"/>
-          <a:chOff x="0" y="0"/>
-          <a:chExt cx="0" cy="0"/>
-        </a:xfrm>
-      </p:grpSpPr>
-      <p:sp>
-        <p:nvSpPr>
-          <p:cNvPr id="2" name="Title 1"/>
-          <p:cNvSpPr>
-            <a:spLocks noGrp="1"/>
-          </p:cNvSpPr>
-          <p:nvPr>
-            <p:ph type="title" idx="4294967295"/>
-          </p:nvPr>
-        </p:nvSpPr>
-        <p:spPr>
-          <a:xfrm>
-            <a:off x="666750" y="182563"/>
-            <a:ext cx="11525250" cy="1063625"/>
-          </a:xfrm>
-        </p:spPr>
-        <p:txBody>
-          <a:bodyPr/>
-          <a:lstStyle/>
-          <a:p>
-            <a:r>
-              <a:rPr lang="en-US" dirty="0" smtClean="0"/>
-              <a:t>Why use Express? </a:t>
-            </a:r>
-            <a:endParaRPr lang="en-US" dirty="0"/>
-          </a:p>
-        </p:txBody>
-      </p:sp>
-      <p:pic>
-        <p:nvPicPr>
-          <p:cNvPr id="3074" name="Picture 2" descr="BLOG POST - Part 2 - Screenshot 4"/>
-          <p:cNvPicPr>
-            <a:picLocks noChangeAspect="1" noChangeArrowheads="1"/>
-          </p:cNvPicPr>
-          <p:nvPr/>
-        </p:nvPicPr>
-        <p:blipFill>
-          <a:blip r:embed="rId2">
-            <a:extLst>
-              <a:ext uri="{28A0092B-C50C-407E-A947-70E740481C1C}">
-                <a14:useLocalDpi xmlns:a14="http://schemas.microsoft.com/office/drawing/2010/main" val="0"/>
-              </a:ext>
-            </a:extLst>
-          </a:blip>
-          <a:srcRect/>
-          <a:stretch>
-            <a:fillRect/>
-          </a:stretch>
-        </p:blipFill>
-        <p:spPr bwMode="auto">
-          <a:xfrm>
-            <a:off x="553403" y="989502"/>
-            <a:ext cx="8717206" cy="5769561"/>
-          </a:xfrm>
-          <a:prstGeom prst="rect">
-            <a:avLst/>
-          </a:prstGeom>
-          <a:noFill/>
-          <a:ln>
-            <a:noFill/>
-          </a:ln>
-          <a:extLst>
-            <a:ext uri="{909E8E84-426E-40DD-AFC4-6F175D3DCCD1}">
-              <a14:hiddenFill xmlns:a14="http://schemas.microsoft.com/office/drawing/2010/main">
-                <a:solidFill>
-                  <a:srgbClr val="FFFFFF"/>
-                </a:solidFill>
-              </a14:hiddenFill>
-            </a:ext>
-            <a:ext uri="{91240B29-F687-4F45-9708-019B960494DF}">
-              <a14:hiddenLine xmlns:a14="http://schemas.microsoft.com/office/drawing/2010/main" w="9525">
-                <a:solidFill>
-                  <a:srgbClr val="000000"/>
-                </a:solidFill>
-                <a:miter lim="800000"/>
-                <a:headEnd/>
-                <a:tailEnd/>
-              </a14:hiddenLine>
-            </a:ext>
-          </a:extLst>
-        </p:spPr>
-      </p:pic>
-    </p:spTree>
-    <p:extLst>
-      <p:ext uri="{BB962C8B-B14F-4D97-AF65-F5344CB8AC3E}">
-        <p14:creationId xmlns:p14="http://schemas.microsoft.com/office/powerpoint/2010/main" val="2211259834"/>
-      </p:ext>
-    </p:extLst>
-  </p:cSld>
-  <p:clrMapOvr>
-    <a:masterClrMapping/>
-  </p:clrMapOvr>
-  <mc:AlternateContent xmlns:mc="http://schemas.openxmlformats.org/markup-compatibility/2006" xmlns:p14="http://schemas.microsoft.com/office/powerpoint/2010/main">
-    <mc:Choice Requires="p14">
-      <p:transition spd="med" p14:dur="700">
-        <p:fade/>
-      </p:transition>
-    </mc:Choice>
-    <mc:Fallback xmlns="">
-      <p:transition spd="med">
-        <p:fade/>
-      </p:transition>
-    </mc:Fallback>
-  </mc:AlternateContent>
-  <p:timing>
-    <p:tnLst>
-      <p:par>
-        <p:cTn id="1" dur="indefinite" restart="never" nodeType="tmRoot"/>
-      </p:par>
-    </p:tnLst>
-  </p:timing>
-</p:sld>
-</file>
-
-<file path=ppt/slides/slide16.xml><?xml version="1.0" encoding="utf-8"?>
-<p:sld xmlns:a="http://schemas.openxmlformats.org/drawingml/2006/main" xmlns:r="http://schemas.openxmlformats.org/officeDocument/2006/relationships" xmlns:p="http://schemas.openxmlformats.org/presentationml/2006/main" show="0">
-  <p:cSld>
-    <p:spTree>
-      <p:nvGrpSpPr>
-        <p:cNvPr id="1" name=""/>
-        <p:cNvGrpSpPr/>
-        <p:nvPr/>
-      </p:nvGrpSpPr>
-      <p:grpSpPr>
-        <a:xfrm>
-          <a:off x="0" y="0"/>
-          <a:ext cx="0" cy="0"/>
-          <a:chOff x="0" y="0"/>
-          <a:chExt cx="0" cy="0"/>
-        </a:xfrm>
-      </p:grpSpPr>
-      <p:sp>
-        <p:nvSpPr>
-          <p:cNvPr id="2" name="Title 1"/>
-          <p:cNvSpPr>
-            <a:spLocks noGrp="1"/>
-          </p:cNvSpPr>
-          <p:nvPr>
-            <p:ph type="title" idx="4294967295"/>
-          </p:nvPr>
-        </p:nvSpPr>
-        <p:spPr>
-          <a:xfrm>
-            <a:off x="666750" y="182563"/>
-            <a:ext cx="11525250" cy="1063625"/>
-          </a:xfrm>
-        </p:spPr>
-        <p:txBody>
-          <a:bodyPr/>
-          <a:lstStyle/>
-          <a:p>
-            <a:r>
-              <a:rPr lang="en-US" dirty="0" smtClean="0"/>
-              <a:t>Why use Express? </a:t>
-            </a:r>
-            <a:endParaRPr lang="en-US" dirty="0"/>
-          </a:p>
-        </p:txBody>
-      </p:sp>
-      <p:pic>
-        <p:nvPicPr>
-          <p:cNvPr id="5" name="Picture 4" descr="C:\Users\Rami\AppData\Local\Microsoft\Windows\INetCache\Content.Word\BLOG POST - Part 2 - Screenshot 7.png"/>
-          <p:cNvPicPr/>
-          <p:nvPr/>
-        </p:nvPicPr>
-        <p:blipFill>
-          <a:blip r:embed="rId2">
-            <a:extLst>
-              <a:ext uri="{28A0092B-C50C-407E-A947-70E740481C1C}">
-                <a14:useLocalDpi xmlns:a14="http://schemas.microsoft.com/office/drawing/2010/main" val="0"/>
-              </a:ext>
-            </a:extLst>
-          </a:blip>
-          <a:srcRect/>
-          <a:stretch>
-            <a:fillRect/>
-          </a:stretch>
-        </p:blipFill>
-        <p:spPr bwMode="auto">
-          <a:xfrm>
-            <a:off x="379514" y="1245702"/>
-            <a:ext cx="10775281" cy="4254766"/>
-          </a:xfrm>
-          <a:prstGeom prst="rect">
-            <a:avLst/>
-          </a:prstGeom>
-          <a:noFill/>
-          <a:ln>
-            <a:noFill/>
-          </a:ln>
-        </p:spPr>
-      </p:pic>
-    </p:spTree>
-    <p:extLst>
-      <p:ext uri="{BB962C8B-B14F-4D97-AF65-F5344CB8AC3E}">
-        <p14:creationId xmlns:p14="http://schemas.microsoft.com/office/powerpoint/2010/main" val="3052309441"/>
-      </p:ext>
-    </p:extLst>
-  </p:cSld>
-  <p:clrMapOvr>
-    <a:masterClrMapping/>
-  </p:clrMapOvr>
-  <mc:AlternateContent xmlns:mc="http://schemas.openxmlformats.org/markup-compatibility/2006" xmlns:p14="http://schemas.microsoft.com/office/powerpoint/2010/main">
-    <mc:Choice Requires="p14">
-      <p:transition spd="med" p14:dur="700">
-        <p:fade/>
-      </p:transition>
-    </mc:Choice>
-    <mc:Fallback xmlns="">
-      <p:transition spd="med">
-        <p:fade/>
-      </p:transition>
-    </mc:Fallback>
-  </mc:AlternateContent>
-  <p:timing>
-    <p:tnLst>
-      <p:par>
-        <p:cTn id="1" dur="indefinite" restart="never" nodeType="tmRoot"/>
-      </p:par>
-    </p:tnLst>
-  </p:timing>
-</p:sld>
-</file>
-
-<file path=ppt/slides/slide17.xml><?xml version="1.0" encoding="utf-8"?>
-<p:sld xmlns:a="http://schemas.openxmlformats.org/drawingml/2006/main" xmlns:r="http://schemas.openxmlformats.org/officeDocument/2006/relationships" xmlns:p="http://schemas.openxmlformats.org/presentationml/2006/main" show="0">
-  <p:cSld>
-    <p:spTree>
-      <p:nvGrpSpPr>
-        <p:cNvPr id="1" name=""/>
-        <p:cNvGrpSpPr/>
-        <p:nvPr/>
-      </p:nvGrpSpPr>
-      <p:grpSpPr>
-        <a:xfrm>
-          <a:off x="0" y="0"/>
-          <a:ext cx="0" cy="0"/>
-          <a:chOff x="0" y="0"/>
-          <a:chExt cx="0" cy="0"/>
-        </a:xfrm>
-      </p:grpSpPr>
-      <p:sp>
-        <p:nvSpPr>
-          <p:cNvPr id="2" name="Title 1"/>
-          <p:cNvSpPr>
-            <a:spLocks noGrp="1"/>
-          </p:cNvSpPr>
-          <p:nvPr>
-            <p:ph type="title" idx="4294967295"/>
-          </p:nvPr>
-        </p:nvSpPr>
-        <p:spPr>
-          <a:xfrm>
-            <a:off x="666750" y="182563"/>
-            <a:ext cx="11525250" cy="1063625"/>
-          </a:xfrm>
-        </p:spPr>
-        <p:txBody>
-          <a:bodyPr/>
-          <a:lstStyle/>
-          <a:p>
-            <a:r>
-              <a:rPr lang="en-US" dirty="0" smtClean="0"/>
-              <a:t>Why use Express? </a:t>
-            </a:r>
-            <a:endParaRPr lang="en-US" dirty="0"/>
-          </a:p>
-        </p:txBody>
-      </p:sp>
-      <p:pic>
-        <p:nvPicPr>
-          <p:cNvPr id="9218" name="Picture 2" descr="BLOG POST - Part 2 - Screenshot 8"/>
-          <p:cNvPicPr>
-            <a:picLocks noChangeAspect="1" noChangeArrowheads="1"/>
-          </p:cNvPicPr>
-          <p:nvPr/>
-        </p:nvPicPr>
-        <p:blipFill>
-          <a:blip r:embed="rId2">
-            <a:extLst>
-              <a:ext uri="{28A0092B-C50C-407E-A947-70E740481C1C}">
-                <a14:useLocalDpi xmlns:a14="http://schemas.microsoft.com/office/drawing/2010/main" val="0"/>
-              </a:ext>
-            </a:extLst>
-          </a:blip>
-          <a:srcRect/>
-          <a:stretch>
-            <a:fillRect/>
-          </a:stretch>
-        </p:blipFill>
-        <p:spPr bwMode="auto">
-          <a:xfrm>
-            <a:off x="379514" y="1045772"/>
-            <a:ext cx="10227526" cy="5195714"/>
-          </a:xfrm>
-          <a:prstGeom prst="rect">
-            <a:avLst/>
-          </a:prstGeom>
-          <a:noFill/>
-          <a:ln>
-            <a:noFill/>
-          </a:ln>
-          <a:extLst>
-            <a:ext uri="{909E8E84-426E-40DD-AFC4-6F175D3DCCD1}">
-              <a14:hiddenFill xmlns:a14="http://schemas.microsoft.com/office/drawing/2010/main">
-                <a:solidFill>
-                  <a:srgbClr val="FFFFFF"/>
-                </a:solidFill>
-              </a14:hiddenFill>
-            </a:ext>
-            <a:ext uri="{91240B29-F687-4F45-9708-019B960494DF}">
-              <a14:hiddenLine xmlns:a14="http://schemas.microsoft.com/office/drawing/2010/main" w="9525">
-                <a:solidFill>
-                  <a:srgbClr val="000000"/>
-                </a:solidFill>
-                <a:miter lim="800000"/>
-                <a:headEnd/>
-                <a:tailEnd/>
-              </a14:hiddenLine>
-            </a:ext>
-          </a:extLst>
-        </p:spPr>
-      </p:pic>
-    </p:spTree>
-    <p:extLst>
-      <p:ext uri="{BB962C8B-B14F-4D97-AF65-F5344CB8AC3E}">
-        <p14:creationId xmlns:p14="http://schemas.microsoft.com/office/powerpoint/2010/main" val="807860383"/>
-      </p:ext>
-    </p:extLst>
-  </p:cSld>
-  <p:clrMapOvr>
-    <a:masterClrMapping/>
-  </p:clrMapOvr>
-  <mc:AlternateContent xmlns:mc="http://schemas.openxmlformats.org/markup-compatibility/2006" xmlns:p14="http://schemas.microsoft.com/office/powerpoint/2010/main">
-    <mc:Choice Requires="p14">
-      <p:transition spd="med" p14:dur="700">
-        <p:fade/>
-      </p:transition>
-    </mc:Choice>
-    <mc:Fallback xmlns="">
-      <p:transition spd="med">
-        <p:fade/>
-      </p:transition>
-    </mc:Fallback>
-  </mc:AlternateContent>
-  <p:timing>
-    <p:tnLst>
-      <p:par>
-        <p:cTn id="1" dur="indefinite" restart="never" nodeType="tmRoot"/>
-      </p:par>
-    </p:tnLst>
-  </p:timing>
-</p:sld>
-</file>
-
-<file path=ppt/slides/slide18.xml><?xml version="1.0" encoding="utf-8"?>
-<p:sld xmlns:a="http://schemas.openxmlformats.org/drawingml/2006/main" xmlns:r="http://schemas.openxmlformats.org/officeDocument/2006/relationships" xmlns:p="http://schemas.openxmlformats.org/presentationml/2006/main" show="0">
-  <p:cSld>
-    <p:spTree>
-      <p:nvGrpSpPr>
-        <p:cNvPr id="1" name=""/>
-        <p:cNvGrpSpPr/>
-        <p:nvPr/>
-      </p:nvGrpSpPr>
-      <p:grpSpPr>
-        <a:xfrm>
-          <a:off x="0" y="0"/>
-          <a:ext cx="0" cy="0"/>
-          <a:chOff x="0" y="0"/>
-          <a:chExt cx="0" cy="0"/>
-        </a:xfrm>
-      </p:grpSpPr>
-      <p:sp>
-        <p:nvSpPr>
-          <p:cNvPr id="2" name="Title 1"/>
-          <p:cNvSpPr>
-            <a:spLocks noGrp="1"/>
-          </p:cNvSpPr>
-          <p:nvPr>
-            <p:ph type="title" idx="4294967295"/>
-          </p:nvPr>
-        </p:nvSpPr>
-        <p:spPr>
-          <a:xfrm>
-            <a:off x="666750" y="182563"/>
-            <a:ext cx="11525250" cy="1063625"/>
-          </a:xfrm>
-        </p:spPr>
-        <p:txBody>
-          <a:bodyPr/>
-          <a:lstStyle/>
-          <a:p>
-            <a:r>
-              <a:rPr lang="en-US" dirty="0" smtClean="0"/>
-              <a:t>Why use Express? </a:t>
-            </a:r>
-            <a:endParaRPr lang="en-US" dirty="0"/>
-          </a:p>
-        </p:txBody>
-      </p:sp>
-      <p:pic>
-        <p:nvPicPr>
-          <p:cNvPr id="10242" name="Picture 2" descr="BLOG POST - Part 2 - Screenshot 9"/>
-          <p:cNvPicPr>
-            <a:picLocks noChangeAspect="1" noChangeArrowheads="1"/>
-          </p:cNvPicPr>
-          <p:nvPr/>
-        </p:nvPicPr>
-        <p:blipFill>
-          <a:blip r:embed="rId2">
-            <a:extLst>
-              <a:ext uri="{28A0092B-C50C-407E-A947-70E740481C1C}">
-                <a14:useLocalDpi xmlns:a14="http://schemas.microsoft.com/office/drawing/2010/main" val="0"/>
-              </a:ext>
-            </a:extLst>
-          </a:blip>
-          <a:srcRect/>
-          <a:stretch>
-            <a:fillRect/>
-          </a:stretch>
-        </p:blipFill>
-        <p:spPr bwMode="auto">
-          <a:xfrm>
-            <a:off x="379513" y="1017636"/>
-            <a:ext cx="10245389" cy="5664518"/>
-          </a:xfrm>
-          <a:prstGeom prst="rect">
-            <a:avLst/>
-          </a:prstGeom>
-          <a:noFill/>
-          <a:ln>
-            <a:noFill/>
-          </a:ln>
-          <a:extLst>
-            <a:ext uri="{909E8E84-426E-40DD-AFC4-6F175D3DCCD1}">
-              <a14:hiddenFill xmlns:a14="http://schemas.microsoft.com/office/drawing/2010/main">
-                <a:solidFill>
-                  <a:srgbClr val="FFFFFF"/>
-                </a:solidFill>
-              </a14:hiddenFill>
-            </a:ext>
-            <a:ext uri="{91240B29-F687-4F45-9708-019B960494DF}">
-              <a14:hiddenLine xmlns:a14="http://schemas.microsoft.com/office/drawing/2010/main" w="9525">
-                <a:solidFill>
-                  <a:srgbClr val="000000"/>
-                </a:solidFill>
-                <a:miter lim="800000"/>
-                <a:headEnd/>
-                <a:tailEnd/>
-              </a14:hiddenLine>
-            </a:ext>
-          </a:extLst>
-        </p:spPr>
-      </p:pic>
-    </p:spTree>
-    <p:extLst>
-      <p:ext uri="{BB962C8B-B14F-4D97-AF65-F5344CB8AC3E}">
-        <p14:creationId xmlns:p14="http://schemas.microsoft.com/office/powerpoint/2010/main" val="2360006945"/>
-      </p:ext>
-    </p:extLst>
-  </p:cSld>
-  <p:clrMapOvr>
-    <a:masterClrMapping/>
-  </p:clrMapOvr>
-  <mc:AlternateContent xmlns:mc="http://schemas.openxmlformats.org/markup-compatibility/2006" xmlns:p14="http://schemas.microsoft.com/office/powerpoint/2010/main">
-    <mc:Choice Requires="p14">
-      <p:transition spd="med" p14:dur="700">
-        <p:fade/>
-      </p:transition>
-    </mc:Choice>
-    <mc:Fallback xmlns="">
-      <p:transition spd="med">
-        <p:fade/>
-      </p:transition>
-    </mc:Fallback>
-  </mc:AlternateContent>
-  <p:timing>
-    <p:tnLst>
-      <p:par>
-        <p:cTn id="1" dur="indefinite" restart="never" nodeType="tmRoot"/>
-      </p:par>
-    </p:tnLst>
-  </p:timing>
-</p:sld>
-</file>
-
-<file path=ppt/slides/slide19.xml><?xml version="1.0" encoding="utf-8"?>
 <p:sld xmlns:a="http://schemas.openxmlformats.org/drawingml/2006/main" xmlns:r="http://schemas.openxmlformats.org/officeDocument/2006/relationships" xmlns:p="http://schemas.openxmlformats.org/presentationml/2006/main">
   <p:cSld>
     <p:spTree>
@@ -18682,6 +17805,55 @@
     <p:extLst>
       <p:ext uri="{BB962C8B-B14F-4D97-AF65-F5344CB8AC3E}">
         <p14:creationId xmlns:p14="http://schemas.microsoft.com/office/powerpoint/2010/main" val="1902419148"/>
+      </p:ext>
+    </p:extLst>
+  </p:cSld>
+  <p:clrMapOvr>
+    <a:masterClrMapping/>
+  </p:clrMapOvr>
+  <mc:AlternateContent xmlns:mc="http://schemas.openxmlformats.org/markup-compatibility/2006" xmlns:p14="http://schemas.microsoft.com/office/powerpoint/2010/main">
+    <mc:Choice Requires="p14">
+      <p:transition spd="med" p14:dur="700">
+        <p:fade/>
+      </p:transition>
+    </mc:Choice>
+    <mc:Fallback xmlns="">
+      <p:transition spd="med">
+        <p:fade/>
+      </p:transition>
+    </mc:Fallback>
+  </mc:AlternateContent>
+  <p:timing>
+    <p:tnLst>
+      <p:par>
+        <p:cTn id="1" dur="indefinite" restart="never" nodeType="tmRoot"/>
+      </p:par>
+    </p:tnLst>
+  </p:timing>
+</p:sld>
+</file>
+
+<file path=ppt/slides/slide13.xml><?xml version="1.0" encoding="utf-8"?>
+<p:sld xmlns:a="http://schemas.openxmlformats.org/drawingml/2006/main" xmlns:r="http://schemas.openxmlformats.org/officeDocument/2006/relationships" xmlns:p="http://schemas.openxmlformats.org/presentationml/2006/main">
+  <p:cSld>
+    <p:spTree>
+      <p:nvGrpSpPr>
+        <p:cNvPr id="1" name=""/>
+        <p:cNvGrpSpPr/>
+        <p:nvPr/>
+      </p:nvGrpSpPr>
+      <p:grpSpPr>
+        <a:xfrm>
+          <a:off x="0" y="0"/>
+          <a:ext cx="0" cy="0"/>
+          <a:chOff x="0" y="0"/>
+          <a:chExt cx="0" cy="0"/>
+        </a:xfrm>
+      </p:grpSpPr>
+    </p:spTree>
+    <p:extLst>
+      <p:ext uri="{BB962C8B-B14F-4D97-AF65-F5344CB8AC3E}">
+        <p14:creationId xmlns:p14="http://schemas.microsoft.com/office/powerpoint/2010/main" val="898363405"/>
       </p:ext>
     </p:extLst>
   </p:cSld>
@@ -18831,55 +18003,6 @@
     <p:extLst>
       <p:ext uri="{BB962C8B-B14F-4D97-AF65-F5344CB8AC3E}">
         <p14:creationId xmlns:p14="http://schemas.microsoft.com/office/powerpoint/2010/main" val="2864860981"/>
-      </p:ext>
-    </p:extLst>
-  </p:cSld>
-  <p:clrMapOvr>
-    <a:masterClrMapping/>
-  </p:clrMapOvr>
-  <mc:AlternateContent xmlns:mc="http://schemas.openxmlformats.org/markup-compatibility/2006" xmlns:p14="http://schemas.microsoft.com/office/powerpoint/2010/main">
-    <mc:Choice Requires="p14">
-      <p:transition spd="med" p14:dur="700">
-        <p:fade/>
-      </p:transition>
-    </mc:Choice>
-    <mc:Fallback xmlns="">
-      <p:transition spd="med">
-        <p:fade/>
-      </p:transition>
-    </mc:Fallback>
-  </mc:AlternateContent>
-  <p:timing>
-    <p:tnLst>
-      <p:par>
-        <p:cTn id="1" dur="indefinite" restart="never" nodeType="tmRoot"/>
-      </p:par>
-    </p:tnLst>
-  </p:timing>
-</p:sld>
-</file>
-
-<file path=ppt/slides/slide20.xml><?xml version="1.0" encoding="utf-8"?>
-<p:sld xmlns:a="http://schemas.openxmlformats.org/drawingml/2006/main" xmlns:r="http://schemas.openxmlformats.org/officeDocument/2006/relationships" xmlns:p="http://schemas.openxmlformats.org/presentationml/2006/main">
-  <p:cSld>
-    <p:spTree>
-      <p:nvGrpSpPr>
-        <p:cNvPr id="1" name=""/>
-        <p:cNvGrpSpPr/>
-        <p:nvPr/>
-      </p:nvGrpSpPr>
-      <p:grpSpPr>
-        <a:xfrm>
-          <a:off x="0" y="0"/>
-          <a:ext cx="0" cy="0"/>
-          <a:chOff x="0" y="0"/>
-          <a:chExt cx="0" cy="0"/>
-        </a:xfrm>
-      </p:grpSpPr>
-    </p:spTree>
-    <p:extLst>
-      <p:ext uri="{BB962C8B-B14F-4D97-AF65-F5344CB8AC3E}">
-        <p14:creationId xmlns:p14="http://schemas.microsoft.com/office/powerpoint/2010/main" val="898363405"/>
       </p:ext>
     </p:extLst>
   </p:cSld>
@@ -19593,8 +18716,8 @@
         </p:nvSpPr>
         <p:spPr>
           <a:xfrm>
-            <a:off x="560798" y="5045529"/>
-            <a:ext cx="10183402" cy="816429"/>
+            <a:off x="560798" y="5477691"/>
+            <a:ext cx="7294333" cy="614884"/>
           </a:xfrm>
           <a:prstGeom prst="rect">
             <a:avLst/>
@@ -19659,7 +18782,7 @@
         <p:spPr/>
         <p:txBody>
           <a:bodyPr>
-            <a:normAutofit fontScale="92500" lnSpcReduction="10000"/>
+            <a:normAutofit fontScale="92500"/>
           </a:bodyPr>
           <a:lstStyle/>
           <a:p>
@@ -19728,7 +18851,7 @@
               <a:buNone/>
             </a:pPr>
             <a:r>
-              <a:rPr lang="en-US" altLang="en-US" dirty="0" err="1" smtClean="0">
+              <a:rPr lang="en-US" altLang="en-US" sz="2600" dirty="0" err="1" smtClean="0">
                 <a:solidFill>
                   <a:srgbClr val="000000"/>
                 </a:solidFill>
@@ -19738,7 +18861,7 @@
               <a:t>app.</a:t>
             </a:r>
             <a:r>
-              <a:rPr lang="en-US" altLang="en-US" dirty="0" err="1" smtClean="0">
+              <a:rPr lang="en-US" altLang="en-US" sz="2600" dirty="0" err="1" smtClean="0">
                 <a:solidFill>
                   <a:srgbClr val="0000FF"/>
                 </a:solidFill>
@@ -19748,7 +18871,7 @@
               <a:t>get</a:t>
             </a:r>
             <a:r>
-              <a:rPr lang="en-US" altLang="en-US" dirty="0" smtClean="0">
+              <a:rPr lang="en-US" altLang="en-US" sz="2600" dirty="0" smtClean="0">
                 <a:solidFill>
                   <a:srgbClr val="000000"/>
                 </a:solidFill>
@@ -19758,7 +18881,7 @@
               <a:t>(</a:t>
             </a:r>
             <a:r>
-              <a:rPr lang="en-US" altLang="en-US" dirty="0" smtClean="0">
+              <a:rPr lang="en-US" altLang="en-US" sz="2600" dirty="0" smtClean="0">
                 <a:solidFill>
                   <a:srgbClr val="A31515"/>
                 </a:solidFill>
@@ -19768,7 +18891,7 @@
               <a:t>'/index'</a:t>
             </a:r>
             <a:r>
-              <a:rPr lang="en-US" altLang="en-US" dirty="0" smtClean="0">
+              <a:rPr lang="en-US" altLang="en-US" sz="2600" dirty="0" smtClean="0">
                 <a:solidFill>
                   <a:srgbClr val="000000"/>
                 </a:solidFill>
@@ -19778,7 +18901,7 @@
               <a:t>,</a:t>
             </a:r>
             <a:r>
-              <a:rPr lang="en-US" altLang="en-US" dirty="0">
+              <a:rPr lang="en-US" altLang="en-US" sz="2600" dirty="0">
                 <a:solidFill>
                   <a:srgbClr val="000000"/>
                 </a:solidFill>
@@ -19788,7 +18911,7 @@
               <a:t> </a:t>
             </a:r>
             <a:r>
-              <a:rPr lang="en-US" altLang="en-US" dirty="0">
+              <a:rPr lang="en-US" altLang="en-US" sz="2600" dirty="0">
                 <a:solidFill>
                   <a:srgbClr val="0000FF"/>
                 </a:solidFill>
@@ -19798,7 +18921,7 @@
               <a:t>function</a:t>
             </a:r>
             <a:r>
-              <a:rPr lang="en-US" altLang="en-US" dirty="0">
+              <a:rPr lang="en-US" altLang="en-US" sz="2600" dirty="0">
                 <a:solidFill>
                   <a:srgbClr val="000000"/>
                 </a:solidFill>
@@ -19808,7 +18931,7 @@
               <a:t> (</a:t>
             </a:r>
             <a:r>
-              <a:rPr lang="en-US" altLang="en-US" dirty="0" err="1">
+              <a:rPr lang="en-US" altLang="en-US" sz="2600" dirty="0" err="1">
                 <a:solidFill>
                   <a:srgbClr val="000000"/>
                 </a:solidFill>
@@ -19818,7 +18941,7 @@
               <a:t>req</a:t>
             </a:r>
             <a:r>
-              <a:rPr lang="en-US" altLang="en-US" dirty="0">
+              <a:rPr lang="en-US" altLang="en-US" sz="2600" dirty="0">
                 <a:solidFill>
                   <a:srgbClr val="000000"/>
                 </a:solidFill>
@@ -19828,7 +18951,7 @@
               <a:t>, res) </a:t>
             </a:r>
             <a:r>
-              <a:rPr lang="en-US" altLang="en-US" dirty="0" smtClean="0">
+              <a:rPr lang="en-US" altLang="en-US" sz="2600" dirty="0" smtClean="0">
                 <a:solidFill>
                   <a:srgbClr val="000000"/>
                 </a:solidFill>
@@ -21902,6 +21025,21 @@
 </file>
 
 <file path=customXml/item1.xml><?xml version="1.0" encoding="utf-8"?>
+<?mso-contentType ?>
+<FormTemplates xmlns="http://schemas.microsoft.com/sharepoint/v3/contenttype/forms">
+  <Display>DocumentLibraryForm</Display>
+  <Edit>DocumentLibraryForm</Edit>
+  <New>DocumentLibraryForm</New>
+</FormTemplates>
+</file>
+
+<file path=customXml/item2.xml><?xml version="1.0" encoding="utf-8"?>
+<p:properties xmlns:p="http://schemas.microsoft.com/office/2006/metadata/properties" xmlns:xsi="http://www.w3.org/2001/XMLSchema-instance" xmlns:pc="http://schemas.microsoft.com/office/infopath/2007/PartnerControls">
+  <documentManagement/>
+</p:properties>
+</file>
+
+<file path=customXml/item3.xml><?xml version="1.0" encoding="utf-8"?>
 <ct:contentTypeSchema xmlns:ct="http://schemas.microsoft.com/office/2006/metadata/contentType" xmlns:ma="http://schemas.microsoft.com/office/2006/metadata/properties/metaAttributes" ct:_="" ma:_="" ma:contentTypeName="Document" ma:contentTypeID="0x010100391E57C78B9F604FB8BAD296D1460E2A" ma:contentTypeVersion="1" ma:contentTypeDescription="Create a new document." ma:contentTypeScope="" ma:versionID="fb382fe2362acd2155f454904f478e4d">
   <xsd:schema xmlns:xsd="http://www.w3.org/2001/XMLSchema" xmlns:xs="http://www.w3.org/2001/XMLSchema" xmlns:p="http://schemas.microsoft.com/office/2006/metadata/properties" xmlns:ns3="636b0322-90fb-440c-9cbc-22749e7231e9" targetNamespace="http://schemas.microsoft.com/office/2006/metadata/properties" ma:root="true" ma:fieldsID="b9887c63ce4710c1aeb75a5f03aecb69" ns3:_="">
     <xsd:import namespace="636b0322-90fb-440c-9cbc-22749e7231e9"/>
@@ -22041,35 +21179,10 @@
 </ct:contentTypeSchema>
 </file>
 
-<file path=customXml/item2.xml><?xml version="1.0" encoding="utf-8"?>
-<p:properties xmlns:p="http://schemas.microsoft.com/office/2006/metadata/properties" xmlns:xsi="http://www.w3.org/2001/XMLSchema-instance" xmlns:pc="http://schemas.microsoft.com/office/infopath/2007/PartnerControls">
-  <documentManagement/>
-</p:properties>
-</file>
-
-<file path=customXml/item3.xml><?xml version="1.0" encoding="utf-8"?>
-<?mso-contentType ?>
-<FormTemplates xmlns="http://schemas.microsoft.com/sharepoint/v3/contenttype/forms">
-  <Display>DocumentLibraryForm</Display>
-  <Edit>DocumentLibraryForm</Edit>
-  <New>DocumentLibraryForm</New>
-</FormTemplates>
-</file>
-
 <file path=customXml/itemProps1.xml><?xml version="1.0" encoding="utf-8"?>
-<ds:datastoreItem xmlns:ds="http://schemas.openxmlformats.org/officeDocument/2006/customXml" ds:itemID="{7B70CE0C-0988-423A-BF66-B40F6A1061FF}">
+<ds:datastoreItem xmlns:ds="http://schemas.openxmlformats.org/officeDocument/2006/customXml" ds:itemID="{B0CA13EC-1D3C-4D6F-8D1C-E8A452CFC79A}">
   <ds:schemaRefs>
-    <ds:schemaRef ds:uri="http://schemas.microsoft.com/office/2006/metadata/contentType"/>
-    <ds:schemaRef ds:uri="http://schemas.microsoft.com/office/2006/metadata/properties/metaAttributes"/>
-    <ds:schemaRef ds:uri="http://www.w3.org/2001/XMLSchema"/>
-    <ds:schemaRef ds:uri="http://schemas.microsoft.com/office/2006/metadata/properties"/>
-    <ds:schemaRef ds:uri="636b0322-90fb-440c-9cbc-22749e7231e9"/>
-    <ds:schemaRef ds:uri="http://schemas.microsoft.com/office/2006/documentManagement/types"/>
-    <ds:schemaRef ds:uri="http://schemas.microsoft.com/office/infopath/2007/PartnerControls"/>
-    <ds:schemaRef ds:uri="http://schemas.openxmlformats.org/package/2006/metadata/core-properties"/>
-    <ds:schemaRef ds:uri="http://purl.org/dc/elements/1.1/"/>
-    <ds:schemaRef ds:uri="http://purl.org/dc/terms/"/>
-    <ds:schemaRef ds:uri="http://schemas.microsoft.com/internal/obd"/>
+    <ds:schemaRef ds:uri="http://schemas.microsoft.com/sharepoint/v3/contenttype/forms"/>
   </ds:schemaRefs>
 </ds:datastoreItem>
 </file>
@@ -22091,9 +21204,19 @@
 </file>
 
 <file path=customXml/itemProps3.xml><?xml version="1.0" encoding="utf-8"?>
-<ds:datastoreItem xmlns:ds="http://schemas.openxmlformats.org/officeDocument/2006/customXml" ds:itemID="{B0CA13EC-1D3C-4D6F-8D1C-E8A452CFC79A}">
+<ds:datastoreItem xmlns:ds="http://schemas.openxmlformats.org/officeDocument/2006/customXml" ds:itemID="{7B70CE0C-0988-423A-BF66-B40F6A1061FF}">
   <ds:schemaRefs>
-    <ds:schemaRef ds:uri="http://schemas.microsoft.com/sharepoint/v3/contenttype/forms"/>
+    <ds:schemaRef ds:uri="http://schemas.microsoft.com/office/2006/metadata/contentType"/>
+    <ds:schemaRef ds:uri="http://schemas.microsoft.com/office/2006/metadata/properties/metaAttributes"/>
+    <ds:schemaRef ds:uri="http://www.w3.org/2001/XMLSchema"/>
+    <ds:schemaRef ds:uri="http://schemas.microsoft.com/office/2006/metadata/properties"/>
+    <ds:schemaRef ds:uri="636b0322-90fb-440c-9cbc-22749e7231e9"/>
+    <ds:schemaRef ds:uri="http://schemas.microsoft.com/office/2006/documentManagement/types"/>
+    <ds:schemaRef ds:uri="http://schemas.microsoft.com/office/infopath/2007/PartnerControls"/>
+    <ds:schemaRef ds:uri="http://schemas.openxmlformats.org/package/2006/metadata/core-properties"/>
+    <ds:schemaRef ds:uri="http://purl.org/dc/elements/1.1/"/>
+    <ds:schemaRef ds:uri="http://purl.org/dc/terms/"/>
+    <ds:schemaRef ds:uri="http://schemas.microsoft.com/internal/obd"/>
   </ds:schemaRefs>
 </ds:datastoreItem>
 </file>
--- a/Presentation/IntroToExpress/IntroToExpress.pptx
+++ b/Presentation/IntroToExpress/IntroToExpress.pptx
@@ -11,10 +11,10 @@
     <p:sldMasterId id="2147483729" r:id="rId10"/>
   </p:sldMasterIdLst>
   <p:notesMasterIdLst>
-    <p:notesMasterId r:id="rId24"/>
+    <p:notesMasterId r:id="rId26"/>
   </p:notesMasterIdLst>
   <p:handoutMasterIdLst>
-    <p:handoutMasterId r:id="rId25"/>
+    <p:handoutMasterId r:id="rId27"/>
   </p:handoutMasterIdLst>
   <p:sldIdLst>
     <p:sldId id="297" r:id="rId11"/>
@@ -24,12 +24,14 @@
     <p:sldId id="287" r:id="rId15"/>
     <p:sldId id="301" r:id="rId16"/>
     <p:sldId id="295" r:id="rId17"/>
-    <p:sldId id="303" r:id="rId18"/>
-    <p:sldId id="296" r:id="rId19"/>
-    <p:sldId id="286" r:id="rId20"/>
-    <p:sldId id="302" r:id="rId21"/>
-    <p:sldId id="283" r:id="rId22"/>
-    <p:sldId id="269" r:id="rId23"/>
+    <p:sldId id="305" r:id="rId18"/>
+    <p:sldId id="303" r:id="rId19"/>
+    <p:sldId id="307" r:id="rId20"/>
+    <p:sldId id="296" r:id="rId21"/>
+    <p:sldId id="286" r:id="rId22"/>
+    <p:sldId id="302" r:id="rId23"/>
+    <p:sldId id="283" r:id="rId24"/>
+    <p:sldId id="269" r:id="rId25"/>
   </p:sldIdLst>
   <p:sldSz cx="12192000" cy="6858000"/>
   <p:notesSz cx="6858000" cy="9144000"/>
@@ -221,7 +223,7 @@
           <a:p>
             <a:fld id="{312E7B4A-039C-48A2-9B2C-AF16AA3873D8}" type="datetimeFigureOut">
               <a:rPr lang="en-US" smtClean="0"/>
-              <a:t>20/07/2015</a:t>
+              <a:t>7/21/2015</a:t>
             </a:fld>
             <a:endParaRPr lang="en-US"/>
           </a:p>
@@ -386,7 +388,7 @@
           <a:p>
             <a:fld id="{DA005A0C-54D9-45AA-87D4-C551D08DFCE1}" type="datetimeFigureOut">
               <a:rPr lang="en-US" smtClean="0"/>
-              <a:t>20/07/2015</a:t>
+              <a:t>7/21/2015</a:t>
             </a:fld>
             <a:endParaRPr lang="en-US"/>
           </a:p>
@@ -17116,12 +17118,12 @@
       </p:grpSpPr>
       <p:sp>
         <p:nvSpPr>
-          <p:cNvPr id="2" name="Title 1"/>
+          <p:cNvPr id="6" name="Subtitle 5"/>
           <p:cNvSpPr>
             <a:spLocks noGrp="1"/>
           </p:cNvSpPr>
           <p:nvPr>
-            <p:ph type="title"/>
+            <p:ph type="subTitle" idx="1"/>
           </p:nvPr>
         </p:nvSpPr>
         <p:spPr/>
@@ -17130,465 +17132,34 @@
           <a:lstStyle/>
           <a:p>
             <a:r>
+              <a:rPr lang="en-US" dirty="0"/>
+              <a:t>Creating </a:t>
+            </a:r>
+            <a:r>
               <a:rPr lang="en-US" dirty="0" smtClean="0"/>
-              <a:t>Creating a Simple Express Application</a:t>
+              <a:t>an Express application</a:t>
             </a:r>
             <a:endParaRPr lang="en-US" dirty="0"/>
-          </a:p>
-        </p:txBody>
-      </p:sp>
-      <p:sp>
-        <p:nvSpPr>
-          <p:cNvPr id="3" name="Content Placeholder 2"/>
-          <p:cNvSpPr>
-            <a:spLocks noGrp="1"/>
-          </p:cNvSpPr>
-          <p:nvPr>
-            <p:ph idx="1"/>
-          </p:nvPr>
-        </p:nvSpPr>
-        <p:spPr>
-          <a:xfrm>
-            <a:off x="560798" y="2598719"/>
-            <a:ext cx="9323431" cy="2922515"/>
-          </a:xfrm>
-        </p:spPr>
-        <p:style>
-          <a:lnRef idx="2">
-            <a:schemeClr val="dk1"/>
-          </a:lnRef>
-          <a:fillRef idx="1">
-            <a:schemeClr val="lt1"/>
-          </a:fillRef>
-          <a:effectRef idx="0">
-            <a:schemeClr val="dk1"/>
-          </a:effectRef>
-          <a:fontRef idx="minor">
-            <a:schemeClr val="dk1"/>
-          </a:fontRef>
-        </p:style>
-        <p:txBody>
-          <a:bodyPr>
-            <a:normAutofit/>
-          </a:bodyPr>
-          <a:lstStyle/>
-          <a:p>
-            <a:pPr marL="0" lvl="0" indent="0" defTabSz="914400" eaLnBrk="0" fontAlgn="base" hangingPunct="0">
-              <a:spcBef>
-                <a:spcPct val="0"/>
-              </a:spcBef>
-              <a:spcAft>
-                <a:spcPct val="0"/>
-              </a:spcAft>
-              <a:buNone/>
-            </a:pPr>
-            <a:r>
-              <a:rPr lang="en-US" altLang="en-US" sz="2400" dirty="0" err="1">
-                <a:solidFill>
-                  <a:srgbClr val="0000FF"/>
-                </a:solidFill>
-                <a:latin typeface="Consolas" panose="020B0609020204030204" pitchFamily="49" charset="0"/>
-                <a:cs typeface="Consolas" panose="020B0609020204030204" pitchFamily="49" charset="0"/>
-              </a:rPr>
-              <a:t>var</a:t>
-            </a:r>
-            <a:r>
-              <a:rPr lang="en-US" altLang="en-US" sz="2400" dirty="0">
-                <a:solidFill>
-                  <a:srgbClr val="000000"/>
-                </a:solidFill>
-                <a:latin typeface="Consolas" panose="020B0609020204030204" pitchFamily="49" charset="0"/>
-                <a:cs typeface="Consolas" panose="020B0609020204030204" pitchFamily="49" charset="0"/>
-              </a:rPr>
-              <a:t> express = require(</a:t>
-            </a:r>
-            <a:r>
-              <a:rPr lang="en-US" altLang="en-US" sz="2400" dirty="0">
-                <a:solidFill>
-                  <a:srgbClr val="A31515"/>
-                </a:solidFill>
-                <a:latin typeface="Consolas" panose="020B0609020204030204" pitchFamily="49" charset="0"/>
-                <a:cs typeface="Consolas" panose="020B0609020204030204" pitchFamily="49" charset="0"/>
-              </a:rPr>
-              <a:t>'express'</a:t>
-            </a:r>
-            <a:r>
-              <a:rPr lang="en-US" altLang="en-US" sz="2400" dirty="0">
-                <a:solidFill>
-                  <a:srgbClr val="000000"/>
-                </a:solidFill>
-                <a:latin typeface="Consolas" panose="020B0609020204030204" pitchFamily="49" charset="0"/>
-                <a:cs typeface="Consolas" panose="020B0609020204030204" pitchFamily="49" charset="0"/>
-              </a:rPr>
-              <a:t>); </a:t>
-            </a:r>
-          </a:p>
-          <a:p>
-            <a:pPr marL="0" lvl="0" indent="0" defTabSz="914400" eaLnBrk="0" fontAlgn="base" hangingPunct="0">
-              <a:spcBef>
-                <a:spcPct val="0"/>
-              </a:spcBef>
-              <a:spcAft>
-                <a:spcPct val="0"/>
-              </a:spcAft>
-              <a:buNone/>
-            </a:pPr>
-            <a:r>
-              <a:rPr lang="en-US" altLang="en-US" sz="2400" dirty="0" err="1">
-                <a:solidFill>
-                  <a:srgbClr val="0000FF"/>
-                </a:solidFill>
-                <a:latin typeface="Consolas" panose="020B0609020204030204" pitchFamily="49" charset="0"/>
-                <a:cs typeface="Consolas" panose="020B0609020204030204" pitchFamily="49" charset="0"/>
-              </a:rPr>
-              <a:t>var</a:t>
-            </a:r>
-            <a:r>
-              <a:rPr lang="en-US" altLang="en-US" sz="2400" dirty="0">
-                <a:solidFill>
-                  <a:srgbClr val="000000"/>
-                </a:solidFill>
-                <a:latin typeface="Consolas" panose="020B0609020204030204" pitchFamily="49" charset="0"/>
-                <a:cs typeface="Consolas" panose="020B0609020204030204" pitchFamily="49" charset="0"/>
-              </a:rPr>
-              <a:t> app = express();</a:t>
-            </a:r>
-          </a:p>
-          <a:p>
-            <a:pPr marL="0" lvl="0" indent="0" defTabSz="914400" eaLnBrk="0" fontAlgn="base" hangingPunct="0">
-              <a:spcBef>
-                <a:spcPct val="0"/>
-              </a:spcBef>
-              <a:spcAft>
-                <a:spcPct val="0"/>
-              </a:spcAft>
-              <a:buNone/>
-            </a:pPr>
-            <a:endParaRPr lang="en-US" altLang="en-US" sz="2400" dirty="0">
-              <a:solidFill>
-                <a:srgbClr val="000000"/>
-              </a:solidFill>
-              <a:latin typeface="Consolas" panose="020B0609020204030204" pitchFamily="49" charset="0"/>
-              <a:cs typeface="Consolas" panose="020B0609020204030204" pitchFamily="49" charset="0"/>
-            </a:endParaRPr>
-          </a:p>
-          <a:p>
-            <a:pPr marL="0" lvl="0" indent="0" defTabSz="914400" eaLnBrk="0" fontAlgn="base" hangingPunct="0">
-              <a:spcBef>
-                <a:spcPct val="0"/>
-              </a:spcBef>
-              <a:spcAft>
-                <a:spcPct val="0"/>
-              </a:spcAft>
-              <a:buNone/>
-            </a:pPr>
-            <a:r>
-              <a:rPr lang="en-US" altLang="en-US" sz="2400" dirty="0" err="1">
-                <a:solidFill>
-                  <a:srgbClr val="000000"/>
-                </a:solidFill>
-                <a:latin typeface="Consolas" panose="020B0609020204030204" pitchFamily="49" charset="0"/>
-                <a:cs typeface="Consolas" panose="020B0609020204030204" pitchFamily="49" charset="0"/>
-              </a:rPr>
-              <a:t>app.</a:t>
-            </a:r>
-            <a:r>
-              <a:rPr lang="en-US" altLang="en-US" sz="2400" dirty="0" err="1">
-                <a:solidFill>
-                  <a:srgbClr val="0000FF"/>
-                </a:solidFill>
-                <a:latin typeface="Consolas" panose="020B0609020204030204" pitchFamily="49" charset="0"/>
-                <a:cs typeface="Consolas" panose="020B0609020204030204" pitchFamily="49" charset="0"/>
-              </a:rPr>
-              <a:t>get</a:t>
-            </a:r>
-            <a:r>
-              <a:rPr lang="en-US" altLang="en-US" sz="2400" dirty="0">
-                <a:solidFill>
-                  <a:srgbClr val="000000"/>
-                </a:solidFill>
-                <a:latin typeface="Consolas" panose="020B0609020204030204" pitchFamily="49" charset="0"/>
-                <a:cs typeface="Consolas" panose="020B0609020204030204" pitchFamily="49" charset="0"/>
-              </a:rPr>
-              <a:t>(</a:t>
-            </a:r>
-            <a:r>
-              <a:rPr lang="en-US" altLang="en-US" sz="2400" dirty="0">
-                <a:solidFill>
-                  <a:srgbClr val="A31515"/>
-                </a:solidFill>
-                <a:latin typeface="Consolas" panose="020B0609020204030204" pitchFamily="49" charset="0"/>
-                <a:cs typeface="Consolas" panose="020B0609020204030204" pitchFamily="49" charset="0"/>
-              </a:rPr>
-              <a:t>'/'</a:t>
-            </a:r>
-            <a:r>
-              <a:rPr lang="en-US" altLang="en-US" sz="2400" dirty="0">
-                <a:solidFill>
-                  <a:srgbClr val="000000"/>
-                </a:solidFill>
-                <a:latin typeface="Consolas" panose="020B0609020204030204" pitchFamily="49" charset="0"/>
-                <a:cs typeface="Consolas" panose="020B0609020204030204" pitchFamily="49" charset="0"/>
-              </a:rPr>
-              <a:t>, </a:t>
-            </a:r>
-            <a:r>
-              <a:rPr lang="en-US" altLang="en-US" sz="2400" dirty="0">
-                <a:solidFill>
-                  <a:srgbClr val="0000FF"/>
-                </a:solidFill>
-                <a:latin typeface="Consolas" panose="020B0609020204030204" pitchFamily="49" charset="0"/>
-                <a:cs typeface="Consolas" panose="020B0609020204030204" pitchFamily="49" charset="0"/>
-              </a:rPr>
-              <a:t>function</a:t>
-            </a:r>
-            <a:r>
-              <a:rPr lang="en-US" altLang="en-US" sz="2400" dirty="0">
-                <a:solidFill>
-                  <a:srgbClr val="000000"/>
-                </a:solidFill>
-                <a:latin typeface="Consolas" panose="020B0609020204030204" pitchFamily="49" charset="0"/>
-                <a:cs typeface="Consolas" panose="020B0609020204030204" pitchFamily="49" charset="0"/>
-              </a:rPr>
-              <a:t> (</a:t>
-            </a:r>
-            <a:r>
-              <a:rPr lang="en-US" altLang="en-US" sz="2400" dirty="0" err="1">
-                <a:solidFill>
-                  <a:srgbClr val="000000"/>
-                </a:solidFill>
-                <a:latin typeface="Consolas" panose="020B0609020204030204" pitchFamily="49" charset="0"/>
-                <a:cs typeface="Consolas" panose="020B0609020204030204" pitchFamily="49" charset="0"/>
-              </a:rPr>
-              <a:t>req</a:t>
-            </a:r>
-            <a:r>
-              <a:rPr lang="en-US" altLang="en-US" sz="2400" dirty="0">
-                <a:solidFill>
-                  <a:srgbClr val="000000"/>
-                </a:solidFill>
-                <a:latin typeface="Consolas" panose="020B0609020204030204" pitchFamily="49" charset="0"/>
-                <a:cs typeface="Consolas" panose="020B0609020204030204" pitchFamily="49" charset="0"/>
-              </a:rPr>
-              <a:t>, res) { </a:t>
-            </a:r>
-          </a:p>
-          <a:p>
-            <a:pPr marL="0" lvl="0" indent="0" defTabSz="914400" eaLnBrk="0" fontAlgn="base" hangingPunct="0">
-              <a:spcBef>
-                <a:spcPct val="0"/>
-              </a:spcBef>
-              <a:spcAft>
-                <a:spcPct val="0"/>
-              </a:spcAft>
-              <a:buNone/>
-            </a:pPr>
-            <a:r>
-              <a:rPr lang="en-US" altLang="en-US" sz="2400" dirty="0">
-                <a:solidFill>
-                  <a:srgbClr val="000000"/>
-                </a:solidFill>
-                <a:latin typeface="Consolas" panose="020B0609020204030204" pitchFamily="49" charset="0"/>
-                <a:cs typeface="Consolas" panose="020B0609020204030204" pitchFamily="49" charset="0"/>
-              </a:rPr>
-              <a:t>    </a:t>
-            </a:r>
-            <a:r>
-              <a:rPr lang="en-US" altLang="en-US" sz="2400" dirty="0" err="1">
-                <a:solidFill>
-                  <a:srgbClr val="000000"/>
-                </a:solidFill>
-                <a:latin typeface="Consolas" panose="020B0609020204030204" pitchFamily="49" charset="0"/>
-                <a:cs typeface="Consolas" panose="020B0609020204030204" pitchFamily="49" charset="0"/>
-              </a:rPr>
-              <a:t>res.json</a:t>
-            </a:r>
-            <a:r>
-              <a:rPr lang="en-US" altLang="en-US" sz="2400" dirty="0">
-                <a:solidFill>
-                  <a:srgbClr val="000000"/>
-                </a:solidFill>
-                <a:latin typeface="Consolas" panose="020B0609020204030204" pitchFamily="49" charset="0"/>
-                <a:cs typeface="Consolas" panose="020B0609020204030204" pitchFamily="49" charset="0"/>
-              </a:rPr>
-              <a:t>({</a:t>
-            </a:r>
-            <a:r>
-              <a:rPr lang="en-US" altLang="en-US" sz="2400" dirty="0" err="1">
-                <a:solidFill>
-                  <a:srgbClr val="000000"/>
-                </a:solidFill>
-                <a:latin typeface="Consolas" panose="020B0609020204030204" pitchFamily="49" charset="0"/>
-                <a:cs typeface="Consolas" panose="020B0609020204030204" pitchFamily="49" charset="0"/>
-              </a:rPr>
-              <a:t>message:</a:t>
-            </a:r>
-            <a:r>
-              <a:rPr lang="en-US" altLang="en-US" sz="2400" dirty="0" err="1">
-                <a:solidFill>
-                  <a:srgbClr val="A31515"/>
-                </a:solidFill>
-                <a:latin typeface="Consolas" panose="020B0609020204030204" pitchFamily="49" charset="0"/>
-                <a:cs typeface="Consolas" panose="020B0609020204030204" pitchFamily="49" charset="0"/>
-              </a:rPr>
-              <a:t>'hooray</a:t>
-            </a:r>
-            <a:r>
-              <a:rPr lang="en-US" altLang="en-US" sz="2400" dirty="0">
-                <a:solidFill>
-                  <a:srgbClr val="A31515"/>
-                </a:solidFill>
-                <a:latin typeface="Consolas" panose="020B0609020204030204" pitchFamily="49" charset="0"/>
-                <a:cs typeface="Consolas" panose="020B0609020204030204" pitchFamily="49" charset="0"/>
-              </a:rPr>
-              <a:t>! welcome to our </a:t>
-            </a:r>
-            <a:r>
-              <a:rPr lang="en-US" altLang="en-US" sz="2400" dirty="0" err="1">
-                <a:solidFill>
-                  <a:srgbClr val="A31515"/>
-                </a:solidFill>
-                <a:latin typeface="Consolas" panose="020B0609020204030204" pitchFamily="49" charset="0"/>
-                <a:cs typeface="Consolas" panose="020B0609020204030204" pitchFamily="49" charset="0"/>
-              </a:rPr>
-              <a:t>api</a:t>
-            </a:r>
-            <a:r>
-              <a:rPr lang="en-US" altLang="en-US" sz="2400" dirty="0">
-                <a:solidFill>
-                  <a:srgbClr val="A31515"/>
-                </a:solidFill>
-                <a:latin typeface="Consolas" panose="020B0609020204030204" pitchFamily="49" charset="0"/>
-                <a:cs typeface="Consolas" panose="020B0609020204030204" pitchFamily="49" charset="0"/>
-              </a:rPr>
-              <a:t>!'</a:t>
-            </a:r>
-            <a:r>
-              <a:rPr lang="en-US" altLang="en-US" sz="2400" dirty="0">
-                <a:solidFill>
-                  <a:srgbClr val="000000"/>
-                </a:solidFill>
-                <a:latin typeface="Consolas" panose="020B0609020204030204" pitchFamily="49" charset="0"/>
-                <a:cs typeface="Consolas" panose="020B0609020204030204" pitchFamily="49" charset="0"/>
-              </a:rPr>
-              <a:t>});</a:t>
-            </a:r>
-          </a:p>
-          <a:p>
-            <a:pPr marL="0" lvl="0" indent="0" defTabSz="914400" eaLnBrk="0" fontAlgn="base" hangingPunct="0">
-              <a:spcBef>
-                <a:spcPct val="0"/>
-              </a:spcBef>
-              <a:spcAft>
-                <a:spcPct val="0"/>
-              </a:spcAft>
-              <a:buNone/>
-            </a:pPr>
-            <a:r>
-              <a:rPr lang="en-US" altLang="en-US" sz="2400" dirty="0">
-                <a:solidFill>
-                  <a:srgbClr val="000000"/>
-                </a:solidFill>
-                <a:latin typeface="Consolas" panose="020B0609020204030204" pitchFamily="49" charset="0"/>
-                <a:cs typeface="Consolas" panose="020B0609020204030204" pitchFamily="49" charset="0"/>
-              </a:rPr>
-              <a:t>});</a:t>
-            </a:r>
-          </a:p>
-          <a:p>
-            <a:pPr marL="0" lvl="0" indent="0" defTabSz="914400" eaLnBrk="0" fontAlgn="base" hangingPunct="0">
-              <a:spcBef>
-                <a:spcPct val="0"/>
-              </a:spcBef>
-              <a:spcAft>
-                <a:spcPct val="0"/>
-              </a:spcAft>
-              <a:buNone/>
-            </a:pPr>
-            <a:endParaRPr lang="en-US" altLang="en-US" sz="2400" dirty="0">
-              <a:solidFill>
-                <a:srgbClr val="000000"/>
-              </a:solidFill>
-              <a:latin typeface="Consolas" panose="020B0609020204030204" pitchFamily="49" charset="0"/>
-              <a:cs typeface="Consolas" panose="020B0609020204030204" pitchFamily="49" charset="0"/>
-            </a:endParaRPr>
-          </a:p>
-          <a:p>
-            <a:pPr marL="0" lvl="0" indent="0" defTabSz="914400" eaLnBrk="0" fontAlgn="base" hangingPunct="0">
-              <a:spcBef>
-                <a:spcPct val="0"/>
-              </a:spcBef>
-              <a:spcAft>
-                <a:spcPct val="0"/>
-              </a:spcAft>
-              <a:buNone/>
-            </a:pPr>
-            <a:r>
-              <a:rPr lang="en-US" altLang="en-US" sz="2400" dirty="0" err="1">
-                <a:solidFill>
-                  <a:srgbClr val="000000"/>
-                </a:solidFill>
-                <a:latin typeface="Consolas" panose="020B0609020204030204" pitchFamily="49" charset="0"/>
-                <a:cs typeface="Consolas" panose="020B0609020204030204" pitchFamily="49" charset="0"/>
-              </a:rPr>
-              <a:t>app.listen</a:t>
-            </a:r>
-            <a:r>
-              <a:rPr lang="en-US" altLang="en-US" sz="2400" dirty="0">
-                <a:solidFill>
-                  <a:srgbClr val="000000"/>
-                </a:solidFill>
-                <a:latin typeface="Consolas" panose="020B0609020204030204" pitchFamily="49" charset="0"/>
-                <a:cs typeface="Consolas" panose="020B0609020204030204" pitchFamily="49" charset="0"/>
-              </a:rPr>
-              <a:t>(</a:t>
-            </a:r>
-            <a:r>
-              <a:rPr lang="en-US" altLang="en-US" sz="2400" dirty="0" err="1">
-                <a:solidFill>
-                  <a:srgbClr val="000000"/>
-                </a:solidFill>
-                <a:latin typeface="Consolas" panose="020B0609020204030204" pitchFamily="49" charset="0"/>
-                <a:cs typeface="Consolas" panose="020B0609020204030204" pitchFamily="49" charset="0"/>
-              </a:rPr>
-              <a:t>process.env.PORT</a:t>
-            </a:r>
-            <a:r>
-              <a:rPr lang="en-US" altLang="en-US" sz="2400" dirty="0">
-                <a:solidFill>
-                  <a:srgbClr val="000000"/>
-                </a:solidFill>
-                <a:latin typeface="Consolas" panose="020B0609020204030204" pitchFamily="49" charset="0"/>
-                <a:cs typeface="Consolas" panose="020B0609020204030204" pitchFamily="49" charset="0"/>
-              </a:rPr>
-              <a:t> || 8080); </a:t>
-            </a:r>
-            <a:endParaRPr lang="en-US" altLang="en-US" sz="4800" dirty="0">
-              <a:latin typeface="Arial" panose="020B0604020202020204" pitchFamily="34" charset="0"/>
-            </a:endParaRPr>
-          </a:p>
-          <a:p>
-            <a:endParaRPr lang="en-US" sz="2400" dirty="0"/>
           </a:p>
         </p:txBody>
       </p:sp>
     </p:spTree>
     <p:extLst>
       <p:ext uri="{BB962C8B-B14F-4D97-AF65-F5344CB8AC3E}">
-        <p14:creationId xmlns:p14="http://schemas.microsoft.com/office/powerpoint/2010/main" val="320952498"/>
+        <p14:creationId xmlns:p14="http://schemas.microsoft.com/office/powerpoint/2010/main" val="3016287964"/>
       </p:ext>
     </p:extLst>
   </p:cSld>
   <p:clrMapOvr>
     <a:masterClrMapping/>
   </p:clrMapOvr>
-  <mc:AlternateContent xmlns:mc="http://schemas.openxmlformats.org/markup-compatibility/2006" xmlns:p14="http://schemas.microsoft.com/office/powerpoint/2010/main">
-    <mc:Choice Requires="p14">
+  <mc:AlternateContent xmlns:mc="http://schemas.openxmlformats.org/markup-compatibility/2006">
+    <mc:Choice xmlns:p14="http://schemas.microsoft.com/office/powerpoint/2010/main" Requires="p14">
       <p:transition spd="med" p14:dur="700">
         <p:fade/>
       </p:transition>
     </mc:Choice>
-    <mc:Fallback xmlns="">
+    <mc:Fallback>
       <p:transition spd="med">
         <p:fade/>
       </p:transition>
@@ -17623,12 +17194,50 @@
       </p:grpSpPr>
       <p:sp>
         <p:nvSpPr>
-          <p:cNvPr id="6" name="Subtitle 5"/>
+          <p:cNvPr id="4" name="Rectangle 3"/>
+          <p:cNvSpPr/>
+          <p:nvPr/>
+        </p:nvSpPr>
+        <p:spPr>
+          <a:xfrm>
+            <a:off x="560798" y="5477691"/>
+            <a:ext cx="7294333" cy="614884"/>
+          </a:xfrm>
+          <a:prstGeom prst="rect">
+            <a:avLst/>
+          </a:prstGeom>
+        </p:spPr>
+        <p:style>
+          <a:lnRef idx="2">
+            <a:schemeClr val="dk1"/>
+          </a:lnRef>
+          <a:fillRef idx="1">
+            <a:schemeClr val="lt1"/>
+          </a:fillRef>
+          <a:effectRef idx="0">
+            <a:schemeClr val="dk1"/>
+          </a:effectRef>
+          <a:fontRef idx="minor">
+            <a:schemeClr val="dk1"/>
+          </a:fontRef>
+        </p:style>
+        <p:txBody>
+          <a:bodyPr rtlCol="0" anchor="ctr"/>
+          <a:lstStyle/>
+          <a:p>
+            <a:pPr algn="ctr"/>
+            <a:endParaRPr lang="en-US"/>
+          </a:p>
+        </p:txBody>
+      </p:sp>
+      <p:sp>
+        <p:nvSpPr>
+          <p:cNvPr id="2" name="Title 1"/>
           <p:cNvSpPr>
             <a:spLocks noGrp="1"/>
           </p:cNvSpPr>
           <p:nvPr>
-            <p:ph type="subTitle" idx="1"/>
+            <p:ph type="title"/>
           </p:nvPr>
         </p:nvSpPr>
         <p:spPr/>
@@ -17637,16 +17246,218 @@
           <a:lstStyle/>
           <a:p>
             <a:r>
-              <a:rPr lang="en-US" dirty="0"/>
-              <a:t>Creating a simple Rest API with Express Framework</a:t>
-            </a:r>
+              <a:rPr lang="en-US" dirty="0" smtClean="0"/>
+              <a:t>Explanation of Routes</a:t>
+            </a:r>
+            <a:endParaRPr lang="en-US" dirty="0"/>
+          </a:p>
+        </p:txBody>
+      </p:sp>
+      <p:sp>
+        <p:nvSpPr>
+          <p:cNvPr id="3" name="Content Placeholder 2"/>
+          <p:cNvSpPr>
+            <a:spLocks noGrp="1"/>
+          </p:cNvSpPr>
+          <p:nvPr>
+            <p:ph idx="1"/>
+          </p:nvPr>
+        </p:nvSpPr>
+        <p:spPr/>
+        <p:txBody>
+          <a:bodyPr>
+            <a:normAutofit fontScale="92500"/>
+          </a:bodyPr>
+          <a:lstStyle/>
+          <a:p>
+            <a:r>
+              <a:rPr lang="en-US" dirty="0" smtClean="0"/>
+              <a:t>A router maps HTTP requests to a callback. </a:t>
+            </a:r>
+          </a:p>
+          <a:p>
+            <a:r>
+              <a:rPr lang="en-US" dirty="0" smtClean="0"/>
+              <a:t>HTTP requests can be sent as GET/POST/PUT/DELETE, etc.</a:t>
+            </a:r>
+          </a:p>
+          <a:p>
+            <a:r>
+              <a:rPr lang="en-US" dirty="0" smtClean="0"/>
+              <a:t>URLs describe the location targeted. </a:t>
+            </a:r>
+          </a:p>
+          <a:p>
+            <a:r>
+              <a:rPr lang="en-US" dirty="0" smtClean="0"/>
+              <a:t>Node helps you map a HTTP GET request like: </a:t>
+            </a:r>
+          </a:p>
+          <a:p>
+            <a:pPr lvl="1"/>
+            <a:r>
+              <a:rPr lang="en-US" dirty="0" smtClean="0"/>
+              <a:t>http://localhost:8888/index</a:t>
+            </a:r>
+          </a:p>
+          <a:p>
+            <a:r>
+              <a:rPr lang="en-US" dirty="0" smtClean="0"/>
+              <a:t>To a request handler (callback)</a:t>
+            </a:r>
+          </a:p>
+          <a:p>
+            <a:pPr marL="0" lvl="0" indent="0" defTabSz="914400" eaLnBrk="0" fontAlgn="base" hangingPunct="0">
+              <a:spcBef>
+                <a:spcPct val="0"/>
+              </a:spcBef>
+              <a:spcAft>
+                <a:spcPct val="0"/>
+              </a:spcAft>
+              <a:buNone/>
+            </a:pPr>
+            <a:endParaRPr lang="en-US" altLang="en-US" dirty="0" smtClean="0">
+              <a:solidFill>
+                <a:srgbClr val="000000"/>
+              </a:solidFill>
+              <a:latin typeface="Consolas" panose="020B0609020204030204" pitchFamily="49" charset="0"/>
+              <a:cs typeface="Consolas" panose="020B0609020204030204" pitchFamily="49" charset="0"/>
+            </a:endParaRPr>
+          </a:p>
+          <a:p>
+            <a:pPr marL="0" lvl="0" indent="0" defTabSz="914400" eaLnBrk="0" fontAlgn="base" hangingPunct="0">
+              <a:spcBef>
+                <a:spcPct val="0"/>
+              </a:spcBef>
+              <a:spcAft>
+                <a:spcPct val="0"/>
+              </a:spcAft>
+              <a:buNone/>
+            </a:pPr>
+            <a:r>
+              <a:rPr lang="en-US" altLang="en-US" sz="2600" dirty="0" err="1" smtClean="0">
+                <a:solidFill>
+                  <a:srgbClr val="000000"/>
+                </a:solidFill>
+                <a:latin typeface="Consolas" panose="020B0609020204030204" pitchFamily="49" charset="0"/>
+                <a:cs typeface="Consolas" panose="020B0609020204030204" pitchFamily="49" charset="0"/>
+              </a:rPr>
+              <a:t>app.</a:t>
+            </a:r>
+            <a:r>
+              <a:rPr lang="en-US" altLang="en-US" sz="2600" dirty="0" err="1" smtClean="0">
+                <a:solidFill>
+                  <a:srgbClr val="0000FF"/>
+                </a:solidFill>
+                <a:latin typeface="Consolas" panose="020B0609020204030204" pitchFamily="49" charset="0"/>
+                <a:cs typeface="Consolas" panose="020B0609020204030204" pitchFamily="49" charset="0"/>
+              </a:rPr>
+              <a:t>get</a:t>
+            </a:r>
+            <a:r>
+              <a:rPr lang="en-US" altLang="en-US" sz="2600" dirty="0" smtClean="0">
+                <a:solidFill>
+                  <a:srgbClr val="000000"/>
+                </a:solidFill>
+                <a:latin typeface="Consolas" panose="020B0609020204030204" pitchFamily="49" charset="0"/>
+                <a:cs typeface="Consolas" panose="020B0609020204030204" pitchFamily="49" charset="0"/>
+              </a:rPr>
+              <a:t>(</a:t>
+            </a:r>
+            <a:r>
+              <a:rPr lang="en-US" altLang="en-US" sz="2600" dirty="0" smtClean="0">
+                <a:solidFill>
+                  <a:srgbClr val="A31515"/>
+                </a:solidFill>
+                <a:latin typeface="Consolas" panose="020B0609020204030204" pitchFamily="49" charset="0"/>
+                <a:cs typeface="Consolas" panose="020B0609020204030204" pitchFamily="49" charset="0"/>
+              </a:rPr>
+              <a:t>'/index'</a:t>
+            </a:r>
+            <a:r>
+              <a:rPr lang="en-US" altLang="en-US" sz="2600" dirty="0" smtClean="0">
+                <a:solidFill>
+                  <a:srgbClr val="000000"/>
+                </a:solidFill>
+                <a:latin typeface="Consolas" panose="020B0609020204030204" pitchFamily="49" charset="0"/>
+                <a:cs typeface="Consolas" panose="020B0609020204030204" pitchFamily="49" charset="0"/>
+              </a:rPr>
+              <a:t>,</a:t>
+            </a:r>
+            <a:r>
+              <a:rPr lang="en-US" altLang="en-US" sz="2600" dirty="0">
+                <a:solidFill>
+                  <a:srgbClr val="000000"/>
+                </a:solidFill>
+                <a:latin typeface="Consolas" panose="020B0609020204030204" pitchFamily="49" charset="0"/>
+                <a:cs typeface="Consolas" panose="020B0609020204030204" pitchFamily="49" charset="0"/>
+              </a:rPr>
+              <a:t> </a:t>
+            </a:r>
+            <a:r>
+              <a:rPr lang="en-US" altLang="en-US" sz="2600" dirty="0">
+                <a:solidFill>
+                  <a:srgbClr val="0000FF"/>
+                </a:solidFill>
+                <a:latin typeface="Consolas" panose="020B0609020204030204" pitchFamily="49" charset="0"/>
+                <a:cs typeface="Consolas" panose="020B0609020204030204" pitchFamily="49" charset="0"/>
+              </a:rPr>
+              <a:t>function</a:t>
+            </a:r>
+            <a:r>
+              <a:rPr lang="en-US" altLang="en-US" sz="2600" dirty="0">
+                <a:solidFill>
+                  <a:srgbClr val="000000"/>
+                </a:solidFill>
+                <a:latin typeface="Consolas" panose="020B0609020204030204" pitchFamily="49" charset="0"/>
+                <a:cs typeface="Consolas" panose="020B0609020204030204" pitchFamily="49" charset="0"/>
+              </a:rPr>
+              <a:t> (</a:t>
+            </a:r>
+            <a:r>
+              <a:rPr lang="en-US" altLang="en-US" sz="2600" dirty="0" err="1">
+                <a:solidFill>
+                  <a:srgbClr val="000000"/>
+                </a:solidFill>
+                <a:latin typeface="Consolas" panose="020B0609020204030204" pitchFamily="49" charset="0"/>
+                <a:cs typeface="Consolas" panose="020B0609020204030204" pitchFamily="49" charset="0"/>
+              </a:rPr>
+              <a:t>req</a:t>
+            </a:r>
+            <a:r>
+              <a:rPr lang="en-US" altLang="en-US" sz="2600" dirty="0">
+                <a:solidFill>
+                  <a:srgbClr val="000000"/>
+                </a:solidFill>
+                <a:latin typeface="Consolas" panose="020B0609020204030204" pitchFamily="49" charset="0"/>
+                <a:cs typeface="Consolas" panose="020B0609020204030204" pitchFamily="49" charset="0"/>
+              </a:rPr>
+              <a:t>, res) </a:t>
+            </a:r>
+            <a:r>
+              <a:rPr lang="en-US" altLang="en-US" sz="2600" dirty="0" smtClean="0">
+                <a:solidFill>
+                  <a:srgbClr val="000000"/>
+                </a:solidFill>
+                <a:latin typeface="Consolas" panose="020B0609020204030204" pitchFamily="49" charset="0"/>
+                <a:cs typeface="Consolas" panose="020B0609020204030204" pitchFamily="49" charset="0"/>
+              </a:rPr>
+              <a:t>{});</a:t>
+            </a:r>
+            <a:endParaRPr lang="en-US" altLang="en-US" dirty="0">
+              <a:solidFill>
+                <a:srgbClr val="000000"/>
+              </a:solidFill>
+              <a:latin typeface="Consolas" panose="020B0609020204030204" pitchFamily="49" charset="0"/>
+              <a:cs typeface="Consolas" panose="020B0609020204030204" pitchFamily="49" charset="0"/>
+            </a:endParaRPr>
           </a:p>
         </p:txBody>
       </p:sp>
     </p:spTree>
     <p:extLst>
       <p:ext uri="{BB962C8B-B14F-4D97-AF65-F5344CB8AC3E}">
-        <p14:creationId xmlns:p14="http://schemas.microsoft.com/office/powerpoint/2010/main" val="3237157129"/>
+        <p14:creationId xmlns:p14="http://schemas.microsoft.com/office/powerpoint/2010/main" val="4077999751"/>
       </p:ext>
     </p:extLst>
   </p:cSld>
@@ -17709,6 +17520,585 @@
           <a:p>
             <a:r>
               <a:rPr lang="en-US" dirty="0" smtClean="0"/>
+              <a:t>Creating a Simple Express Application</a:t>
+            </a:r>
+            <a:endParaRPr lang="en-US" dirty="0"/>
+          </a:p>
+        </p:txBody>
+      </p:sp>
+      <p:sp>
+        <p:nvSpPr>
+          <p:cNvPr id="3" name="Content Placeholder 2"/>
+          <p:cNvSpPr>
+            <a:spLocks noGrp="1"/>
+          </p:cNvSpPr>
+          <p:nvPr>
+            <p:ph idx="1"/>
+          </p:nvPr>
+        </p:nvSpPr>
+        <p:spPr>
+          <a:xfrm>
+            <a:off x="560798" y="2598719"/>
+            <a:ext cx="9323431" cy="2922515"/>
+          </a:xfrm>
+        </p:spPr>
+        <p:style>
+          <a:lnRef idx="2">
+            <a:schemeClr val="dk1"/>
+          </a:lnRef>
+          <a:fillRef idx="1">
+            <a:schemeClr val="lt1"/>
+          </a:fillRef>
+          <a:effectRef idx="0">
+            <a:schemeClr val="dk1"/>
+          </a:effectRef>
+          <a:fontRef idx="minor">
+            <a:schemeClr val="dk1"/>
+          </a:fontRef>
+        </p:style>
+        <p:txBody>
+          <a:bodyPr>
+            <a:normAutofit/>
+          </a:bodyPr>
+          <a:lstStyle/>
+          <a:p>
+            <a:pPr marL="0" lvl="0" indent="0" defTabSz="914400" eaLnBrk="0" fontAlgn="base" hangingPunct="0">
+              <a:spcBef>
+                <a:spcPct val="0"/>
+              </a:spcBef>
+              <a:spcAft>
+                <a:spcPct val="0"/>
+              </a:spcAft>
+              <a:buNone/>
+            </a:pPr>
+            <a:r>
+              <a:rPr lang="en-US" altLang="en-US" sz="2400" dirty="0" err="1">
+                <a:solidFill>
+                  <a:srgbClr val="0000FF"/>
+                </a:solidFill>
+                <a:latin typeface="Consolas" panose="020B0609020204030204" pitchFamily="49" charset="0"/>
+                <a:cs typeface="Consolas" panose="020B0609020204030204" pitchFamily="49" charset="0"/>
+              </a:rPr>
+              <a:t>var</a:t>
+            </a:r>
+            <a:r>
+              <a:rPr lang="en-US" altLang="en-US" sz="2400" dirty="0">
+                <a:solidFill>
+                  <a:srgbClr val="000000"/>
+                </a:solidFill>
+                <a:latin typeface="Consolas" panose="020B0609020204030204" pitchFamily="49" charset="0"/>
+                <a:cs typeface="Consolas" panose="020B0609020204030204" pitchFamily="49" charset="0"/>
+              </a:rPr>
+              <a:t> express = require(</a:t>
+            </a:r>
+            <a:r>
+              <a:rPr lang="en-US" altLang="en-US" sz="2400" dirty="0">
+                <a:solidFill>
+                  <a:srgbClr val="A31515"/>
+                </a:solidFill>
+                <a:latin typeface="Consolas" panose="020B0609020204030204" pitchFamily="49" charset="0"/>
+                <a:cs typeface="Consolas" panose="020B0609020204030204" pitchFamily="49" charset="0"/>
+              </a:rPr>
+              <a:t>'express'</a:t>
+            </a:r>
+            <a:r>
+              <a:rPr lang="en-US" altLang="en-US" sz="2400" dirty="0">
+                <a:solidFill>
+                  <a:srgbClr val="000000"/>
+                </a:solidFill>
+                <a:latin typeface="Consolas" panose="020B0609020204030204" pitchFamily="49" charset="0"/>
+                <a:cs typeface="Consolas" panose="020B0609020204030204" pitchFamily="49" charset="0"/>
+              </a:rPr>
+              <a:t>); </a:t>
+            </a:r>
+          </a:p>
+          <a:p>
+            <a:pPr marL="0" lvl="0" indent="0" defTabSz="914400" eaLnBrk="0" fontAlgn="base" hangingPunct="0">
+              <a:spcBef>
+                <a:spcPct val="0"/>
+              </a:spcBef>
+              <a:spcAft>
+                <a:spcPct val="0"/>
+              </a:spcAft>
+              <a:buNone/>
+            </a:pPr>
+            <a:r>
+              <a:rPr lang="en-US" altLang="en-US" sz="2400" dirty="0" err="1">
+                <a:solidFill>
+                  <a:srgbClr val="0000FF"/>
+                </a:solidFill>
+                <a:latin typeface="Consolas" panose="020B0609020204030204" pitchFamily="49" charset="0"/>
+                <a:cs typeface="Consolas" panose="020B0609020204030204" pitchFamily="49" charset="0"/>
+              </a:rPr>
+              <a:t>var</a:t>
+            </a:r>
+            <a:r>
+              <a:rPr lang="en-US" altLang="en-US" sz="2400" dirty="0">
+                <a:solidFill>
+                  <a:srgbClr val="000000"/>
+                </a:solidFill>
+                <a:latin typeface="Consolas" panose="020B0609020204030204" pitchFamily="49" charset="0"/>
+                <a:cs typeface="Consolas" panose="020B0609020204030204" pitchFamily="49" charset="0"/>
+              </a:rPr>
+              <a:t> app = express();</a:t>
+            </a:r>
+          </a:p>
+          <a:p>
+            <a:pPr marL="0" lvl="0" indent="0" defTabSz="914400" eaLnBrk="0" fontAlgn="base" hangingPunct="0">
+              <a:spcBef>
+                <a:spcPct val="0"/>
+              </a:spcBef>
+              <a:spcAft>
+                <a:spcPct val="0"/>
+              </a:spcAft>
+              <a:buNone/>
+            </a:pPr>
+            <a:endParaRPr lang="en-US" altLang="en-US" sz="2400" dirty="0">
+              <a:solidFill>
+                <a:srgbClr val="000000"/>
+              </a:solidFill>
+              <a:latin typeface="Consolas" panose="020B0609020204030204" pitchFamily="49" charset="0"/>
+              <a:cs typeface="Consolas" panose="020B0609020204030204" pitchFamily="49" charset="0"/>
+            </a:endParaRPr>
+          </a:p>
+          <a:p>
+            <a:pPr marL="0" lvl="0" indent="0" defTabSz="914400" eaLnBrk="0" fontAlgn="base" hangingPunct="0">
+              <a:spcBef>
+                <a:spcPct val="0"/>
+              </a:spcBef>
+              <a:spcAft>
+                <a:spcPct val="0"/>
+              </a:spcAft>
+              <a:buNone/>
+            </a:pPr>
+            <a:r>
+              <a:rPr lang="en-US" altLang="en-US" sz="2400" dirty="0" err="1">
+                <a:solidFill>
+                  <a:srgbClr val="000000"/>
+                </a:solidFill>
+                <a:latin typeface="Consolas" panose="020B0609020204030204" pitchFamily="49" charset="0"/>
+                <a:cs typeface="Consolas" panose="020B0609020204030204" pitchFamily="49" charset="0"/>
+              </a:rPr>
+              <a:t>app.</a:t>
+            </a:r>
+            <a:r>
+              <a:rPr lang="en-US" altLang="en-US" sz="2400" dirty="0" err="1">
+                <a:solidFill>
+                  <a:srgbClr val="0000FF"/>
+                </a:solidFill>
+                <a:latin typeface="Consolas" panose="020B0609020204030204" pitchFamily="49" charset="0"/>
+                <a:cs typeface="Consolas" panose="020B0609020204030204" pitchFamily="49" charset="0"/>
+              </a:rPr>
+              <a:t>get</a:t>
+            </a:r>
+            <a:r>
+              <a:rPr lang="en-US" altLang="en-US" sz="2400" dirty="0">
+                <a:solidFill>
+                  <a:srgbClr val="000000"/>
+                </a:solidFill>
+                <a:latin typeface="Consolas" panose="020B0609020204030204" pitchFamily="49" charset="0"/>
+                <a:cs typeface="Consolas" panose="020B0609020204030204" pitchFamily="49" charset="0"/>
+              </a:rPr>
+              <a:t>(</a:t>
+            </a:r>
+            <a:r>
+              <a:rPr lang="en-US" altLang="en-US" sz="2400" dirty="0">
+                <a:solidFill>
+                  <a:srgbClr val="A31515"/>
+                </a:solidFill>
+                <a:latin typeface="Consolas" panose="020B0609020204030204" pitchFamily="49" charset="0"/>
+                <a:cs typeface="Consolas" panose="020B0609020204030204" pitchFamily="49" charset="0"/>
+              </a:rPr>
+              <a:t>'/'</a:t>
+            </a:r>
+            <a:r>
+              <a:rPr lang="en-US" altLang="en-US" sz="2400" dirty="0">
+                <a:solidFill>
+                  <a:srgbClr val="000000"/>
+                </a:solidFill>
+                <a:latin typeface="Consolas" panose="020B0609020204030204" pitchFamily="49" charset="0"/>
+                <a:cs typeface="Consolas" panose="020B0609020204030204" pitchFamily="49" charset="0"/>
+              </a:rPr>
+              <a:t>, </a:t>
+            </a:r>
+            <a:r>
+              <a:rPr lang="en-US" altLang="en-US" sz="2400" dirty="0">
+                <a:solidFill>
+                  <a:srgbClr val="0000FF"/>
+                </a:solidFill>
+                <a:latin typeface="Consolas" panose="020B0609020204030204" pitchFamily="49" charset="0"/>
+                <a:cs typeface="Consolas" panose="020B0609020204030204" pitchFamily="49" charset="0"/>
+              </a:rPr>
+              <a:t>function</a:t>
+            </a:r>
+            <a:r>
+              <a:rPr lang="en-US" altLang="en-US" sz="2400" dirty="0">
+                <a:solidFill>
+                  <a:srgbClr val="000000"/>
+                </a:solidFill>
+                <a:latin typeface="Consolas" panose="020B0609020204030204" pitchFamily="49" charset="0"/>
+                <a:cs typeface="Consolas" panose="020B0609020204030204" pitchFamily="49" charset="0"/>
+              </a:rPr>
+              <a:t> (</a:t>
+            </a:r>
+            <a:r>
+              <a:rPr lang="en-US" altLang="en-US" sz="2400" dirty="0" err="1">
+                <a:solidFill>
+                  <a:srgbClr val="000000"/>
+                </a:solidFill>
+                <a:latin typeface="Consolas" panose="020B0609020204030204" pitchFamily="49" charset="0"/>
+                <a:cs typeface="Consolas" panose="020B0609020204030204" pitchFamily="49" charset="0"/>
+              </a:rPr>
+              <a:t>req</a:t>
+            </a:r>
+            <a:r>
+              <a:rPr lang="en-US" altLang="en-US" sz="2400" dirty="0">
+                <a:solidFill>
+                  <a:srgbClr val="000000"/>
+                </a:solidFill>
+                <a:latin typeface="Consolas" panose="020B0609020204030204" pitchFamily="49" charset="0"/>
+                <a:cs typeface="Consolas" panose="020B0609020204030204" pitchFamily="49" charset="0"/>
+              </a:rPr>
+              <a:t>, res) { </a:t>
+            </a:r>
+          </a:p>
+          <a:p>
+            <a:pPr marL="0" lvl="0" indent="0" defTabSz="914400" eaLnBrk="0" fontAlgn="base" hangingPunct="0">
+              <a:spcBef>
+                <a:spcPct val="0"/>
+              </a:spcBef>
+              <a:spcAft>
+                <a:spcPct val="0"/>
+              </a:spcAft>
+              <a:buNone/>
+            </a:pPr>
+            <a:r>
+              <a:rPr lang="en-US" altLang="en-US" sz="2400" dirty="0">
+                <a:solidFill>
+                  <a:srgbClr val="000000"/>
+                </a:solidFill>
+                <a:latin typeface="Consolas" panose="020B0609020204030204" pitchFamily="49" charset="0"/>
+                <a:cs typeface="Consolas" panose="020B0609020204030204" pitchFamily="49" charset="0"/>
+              </a:rPr>
+              <a:t>    </a:t>
+            </a:r>
+            <a:r>
+              <a:rPr lang="en-US" altLang="en-US" sz="2400" dirty="0" err="1">
+                <a:solidFill>
+                  <a:srgbClr val="000000"/>
+                </a:solidFill>
+                <a:latin typeface="Consolas" panose="020B0609020204030204" pitchFamily="49" charset="0"/>
+                <a:cs typeface="Consolas" panose="020B0609020204030204" pitchFamily="49" charset="0"/>
+              </a:rPr>
+              <a:t>res.json</a:t>
+            </a:r>
+            <a:r>
+              <a:rPr lang="en-US" altLang="en-US" sz="2400" dirty="0">
+                <a:solidFill>
+                  <a:srgbClr val="000000"/>
+                </a:solidFill>
+                <a:latin typeface="Consolas" panose="020B0609020204030204" pitchFamily="49" charset="0"/>
+                <a:cs typeface="Consolas" panose="020B0609020204030204" pitchFamily="49" charset="0"/>
+              </a:rPr>
+              <a:t>({</a:t>
+            </a:r>
+            <a:r>
+              <a:rPr lang="en-US" altLang="en-US" sz="2400" dirty="0" err="1">
+                <a:solidFill>
+                  <a:srgbClr val="000000"/>
+                </a:solidFill>
+                <a:latin typeface="Consolas" panose="020B0609020204030204" pitchFamily="49" charset="0"/>
+                <a:cs typeface="Consolas" panose="020B0609020204030204" pitchFamily="49" charset="0"/>
+              </a:rPr>
+              <a:t>message:</a:t>
+            </a:r>
+            <a:r>
+              <a:rPr lang="en-US" altLang="en-US" sz="2400" dirty="0" err="1">
+                <a:solidFill>
+                  <a:srgbClr val="A31515"/>
+                </a:solidFill>
+                <a:latin typeface="Consolas" panose="020B0609020204030204" pitchFamily="49" charset="0"/>
+                <a:cs typeface="Consolas" panose="020B0609020204030204" pitchFamily="49" charset="0"/>
+              </a:rPr>
+              <a:t>'hooray</a:t>
+            </a:r>
+            <a:r>
+              <a:rPr lang="en-US" altLang="en-US" sz="2400" dirty="0">
+                <a:solidFill>
+                  <a:srgbClr val="A31515"/>
+                </a:solidFill>
+                <a:latin typeface="Consolas" panose="020B0609020204030204" pitchFamily="49" charset="0"/>
+                <a:cs typeface="Consolas" panose="020B0609020204030204" pitchFamily="49" charset="0"/>
+              </a:rPr>
+              <a:t>! welcome to our </a:t>
+            </a:r>
+            <a:r>
+              <a:rPr lang="en-US" altLang="en-US" sz="2400" dirty="0" err="1">
+                <a:solidFill>
+                  <a:srgbClr val="A31515"/>
+                </a:solidFill>
+                <a:latin typeface="Consolas" panose="020B0609020204030204" pitchFamily="49" charset="0"/>
+                <a:cs typeface="Consolas" panose="020B0609020204030204" pitchFamily="49" charset="0"/>
+              </a:rPr>
+              <a:t>api</a:t>
+            </a:r>
+            <a:r>
+              <a:rPr lang="en-US" altLang="en-US" sz="2400" dirty="0">
+                <a:solidFill>
+                  <a:srgbClr val="A31515"/>
+                </a:solidFill>
+                <a:latin typeface="Consolas" panose="020B0609020204030204" pitchFamily="49" charset="0"/>
+                <a:cs typeface="Consolas" panose="020B0609020204030204" pitchFamily="49" charset="0"/>
+              </a:rPr>
+              <a:t>!'</a:t>
+            </a:r>
+            <a:r>
+              <a:rPr lang="en-US" altLang="en-US" sz="2400" dirty="0">
+                <a:solidFill>
+                  <a:srgbClr val="000000"/>
+                </a:solidFill>
+                <a:latin typeface="Consolas" panose="020B0609020204030204" pitchFamily="49" charset="0"/>
+                <a:cs typeface="Consolas" panose="020B0609020204030204" pitchFamily="49" charset="0"/>
+              </a:rPr>
+              <a:t>});</a:t>
+            </a:r>
+          </a:p>
+          <a:p>
+            <a:pPr marL="0" lvl="0" indent="0" defTabSz="914400" eaLnBrk="0" fontAlgn="base" hangingPunct="0">
+              <a:spcBef>
+                <a:spcPct val="0"/>
+              </a:spcBef>
+              <a:spcAft>
+                <a:spcPct val="0"/>
+              </a:spcAft>
+              <a:buNone/>
+            </a:pPr>
+            <a:r>
+              <a:rPr lang="en-US" altLang="en-US" sz="2400" dirty="0">
+                <a:solidFill>
+                  <a:srgbClr val="000000"/>
+                </a:solidFill>
+                <a:latin typeface="Consolas" panose="020B0609020204030204" pitchFamily="49" charset="0"/>
+                <a:cs typeface="Consolas" panose="020B0609020204030204" pitchFamily="49" charset="0"/>
+              </a:rPr>
+              <a:t>});</a:t>
+            </a:r>
+          </a:p>
+          <a:p>
+            <a:pPr marL="0" lvl="0" indent="0" defTabSz="914400" eaLnBrk="0" fontAlgn="base" hangingPunct="0">
+              <a:spcBef>
+                <a:spcPct val="0"/>
+              </a:spcBef>
+              <a:spcAft>
+                <a:spcPct val="0"/>
+              </a:spcAft>
+              <a:buNone/>
+            </a:pPr>
+            <a:endParaRPr lang="en-US" altLang="en-US" sz="2400" dirty="0">
+              <a:solidFill>
+                <a:srgbClr val="000000"/>
+              </a:solidFill>
+              <a:latin typeface="Consolas" panose="020B0609020204030204" pitchFamily="49" charset="0"/>
+              <a:cs typeface="Consolas" panose="020B0609020204030204" pitchFamily="49" charset="0"/>
+            </a:endParaRPr>
+          </a:p>
+          <a:p>
+            <a:pPr marL="0" lvl="0" indent="0" defTabSz="914400" eaLnBrk="0" fontAlgn="base" hangingPunct="0">
+              <a:spcBef>
+                <a:spcPct val="0"/>
+              </a:spcBef>
+              <a:spcAft>
+                <a:spcPct val="0"/>
+              </a:spcAft>
+              <a:buNone/>
+            </a:pPr>
+            <a:r>
+              <a:rPr lang="en-US" altLang="en-US" sz="2400" dirty="0" err="1">
+                <a:solidFill>
+                  <a:srgbClr val="000000"/>
+                </a:solidFill>
+                <a:latin typeface="Consolas" panose="020B0609020204030204" pitchFamily="49" charset="0"/>
+                <a:cs typeface="Consolas" panose="020B0609020204030204" pitchFamily="49" charset="0"/>
+              </a:rPr>
+              <a:t>app.listen</a:t>
+            </a:r>
+            <a:r>
+              <a:rPr lang="en-US" altLang="en-US" sz="2400" dirty="0">
+                <a:solidFill>
+                  <a:srgbClr val="000000"/>
+                </a:solidFill>
+                <a:latin typeface="Consolas" panose="020B0609020204030204" pitchFamily="49" charset="0"/>
+                <a:cs typeface="Consolas" panose="020B0609020204030204" pitchFamily="49" charset="0"/>
+              </a:rPr>
+              <a:t>(</a:t>
+            </a:r>
+            <a:r>
+              <a:rPr lang="en-US" altLang="en-US" sz="2400" dirty="0" err="1">
+                <a:solidFill>
+                  <a:srgbClr val="000000"/>
+                </a:solidFill>
+                <a:latin typeface="Consolas" panose="020B0609020204030204" pitchFamily="49" charset="0"/>
+                <a:cs typeface="Consolas" panose="020B0609020204030204" pitchFamily="49" charset="0"/>
+              </a:rPr>
+              <a:t>process.env.PORT</a:t>
+            </a:r>
+            <a:r>
+              <a:rPr lang="en-US" altLang="en-US" sz="2400" dirty="0">
+                <a:solidFill>
+                  <a:srgbClr val="000000"/>
+                </a:solidFill>
+                <a:latin typeface="Consolas" panose="020B0609020204030204" pitchFamily="49" charset="0"/>
+                <a:cs typeface="Consolas" panose="020B0609020204030204" pitchFamily="49" charset="0"/>
+              </a:rPr>
+              <a:t> || 8080); </a:t>
+            </a:r>
+            <a:endParaRPr lang="en-US" altLang="en-US" sz="4800" dirty="0">
+              <a:latin typeface="Arial" panose="020B0604020202020204" pitchFamily="34" charset="0"/>
+            </a:endParaRPr>
+          </a:p>
+          <a:p>
+            <a:endParaRPr lang="en-US" sz="2400" dirty="0"/>
+          </a:p>
+        </p:txBody>
+      </p:sp>
+    </p:spTree>
+    <p:extLst>
+      <p:ext uri="{BB962C8B-B14F-4D97-AF65-F5344CB8AC3E}">
+        <p14:creationId xmlns:p14="http://schemas.microsoft.com/office/powerpoint/2010/main" val="320952498"/>
+      </p:ext>
+    </p:extLst>
+  </p:cSld>
+  <p:clrMapOvr>
+    <a:masterClrMapping/>
+  </p:clrMapOvr>
+  <mc:AlternateContent xmlns:mc="http://schemas.openxmlformats.org/markup-compatibility/2006" xmlns:p14="http://schemas.microsoft.com/office/powerpoint/2010/main">
+    <mc:Choice Requires="p14">
+      <p:transition spd="med" p14:dur="700">
+        <p:fade/>
+      </p:transition>
+    </mc:Choice>
+    <mc:Fallback xmlns="">
+      <p:transition spd="med">
+        <p:fade/>
+      </p:transition>
+    </mc:Fallback>
+  </mc:AlternateContent>
+  <p:timing>
+    <p:tnLst>
+      <p:par>
+        <p:cTn id="1" dur="indefinite" restart="never" nodeType="tmRoot"/>
+      </p:par>
+    </p:tnLst>
+  </p:timing>
+</p:sld>
+</file>
+
+<file path=ppt/slides/slide13.xml><?xml version="1.0" encoding="utf-8"?>
+<p:sld xmlns:a="http://schemas.openxmlformats.org/drawingml/2006/main" xmlns:r="http://schemas.openxmlformats.org/officeDocument/2006/relationships" xmlns:p="http://schemas.openxmlformats.org/presentationml/2006/main">
+  <p:cSld>
+    <p:spTree>
+      <p:nvGrpSpPr>
+        <p:cNvPr id="1" name=""/>
+        <p:cNvGrpSpPr/>
+        <p:nvPr/>
+      </p:nvGrpSpPr>
+      <p:grpSpPr>
+        <a:xfrm>
+          <a:off x="0" y="0"/>
+          <a:ext cx="0" cy="0"/>
+          <a:chOff x="0" y="0"/>
+          <a:chExt cx="0" cy="0"/>
+        </a:xfrm>
+      </p:grpSpPr>
+      <p:sp>
+        <p:nvSpPr>
+          <p:cNvPr id="6" name="Subtitle 5"/>
+          <p:cNvSpPr>
+            <a:spLocks noGrp="1"/>
+          </p:cNvSpPr>
+          <p:nvPr>
+            <p:ph type="subTitle" idx="1"/>
+          </p:nvPr>
+        </p:nvSpPr>
+        <p:spPr/>
+        <p:txBody>
+          <a:bodyPr/>
+          <a:lstStyle/>
+          <a:p>
+            <a:r>
+              <a:rPr lang="en-US" dirty="0" smtClean="0"/>
+              <a:t>Adding a new route</a:t>
+            </a:r>
+            <a:endParaRPr lang="en-US" dirty="0"/>
+          </a:p>
+        </p:txBody>
+      </p:sp>
+    </p:spTree>
+    <p:extLst>
+      <p:ext uri="{BB962C8B-B14F-4D97-AF65-F5344CB8AC3E}">
+        <p14:creationId xmlns:p14="http://schemas.microsoft.com/office/powerpoint/2010/main" val="3237157129"/>
+      </p:ext>
+    </p:extLst>
+  </p:cSld>
+  <p:clrMapOvr>
+    <a:masterClrMapping/>
+  </p:clrMapOvr>
+  <mc:AlternateContent xmlns:mc="http://schemas.openxmlformats.org/markup-compatibility/2006" xmlns:p14="http://schemas.microsoft.com/office/powerpoint/2010/main">
+    <mc:Choice Requires="p14">
+      <p:transition spd="med" p14:dur="700">
+        <p:fade/>
+      </p:transition>
+    </mc:Choice>
+    <mc:Fallback xmlns="">
+      <p:transition spd="med">
+        <p:fade/>
+      </p:transition>
+    </mc:Fallback>
+  </mc:AlternateContent>
+  <p:timing>
+    <p:tnLst>
+      <p:par>
+        <p:cTn id="1" dur="indefinite" restart="never" nodeType="tmRoot"/>
+      </p:par>
+    </p:tnLst>
+  </p:timing>
+</p:sld>
+</file>
+
+<file path=ppt/slides/slide14.xml><?xml version="1.0" encoding="utf-8"?>
+<p:sld xmlns:a="http://schemas.openxmlformats.org/drawingml/2006/main" xmlns:r="http://schemas.openxmlformats.org/officeDocument/2006/relationships" xmlns:p="http://schemas.openxmlformats.org/presentationml/2006/main">
+  <p:cSld>
+    <p:spTree>
+      <p:nvGrpSpPr>
+        <p:cNvPr id="1" name=""/>
+        <p:cNvGrpSpPr/>
+        <p:nvPr/>
+      </p:nvGrpSpPr>
+      <p:grpSpPr>
+        <a:xfrm>
+          <a:off x="0" y="0"/>
+          <a:ext cx="0" cy="0"/>
+          <a:chOff x="0" y="0"/>
+          <a:chExt cx="0" cy="0"/>
+        </a:xfrm>
+      </p:grpSpPr>
+      <p:sp>
+        <p:nvSpPr>
+          <p:cNvPr id="2" name="Title 1"/>
+          <p:cNvSpPr>
+            <a:spLocks noGrp="1"/>
+          </p:cNvSpPr>
+          <p:nvPr>
+            <p:ph type="title"/>
+          </p:nvPr>
+        </p:nvSpPr>
+        <p:spPr/>
+        <p:txBody>
+          <a:bodyPr/>
+          <a:lstStyle/>
+          <a:p>
+            <a:r>
+              <a:rPr lang="en-US" dirty="0" smtClean="0"/>
               <a:t>Resources</a:t>
             </a:r>
             <a:endParaRPr lang="en-US" dirty="0"/>
@@ -17833,7 +18223,7 @@
 </p:sld>
 </file>
 
-<file path=ppt/slides/slide13.xml><?xml version="1.0" encoding="utf-8"?>
+<file path=ppt/slides/slide15.xml><?xml version="1.0" encoding="utf-8"?>
 <p:sld xmlns:a="http://schemas.openxmlformats.org/drawingml/2006/main" xmlns:r="http://schemas.openxmlformats.org/officeDocument/2006/relationships" xmlns:p="http://schemas.openxmlformats.org/presentationml/2006/main">
   <p:cSld>
     <p:spTree>
@@ -18168,7 +18558,15 @@
           <a:p>
             <a:r>
               <a:rPr lang="en-US" dirty="0"/>
-              <a:t>Express is a minimal, open source and flexible node.js web app framework designed to make developing websites, web apps and APIs much easier.</a:t>
+              <a:t>Express is a minimal, open source and flexible </a:t>
+            </a:r>
+            <a:r>
+              <a:rPr lang="en-US" dirty="0" smtClean="0"/>
+              <a:t>Node.js </a:t>
+            </a:r>
+            <a:r>
+              <a:rPr lang="en-US" dirty="0"/>
+              <a:t>web app framework designed to make developing websites, web apps and APIs much easier.</a:t>
             </a:r>
           </a:p>
           <a:p>
@@ -18638,23 +19036,70 @@
       </p:grpSpPr>
       <p:sp>
         <p:nvSpPr>
-          <p:cNvPr id="5" name="Title 4"/>
+          <p:cNvPr id="2" name="Title 1"/>
           <p:cNvSpPr>
             <a:spLocks noGrp="1"/>
           </p:cNvSpPr>
           <p:nvPr>
-            <p:ph type="ctrTitle"/>
+            <p:ph type="title"/>
           </p:nvPr>
         </p:nvSpPr>
         <p:spPr/>
         <p:txBody>
-          <a:bodyPr/>
+          <a:bodyPr>
+            <a:normAutofit fontScale="90000"/>
+          </a:bodyPr>
           <a:lstStyle/>
           <a:p>
-            <a:pPr marL="914400" indent="-914400"/>
+            <a:r>
+              <a:rPr lang="en-US" dirty="0" smtClean="0"/>
+              <a:t>Installing Node.js Tools for Visual Studio</a:t>
+            </a:r>
+            <a:endParaRPr lang="en-US" dirty="0"/>
+          </a:p>
+        </p:txBody>
+      </p:sp>
+      <p:sp>
+        <p:nvSpPr>
+          <p:cNvPr id="3" name="Content Placeholder 2"/>
+          <p:cNvSpPr>
+            <a:spLocks noGrp="1"/>
+          </p:cNvSpPr>
+          <p:nvPr>
+            <p:ph idx="1"/>
+          </p:nvPr>
+        </p:nvSpPr>
+        <p:spPr/>
+        <p:txBody>
+          <a:bodyPr>
+            <a:normAutofit/>
+          </a:bodyPr>
+          <a:lstStyle/>
+          <a:p>
+            <a:r>
+              <a:rPr lang="en-US" dirty="0" smtClean="0"/>
+              <a:t>NTVS </a:t>
+            </a:r>
             <a:r>
               <a:rPr lang="en-US" dirty="0"/>
-              <a:t>Creating a Simple Rest API</a:t>
+              <a:t>is a free, open source plugin that turns Visual Studio into a Node.js IDE. </a:t>
+            </a:r>
+            <a:endParaRPr lang="en-US" dirty="0" smtClean="0"/>
+          </a:p>
+          <a:p>
+            <a:r>
+              <a:rPr lang="en-US" dirty="0"/>
+              <a:t>NTVS comes with templates for creating Express applications.</a:t>
+            </a:r>
+          </a:p>
+          <a:p>
+            <a:r>
+              <a:rPr lang="en-US" dirty="0" smtClean="0"/>
+              <a:t>https</a:t>
+            </a:r>
+            <a:r>
+              <a:rPr lang="en-US" dirty="0"/>
+              <a:t>://nodejstools.codeplex.com/</a:t>
             </a:r>
           </a:p>
         </p:txBody>
@@ -18662,25 +19107,13 @@
     </p:spTree>
     <p:extLst>
       <p:ext uri="{BB962C8B-B14F-4D97-AF65-F5344CB8AC3E}">
-        <p14:creationId xmlns:p14="http://schemas.microsoft.com/office/powerpoint/2010/main" val="1111353972"/>
+        <p14:creationId xmlns:p14="http://schemas.microsoft.com/office/powerpoint/2010/main" val="3133251590"/>
       </p:ext>
     </p:extLst>
   </p:cSld>
   <p:clrMapOvr>
     <a:masterClrMapping/>
   </p:clrMapOvr>
-  <mc:AlternateContent xmlns:mc="http://schemas.openxmlformats.org/markup-compatibility/2006" xmlns:p14="http://schemas.microsoft.com/office/powerpoint/2010/main">
-    <mc:Choice Requires="p14">
-      <p:transition spd="med" p14:dur="700">
-        <p:fade/>
-      </p:transition>
-    </mc:Choice>
-    <mc:Fallback xmlns="">
-      <p:transition spd="med">
-        <p:fade/>
-      </p:transition>
-    </mc:Fallback>
-  </mc:AlternateContent>
   <p:timing>
     <p:tnLst>
       <p:par>
@@ -18710,50 +19143,12 @@
       </p:grpSpPr>
       <p:sp>
         <p:nvSpPr>
-          <p:cNvPr id="4" name="Rectangle 3"/>
-          <p:cNvSpPr/>
-          <p:nvPr/>
-        </p:nvSpPr>
-        <p:spPr>
-          <a:xfrm>
-            <a:off x="560798" y="5477691"/>
-            <a:ext cx="7294333" cy="614884"/>
-          </a:xfrm>
-          <a:prstGeom prst="rect">
-            <a:avLst/>
-          </a:prstGeom>
-        </p:spPr>
-        <p:style>
-          <a:lnRef idx="2">
-            <a:schemeClr val="dk1"/>
-          </a:lnRef>
-          <a:fillRef idx="1">
-            <a:schemeClr val="lt1"/>
-          </a:fillRef>
-          <a:effectRef idx="0">
-            <a:schemeClr val="dk1"/>
-          </a:effectRef>
-          <a:fontRef idx="minor">
-            <a:schemeClr val="dk1"/>
-          </a:fontRef>
-        </p:style>
-        <p:txBody>
-          <a:bodyPr rtlCol="0" anchor="ctr"/>
-          <a:lstStyle/>
-          <a:p>
-            <a:pPr algn="ctr"/>
-            <a:endParaRPr lang="en-US"/>
-          </a:p>
-        </p:txBody>
-      </p:sp>
-      <p:sp>
-        <p:nvSpPr>
-          <p:cNvPr id="2" name="Title 1"/>
+          <p:cNvPr id="5" name="Title 4"/>
           <p:cNvSpPr>
             <a:spLocks noGrp="1"/>
           </p:cNvSpPr>
           <p:nvPr>
-            <p:ph type="title"/>
+            <p:ph type="ctrTitle"/>
           </p:nvPr>
         </p:nvSpPr>
         <p:spPr/>
@@ -18761,219 +19156,18 @@
           <a:bodyPr/>
           <a:lstStyle/>
           <a:p>
-            <a:r>
-              <a:rPr lang="en-US" dirty="0" smtClean="0"/>
-              <a:t>Explanation of Routes</a:t>
-            </a:r>
-            <a:endParaRPr lang="en-US" dirty="0"/>
-          </a:p>
-        </p:txBody>
-      </p:sp>
-      <p:sp>
-        <p:nvSpPr>
-          <p:cNvPr id="3" name="Content Placeholder 2"/>
-          <p:cNvSpPr>
-            <a:spLocks noGrp="1"/>
-          </p:cNvSpPr>
-          <p:nvPr>
-            <p:ph idx="1"/>
-          </p:nvPr>
-        </p:nvSpPr>
-        <p:spPr/>
-        <p:txBody>
-          <a:bodyPr>
-            <a:normAutofit fontScale="92500"/>
-          </a:bodyPr>
-          <a:lstStyle/>
-          <a:p>
-            <a:r>
-              <a:rPr lang="en-US" dirty="0" smtClean="0"/>
-              <a:t>A router maps HTTP requests to a callback. </a:t>
-            </a:r>
-          </a:p>
-          <a:p>
-            <a:r>
-              <a:rPr lang="en-US" dirty="0" smtClean="0"/>
-              <a:t>HTTP requests can be sent as GET/POST/PUT/DELETE, etc.</a:t>
-            </a:r>
-          </a:p>
-          <a:p>
-            <a:r>
-              <a:rPr lang="en-US" dirty="0" smtClean="0"/>
-              <a:t>URLs describe the location targeted. </a:t>
-            </a:r>
-          </a:p>
-          <a:p>
-            <a:r>
-              <a:rPr lang="en-US" dirty="0" smtClean="0"/>
-              <a:t>Node helps you map a HTTP GET request like: </a:t>
-            </a:r>
-          </a:p>
-          <a:p>
-            <a:pPr lvl="1"/>
-            <a:r>
-              <a:rPr lang="en-US" dirty="0" smtClean="0"/>
-              <a:t>http://localhost:8888/index</a:t>
-            </a:r>
-          </a:p>
-          <a:p>
-            <a:r>
-              <a:rPr lang="en-US" dirty="0" smtClean="0"/>
-              <a:t>To a request handler (callback)</a:t>
-            </a:r>
-          </a:p>
-          <a:p>
-            <a:pPr marL="0" lvl="0" indent="0" defTabSz="914400" eaLnBrk="0" fontAlgn="base" hangingPunct="0">
-              <a:spcBef>
-                <a:spcPct val="0"/>
-              </a:spcBef>
-              <a:spcAft>
-                <a:spcPct val="0"/>
-              </a:spcAft>
-              <a:buNone/>
-            </a:pPr>
-            <a:endParaRPr lang="en-US" altLang="en-US" dirty="0" smtClean="0">
-              <a:solidFill>
-                <a:srgbClr val="000000"/>
-              </a:solidFill>
-              <a:latin typeface="Consolas" panose="020B0609020204030204" pitchFamily="49" charset="0"/>
-              <a:cs typeface="Consolas" panose="020B0609020204030204" pitchFamily="49" charset="0"/>
-            </a:endParaRPr>
-          </a:p>
-          <a:p>
-            <a:pPr marL="0" lvl="0" indent="0" defTabSz="914400" eaLnBrk="0" fontAlgn="base" hangingPunct="0">
-              <a:spcBef>
-                <a:spcPct val="0"/>
-              </a:spcBef>
-              <a:spcAft>
-                <a:spcPct val="0"/>
-              </a:spcAft>
-              <a:buNone/>
-            </a:pPr>
-            <a:r>
-              <a:rPr lang="en-US" altLang="en-US" sz="2600" dirty="0" err="1" smtClean="0">
-                <a:solidFill>
-                  <a:srgbClr val="000000"/>
-                </a:solidFill>
-                <a:latin typeface="Consolas" panose="020B0609020204030204" pitchFamily="49" charset="0"/>
-                <a:cs typeface="Consolas" panose="020B0609020204030204" pitchFamily="49" charset="0"/>
-              </a:rPr>
-              <a:t>app.</a:t>
-            </a:r>
-            <a:r>
-              <a:rPr lang="en-US" altLang="en-US" sz="2600" dirty="0" err="1" smtClean="0">
-                <a:solidFill>
-                  <a:srgbClr val="0000FF"/>
-                </a:solidFill>
-                <a:latin typeface="Consolas" panose="020B0609020204030204" pitchFamily="49" charset="0"/>
-                <a:cs typeface="Consolas" panose="020B0609020204030204" pitchFamily="49" charset="0"/>
-              </a:rPr>
-              <a:t>get</a:t>
-            </a:r>
-            <a:r>
-              <a:rPr lang="en-US" altLang="en-US" sz="2600" dirty="0" smtClean="0">
-                <a:solidFill>
-                  <a:srgbClr val="000000"/>
-                </a:solidFill>
-                <a:latin typeface="Consolas" panose="020B0609020204030204" pitchFamily="49" charset="0"/>
-                <a:cs typeface="Consolas" panose="020B0609020204030204" pitchFamily="49" charset="0"/>
-              </a:rPr>
-              <a:t>(</a:t>
-            </a:r>
-            <a:r>
-              <a:rPr lang="en-US" altLang="en-US" sz="2600" dirty="0" smtClean="0">
-                <a:solidFill>
-                  <a:srgbClr val="A31515"/>
-                </a:solidFill>
-                <a:latin typeface="Consolas" panose="020B0609020204030204" pitchFamily="49" charset="0"/>
-                <a:cs typeface="Consolas" panose="020B0609020204030204" pitchFamily="49" charset="0"/>
-              </a:rPr>
-              <a:t>'/index'</a:t>
-            </a:r>
-            <a:r>
-              <a:rPr lang="en-US" altLang="en-US" sz="2600" dirty="0" smtClean="0">
-                <a:solidFill>
-                  <a:srgbClr val="000000"/>
-                </a:solidFill>
-                <a:latin typeface="Consolas" panose="020B0609020204030204" pitchFamily="49" charset="0"/>
-                <a:cs typeface="Consolas" panose="020B0609020204030204" pitchFamily="49" charset="0"/>
-              </a:rPr>
-              <a:t>,</a:t>
-            </a:r>
-            <a:r>
-              <a:rPr lang="en-US" altLang="en-US" sz="2600" dirty="0">
-                <a:solidFill>
-                  <a:srgbClr val="000000"/>
-                </a:solidFill>
-                <a:latin typeface="Consolas" panose="020B0609020204030204" pitchFamily="49" charset="0"/>
-                <a:cs typeface="Consolas" panose="020B0609020204030204" pitchFamily="49" charset="0"/>
-              </a:rPr>
-              <a:t> </a:t>
-            </a:r>
-            <a:r>
-              <a:rPr lang="en-US" altLang="en-US" sz="2600" dirty="0">
-                <a:solidFill>
-                  <a:srgbClr val="0000FF"/>
-                </a:solidFill>
-                <a:latin typeface="Consolas" panose="020B0609020204030204" pitchFamily="49" charset="0"/>
-                <a:cs typeface="Consolas" panose="020B0609020204030204" pitchFamily="49" charset="0"/>
-              </a:rPr>
-              <a:t>function</a:t>
-            </a:r>
-            <a:r>
-              <a:rPr lang="en-US" altLang="en-US" sz="2600" dirty="0">
-                <a:solidFill>
-                  <a:srgbClr val="000000"/>
-                </a:solidFill>
-                <a:latin typeface="Consolas" panose="020B0609020204030204" pitchFamily="49" charset="0"/>
-                <a:cs typeface="Consolas" panose="020B0609020204030204" pitchFamily="49" charset="0"/>
-              </a:rPr>
-              <a:t> (</a:t>
-            </a:r>
-            <a:r>
-              <a:rPr lang="en-US" altLang="en-US" sz="2600" dirty="0" err="1">
-                <a:solidFill>
-                  <a:srgbClr val="000000"/>
-                </a:solidFill>
-                <a:latin typeface="Consolas" panose="020B0609020204030204" pitchFamily="49" charset="0"/>
-                <a:cs typeface="Consolas" panose="020B0609020204030204" pitchFamily="49" charset="0"/>
-              </a:rPr>
-              <a:t>req</a:t>
-            </a:r>
-            <a:r>
-              <a:rPr lang="en-US" altLang="en-US" sz="2600" dirty="0">
-                <a:solidFill>
-                  <a:srgbClr val="000000"/>
-                </a:solidFill>
-                <a:latin typeface="Consolas" panose="020B0609020204030204" pitchFamily="49" charset="0"/>
-                <a:cs typeface="Consolas" panose="020B0609020204030204" pitchFamily="49" charset="0"/>
-              </a:rPr>
-              <a:t>, res) </a:t>
-            </a:r>
-            <a:r>
-              <a:rPr lang="en-US" altLang="en-US" sz="2600" dirty="0" smtClean="0">
-                <a:solidFill>
-                  <a:srgbClr val="000000"/>
-                </a:solidFill>
-                <a:latin typeface="Consolas" panose="020B0609020204030204" pitchFamily="49" charset="0"/>
-                <a:cs typeface="Consolas" panose="020B0609020204030204" pitchFamily="49" charset="0"/>
-              </a:rPr>
-              <a:t>{});</a:t>
-            </a:r>
-            <a:endParaRPr lang="en-US" altLang="en-US" dirty="0">
-              <a:solidFill>
-                <a:srgbClr val="000000"/>
-              </a:solidFill>
-              <a:latin typeface="Consolas" panose="020B0609020204030204" pitchFamily="49" charset="0"/>
-              <a:cs typeface="Consolas" panose="020B0609020204030204" pitchFamily="49" charset="0"/>
-            </a:endParaRPr>
+            <a:pPr marL="914400" indent="-914400"/>
+            <a:r>
+              <a:rPr lang="en-US" dirty="0"/>
+              <a:t>Creating a Simple Rest API</a:t>
+            </a:r>
           </a:p>
         </p:txBody>
       </p:sp>
     </p:spTree>
     <p:extLst>
       <p:ext uri="{BB962C8B-B14F-4D97-AF65-F5344CB8AC3E}">
-        <p14:creationId xmlns:p14="http://schemas.microsoft.com/office/powerpoint/2010/main" val="4077999751"/>
+        <p14:creationId xmlns:p14="http://schemas.microsoft.com/office/powerpoint/2010/main" val="1111353972"/>
       </p:ext>
     </p:extLst>
   </p:cSld>
@@ -21025,21 +21219,6 @@
 </file>
 
 <file path=customXml/item1.xml><?xml version="1.0" encoding="utf-8"?>
-<?mso-contentType ?>
-<FormTemplates xmlns="http://schemas.microsoft.com/sharepoint/v3/contenttype/forms">
-  <Display>DocumentLibraryForm</Display>
-  <Edit>DocumentLibraryForm</Edit>
-  <New>DocumentLibraryForm</New>
-</FormTemplates>
-</file>
-
-<file path=customXml/item2.xml><?xml version="1.0" encoding="utf-8"?>
-<p:properties xmlns:p="http://schemas.microsoft.com/office/2006/metadata/properties" xmlns:xsi="http://www.w3.org/2001/XMLSchema-instance" xmlns:pc="http://schemas.microsoft.com/office/infopath/2007/PartnerControls">
-  <documentManagement/>
-</p:properties>
-</file>
-
-<file path=customXml/item3.xml><?xml version="1.0" encoding="utf-8"?>
 <ct:contentTypeSchema xmlns:ct="http://schemas.microsoft.com/office/2006/metadata/contentType" xmlns:ma="http://schemas.microsoft.com/office/2006/metadata/properties/metaAttributes" ct:_="" ma:_="" ma:contentTypeName="Document" ma:contentTypeID="0x010100391E57C78B9F604FB8BAD296D1460E2A" ma:contentTypeVersion="1" ma:contentTypeDescription="Create a new document." ma:contentTypeScope="" ma:versionID="fb382fe2362acd2155f454904f478e4d">
   <xsd:schema xmlns:xsd="http://www.w3.org/2001/XMLSchema" xmlns:xs="http://www.w3.org/2001/XMLSchema" xmlns:p="http://schemas.microsoft.com/office/2006/metadata/properties" xmlns:ns3="636b0322-90fb-440c-9cbc-22749e7231e9" targetNamespace="http://schemas.microsoft.com/office/2006/metadata/properties" ma:root="true" ma:fieldsID="b9887c63ce4710c1aeb75a5f03aecb69" ns3:_="">
     <xsd:import namespace="636b0322-90fb-440c-9cbc-22749e7231e9"/>
@@ -21179,10 +21358,35 @@
 </ct:contentTypeSchema>
 </file>
 
+<file path=customXml/item2.xml><?xml version="1.0" encoding="utf-8"?>
+<p:properties xmlns:p="http://schemas.microsoft.com/office/2006/metadata/properties" xmlns:xsi="http://www.w3.org/2001/XMLSchema-instance" xmlns:pc="http://schemas.microsoft.com/office/infopath/2007/PartnerControls">
+  <documentManagement/>
+</p:properties>
+</file>
+
+<file path=customXml/item3.xml><?xml version="1.0" encoding="utf-8"?>
+<?mso-contentType ?>
+<FormTemplates xmlns="http://schemas.microsoft.com/sharepoint/v3/contenttype/forms">
+  <Display>DocumentLibraryForm</Display>
+  <Edit>DocumentLibraryForm</Edit>
+  <New>DocumentLibraryForm</New>
+</FormTemplates>
+</file>
+
 <file path=customXml/itemProps1.xml><?xml version="1.0" encoding="utf-8"?>
-<ds:datastoreItem xmlns:ds="http://schemas.openxmlformats.org/officeDocument/2006/customXml" ds:itemID="{B0CA13EC-1D3C-4D6F-8D1C-E8A452CFC79A}">
+<ds:datastoreItem xmlns:ds="http://schemas.openxmlformats.org/officeDocument/2006/customXml" ds:itemID="{7B70CE0C-0988-423A-BF66-B40F6A1061FF}">
   <ds:schemaRefs>
-    <ds:schemaRef ds:uri="http://schemas.microsoft.com/sharepoint/v3/contenttype/forms"/>
+    <ds:schemaRef ds:uri="http://schemas.microsoft.com/office/2006/metadata/contentType"/>
+    <ds:schemaRef ds:uri="http://schemas.microsoft.com/office/2006/metadata/properties/metaAttributes"/>
+    <ds:schemaRef ds:uri="http://www.w3.org/2001/XMLSchema"/>
+    <ds:schemaRef ds:uri="http://schemas.microsoft.com/office/2006/metadata/properties"/>
+    <ds:schemaRef ds:uri="636b0322-90fb-440c-9cbc-22749e7231e9"/>
+    <ds:schemaRef ds:uri="http://schemas.microsoft.com/office/2006/documentManagement/types"/>
+    <ds:schemaRef ds:uri="http://schemas.microsoft.com/office/infopath/2007/PartnerControls"/>
+    <ds:schemaRef ds:uri="http://schemas.openxmlformats.org/package/2006/metadata/core-properties"/>
+    <ds:schemaRef ds:uri="http://purl.org/dc/elements/1.1/"/>
+    <ds:schemaRef ds:uri="http://purl.org/dc/terms/"/>
+    <ds:schemaRef ds:uri="http://schemas.microsoft.com/internal/obd"/>
   </ds:schemaRefs>
 </ds:datastoreItem>
 </file>
@@ -21204,19 +21408,9 @@
 </file>
 
 <file path=customXml/itemProps3.xml><?xml version="1.0" encoding="utf-8"?>
-<ds:datastoreItem xmlns:ds="http://schemas.openxmlformats.org/officeDocument/2006/customXml" ds:itemID="{7B70CE0C-0988-423A-BF66-B40F6A1061FF}">
+<ds:datastoreItem xmlns:ds="http://schemas.openxmlformats.org/officeDocument/2006/customXml" ds:itemID="{B0CA13EC-1D3C-4D6F-8D1C-E8A452CFC79A}">
   <ds:schemaRefs>
-    <ds:schemaRef ds:uri="http://schemas.microsoft.com/office/2006/metadata/contentType"/>
-    <ds:schemaRef ds:uri="http://schemas.microsoft.com/office/2006/metadata/properties/metaAttributes"/>
-    <ds:schemaRef ds:uri="http://www.w3.org/2001/XMLSchema"/>
-    <ds:schemaRef ds:uri="http://schemas.microsoft.com/office/2006/metadata/properties"/>
-    <ds:schemaRef ds:uri="636b0322-90fb-440c-9cbc-22749e7231e9"/>
-    <ds:schemaRef ds:uri="http://schemas.microsoft.com/office/2006/documentManagement/types"/>
-    <ds:schemaRef ds:uri="http://schemas.microsoft.com/office/infopath/2007/PartnerControls"/>
-    <ds:schemaRef ds:uri="http://schemas.openxmlformats.org/package/2006/metadata/core-properties"/>
-    <ds:schemaRef ds:uri="http://purl.org/dc/elements/1.1/"/>
-    <ds:schemaRef ds:uri="http://purl.org/dc/terms/"/>
-    <ds:schemaRef ds:uri="http://schemas.microsoft.com/internal/obd"/>
+    <ds:schemaRef ds:uri="http://schemas.microsoft.com/sharepoint/v3/contenttype/forms"/>
   </ds:schemaRefs>
 </ds:datastoreItem>
 </file>
--- a/Presentation/IntroToExpress/IntroToExpress.pptx
+++ b/Presentation/IntroToExpress/IntroToExpress.pptx
@@ -223,7 +223,7 @@
           <a:p>
             <a:fld id="{312E7B4A-039C-48A2-9B2C-AF16AA3873D8}" type="datetimeFigureOut">
               <a:rPr lang="en-US" smtClean="0"/>
-              <a:t>7/21/2015</a:t>
+              <a:t>7/22/2015</a:t>
             </a:fld>
             <a:endParaRPr lang="en-US"/>
           </a:p>
@@ -388,7 +388,7 @@
           <a:p>
             <a:fld id="{DA005A0C-54D9-45AA-87D4-C551D08DFCE1}" type="datetimeFigureOut">
               <a:rPr lang="en-US" smtClean="0"/>
-              <a:t>7/21/2015</a:t>
+              <a:t>7/22/2015</a:t>
             </a:fld>
             <a:endParaRPr lang="en-US"/>
           </a:p>
@@ -17153,13 +17153,13 @@
   <p:clrMapOvr>
     <a:masterClrMapping/>
   </p:clrMapOvr>
-  <mc:AlternateContent xmlns:mc="http://schemas.openxmlformats.org/markup-compatibility/2006">
-    <mc:Choice xmlns:p14="http://schemas.microsoft.com/office/powerpoint/2010/main" Requires="p14">
+  <mc:AlternateContent xmlns:mc="http://schemas.openxmlformats.org/markup-compatibility/2006" xmlns:p14="http://schemas.microsoft.com/office/powerpoint/2010/main">
+    <mc:Choice Requires="p14">
       <p:transition spd="med" p14:dur="700">
         <p:fade/>
       </p:transition>
     </mc:Choice>
-    <mc:Fallback>
+    <mc:Fallback xmlns="">
       <p:transition spd="med">
         <p:fade/>
       </p:transition>
@@ -18367,21 +18367,19 @@
               <a:rPr lang="en-US" sz="5400" dirty="0">
                 <a:latin typeface="+mj-lt"/>
               </a:rPr>
-              <a:t>Demo: Creating a simple Rest API </a:t>
-            </a:r>
-          </a:p>
-          <a:p>
-            <a:pPr marL="742950" indent="-742950">
-              <a:lnSpc>
-                <a:spcPct val="100000"/>
-              </a:lnSpc>
-              <a:buAutoNum type="arabicParenR"/>
-            </a:pPr>
-            <a:r>
-              <a:rPr lang="en-US" sz="5400" dirty="0" err="1">
+              <a:t>Demo: Creating a simple </a:t>
+            </a:r>
+            <a:r>
+              <a:rPr lang="en-US" sz="5400">
                 <a:latin typeface="+mj-lt"/>
               </a:rPr>
-              <a:t>Templating</a:t>
+              <a:t>Rest </a:t>
+            </a:r>
+            <a:r>
+              <a:rPr lang="en-US" sz="5400" smtClean="0">
+                <a:latin typeface="+mj-lt"/>
+              </a:rPr>
+              <a:t>API</a:t>
             </a:r>
             <a:endParaRPr lang="en-US" sz="5400" dirty="0">
               <a:latin typeface="+mj-lt"/>
@@ -21219,6 +21217,12 @@
 </file>
 
 <file path=customXml/item1.xml><?xml version="1.0" encoding="utf-8"?>
+<p:properties xmlns:p="http://schemas.microsoft.com/office/2006/metadata/properties" xmlns:xsi="http://www.w3.org/2001/XMLSchema-instance" xmlns:pc="http://schemas.microsoft.com/office/infopath/2007/PartnerControls">
+  <documentManagement/>
+</p:properties>
+</file>
+
+<file path=customXml/item2.xml><?xml version="1.0" encoding="utf-8"?>
 <ct:contentTypeSchema xmlns:ct="http://schemas.microsoft.com/office/2006/metadata/contentType" xmlns:ma="http://schemas.microsoft.com/office/2006/metadata/properties/metaAttributes" ct:_="" ma:_="" ma:contentTypeName="Document" ma:contentTypeID="0x010100391E57C78B9F604FB8BAD296D1460E2A" ma:contentTypeVersion="1" ma:contentTypeDescription="Create a new document." ma:contentTypeScope="" ma:versionID="fb382fe2362acd2155f454904f478e4d">
   <xsd:schema xmlns:xsd="http://www.w3.org/2001/XMLSchema" xmlns:xs="http://www.w3.org/2001/XMLSchema" xmlns:p="http://schemas.microsoft.com/office/2006/metadata/properties" xmlns:ns3="636b0322-90fb-440c-9cbc-22749e7231e9" targetNamespace="http://schemas.microsoft.com/office/2006/metadata/properties" ma:root="true" ma:fieldsID="b9887c63ce4710c1aeb75a5f03aecb69" ns3:_="">
     <xsd:import namespace="636b0322-90fb-440c-9cbc-22749e7231e9"/>
@@ -21358,12 +21362,6 @@
 </ct:contentTypeSchema>
 </file>
 
-<file path=customXml/item2.xml><?xml version="1.0" encoding="utf-8"?>
-<p:properties xmlns:p="http://schemas.microsoft.com/office/2006/metadata/properties" xmlns:xsi="http://www.w3.org/2001/XMLSchema-instance" xmlns:pc="http://schemas.microsoft.com/office/infopath/2007/PartnerControls">
-  <documentManagement/>
-</p:properties>
-</file>
-
 <file path=customXml/item3.xml><?xml version="1.0" encoding="utf-8"?>
 <?mso-contentType ?>
 <FormTemplates xmlns="http://schemas.microsoft.com/sharepoint/v3/contenttype/forms">
@@ -21374,6 +21372,22 @@
 </file>
 
 <file path=customXml/itemProps1.xml><?xml version="1.0" encoding="utf-8"?>
+<ds:datastoreItem xmlns:ds="http://schemas.openxmlformats.org/officeDocument/2006/customXml" ds:itemID="{7025FDD9-4C58-4084-9F89-0E6ADD6FFF55}">
+  <ds:schemaRefs>
+    <ds:schemaRef ds:uri="http://schemas.microsoft.com/office/infopath/2007/PartnerControls"/>
+    <ds:schemaRef ds:uri="http://purl.org/dc/elements/1.1/"/>
+    <ds:schemaRef ds:uri="http://schemas.microsoft.com/office/2006/metadata/properties"/>
+    <ds:schemaRef ds:uri="636b0322-90fb-440c-9cbc-22749e7231e9"/>
+    <ds:schemaRef ds:uri="http://purl.org/dc/terms/"/>
+    <ds:schemaRef ds:uri="http://schemas.microsoft.com/office/2006/documentManagement/types"/>
+    <ds:schemaRef ds:uri="http://purl.org/dc/dcmitype/"/>
+    <ds:schemaRef ds:uri="http://schemas.openxmlformats.org/package/2006/metadata/core-properties"/>
+    <ds:schemaRef ds:uri="http://www.w3.org/XML/1998/namespace"/>
+  </ds:schemaRefs>
+</ds:datastoreItem>
+</file>
+
+<file path=customXml/itemProps2.xml><?xml version="1.0" encoding="utf-8"?>
 <ds:datastoreItem xmlns:ds="http://schemas.openxmlformats.org/officeDocument/2006/customXml" ds:itemID="{7B70CE0C-0988-423A-BF66-B40F6A1061FF}">
   <ds:schemaRefs>
     <ds:schemaRef ds:uri="http://schemas.microsoft.com/office/2006/metadata/contentType"/>
@@ -21391,22 +21405,6 @@
 </ds:datastoreItem>
 </file>
 
-<file path=customXml/itemProps2.xml><?xml version="1.0" encoding="utf-8"?>
-<ds:datastoreItem xmlns:ds="http://schemas.openxmlformats.org/officeDocument/2006/customXml" ds:itemID="{7025FDD9-4C58-4084-9F89-0E6ADD6FFF55}">
-  <ds:schemaRefs>
-    <ds:schemaRef ds:uri="http://schemas.microsoft.com/office/infopath/2007/PartnerControls"/>
-    <ds:schemaRef ds:uri="http://purl.org/dc/elements/1.1/"/>
-    <ds:schemaRef ds:uri="http://schemas.microsoft.com/office/2006/metadata/properties"/>
-    <ds:schemaRef ds:uri="636b0322-90fb-440c-9cbc-22749e7231e9"/>
-    <ds:schemaRef ds:uri="http://purl.org/dc/terms/"/>
-    <ds:schemaRef ds:uri="http://schemas.microsoft.com/office/2006/documentManagement/types"/>
-    <ds:schemaRef ds:uri="http://purl.org/dc/dcmitype/"/>
-    <ds:schemaRef ds:uri="http://schemas.openxmlformats.org/package/2006/metadata/core-properties"/>
-    <ds:schemaRef ds:uri="http://www.w3.org/XML/1998/namespace"/>
-  </ds:schemaRefs>
-</ds:datastoreItem>
-</file>
-
 <file path=customXml/itemProps3.xml><?xml version="1.0" encoding="utf-8"?>
 <ds:datastoreItem xmlns:ds="http://schemas.openxmlformats.org/officeDocument/2006/customXml" ds:itemID="{B0CA13EC-1D3C-4D6F-8D1C-E8A452CFC79A}">
   <ds:schemaRefs>

--- a/Presentation/IntroToExpress/IntroToExpress.pptx
+++ b/Presentation/IntroToExpress/IntroToExpress.pptx
@@ -223,7 +223,7 @@
           <a:p>
             <a:fld id="{312E7B4A-039C-48A2-9B2C-AF16AA3873D8}" type="datetimeFigureOut">
               <a:rPr lang="en-US" smtClean="0"/>
-              <a:t>7/22/2015</a:t>
+              <a:t>2/4/2016</a:t>
             </a:fld>
             <a:endParaRPr lang="en-US"/>
           </a:p>
@@ -388,7 +388,7 @@
           <a:p>
             <a:fld id="{DA005A0C-54D9-45AA-87D4-C551D08DFCE1}" type="datetimeFigureOut">
               <a:rPr lang="en-US" smtClean="0"/>
-              <a:t>7/22/2015</a:t>
+              <a:t>2/4/2016</a:t>
             </a:fld>
             <a:endParaRPr lang="en-US"/>
           </a:p>
@@ -16964,22 +16964,22 @@
           <a:lstStyle/>
           <a:p>
             <a:r>
-              <a:rPr lang="en-US" sz="6600" dirty="0"/>
+              <a:rPr lang="en-US" sz="7200" dirty="0"/>
               <a:t>Introduction to </a:t>
             </a:r>
             <a:r>
-              <a:rPr lang="en-US" sz="6600" dirty="0" smtClean="0"/>
+              <a:rPr lang="en-US" sz="7200" dirty="0" smtClean="0"/>
               <a:t/>
             </a:r>
             <a:br>
-              <a:rPr lang="en-US" sz="6600" dirty="0" smtClean="0"/>
+              <a:rPr lang="en-US" sz="7200" dirty="0" smtClean="0"/>
             </a:br>
             <a:r>
-              <a:rPr lang="en-US" sz="6600" dirty="0" smtClean="0"/>
+              <a:rPr lang="en-US" sz="7200" dirty="0" smtClean="0"/>
               <a:t>Express </a:t>
             </a:r>
             <a:r>
-              <a:rPr lang="en-US" sz="6600" dirty="0"/>
+              <a:rPr lang="en-US" sz="7200" dirty="0"/>
               <a:t>Framework</a:t>
             </a:r>
           </a:p>
@@ -21217,9 +21217,12 @@
 </file>
 
 <file path=customXml/item1.xml><?xml version="1.0" encoding="utf-8"?>
-<p:properties xmlns:p="http://schemas.microsoft.com/office/2006/metadata/properties" xmlns:xsi="http://www.w3.org/2001/XMLSchema-instance" xmlns:pc="http://schemas.microsoft.com/office/infopath/2007/PartnerControls">
-  <documentManagement/>
-</p:properties>
+<?mso-contentType ?>
+<FormTemplates xmlns="http://schemas.microsoft.com/sharepoint/v3/contenttype/forms">
+  <Display>DocumentLibraryForm</Display>
+  <Edit>DocumentLibraryForm</Edit>
+  <New>DocumentLibraryForm</New>
+</FormTemplates>
 </file>
 
 <file path=customXml/item2.xml><?xml version="1.0" encoding="utf-8"?>
@@ -21363,26 +21366,15 @@
 </file>
 
 <file path=customXml/item3.xml><?xml version="1.0" encoding="utf-8"?>
-<?mso-contentType ?>
-<FormTemplates xmlns="http://schemas.microsoft.com/sharepoint/v3/contenttype/forms">
-  <Display>DocumentLibraryForm</Display>
-  <Edit>DocumentLibraryForm</Edit>
-  <New>DocumentLibraryForm</New>
-</FormTemplates>
+<p:properties xmlns:p="http://schemas.microsoft.com/office/2006/metadata/properties" xmlns:xsi="http://www.w3.org/2001/XMLSchema-instance" xmlns:pc="http://schemas.microsoft.com/office/infopath/2007/PartnerControls">
+  <documentManagement/>
+</p:properties>
 </file>
 
 <file path=customXml/itemProps1.xml><?xml version="1.0" encoding="utf-8"?>
-<ds:datastoreItem xmlns:ds="http://schemas.openxmlformats.org/officeDocument/2006/customXml" ds:itemID="{7025FDD9-4C58-4084-9F89-0E6ADD6FFF55}">
+<ds:datastoreItem xmlns:ds="http://schemas.openxmlformats.org/officeDocument/2006/customXml" ds:itemID="{B0CA13EC-1D3C-4D6F-8D1C-E8A452CFC79A}">
   <ds:schemaRefs>
-    <ds:schemaRef ds:uri="http://schemas.microsoft.com/office/infopath/2007/PartnerControls"/>
-    <ds:schemaRef ds:uri="http://purl.org/dc/elements/1.1/"/>
-    <ds:schemaRef ds:uri="http://schemas.microsoft.com/office/2006/metadata/properties"/>
-    <ds:schemaRef ds:uri="636b0322-90fb-440c-9cbc-22749e7231e9"/>
-    <ds:schemaRef ds:uri="http://purl.org/dc/terms/"/>
-    <ds:schemaRef ds:uri="http://schemas.microsoft.com/office/2006/documentManagement/types"/>
-    <ds:schemaRef ds:uri="http://purl.org/dc/dcmitype/"/>
-    <ds:schemaRef ds:uri="http://schemas.openxmlformats.org/package/2006/metadata/core-properties"/>
-    <ds:schemaRef ds:uri="http://www.w3.org/XML/1998/namespace"/>
+    <ds:schemaRef ds:uri="http://schemas.microsoft.com/sharepoint/v3/contenttype/forms"/>
   </ds:schemaRefs>
 </ds:datastoreItem>
 </file>
@@ -21406,9 +21398,17 @@
 </file>
 
 <file path=customXml/itemProps3.xml><?xml version="1.0" encoding="utf-8"?>
-<ds:datastoreItem xmlns:ds="http://schemas.openxmlformats.org/officeDocument/2006/customXml" ds:itemID="{B0CA13EC-1D3C-4D6F-8D1C-E8A452CFC79A}">
+<ds:datastoreItem xmlns:ds="http://schemas.openxmlformats.org/officeDocument/2006/customXml" ds:itemID="{7025FDD9-4C58-4084-9F89-0E6ADD6FFF55}">
   <ds:schemaRefs>
-    <ds:schemaRef ds:uri="http://schemas.microsoft.com/sharepoint/v3/contenttype/forms"/>
+    <ds:schemaRef ds:uri="http://schemas.microsoft.com/office/infopath/2007/PartnerControls"/>
+    <ds:schemaRef ds:uri="http://purl.org/dc/elements/1.1/"/>
+    <ds:schemaRef ds:uri="http://schemas.microsoft.com/office/2006/metadata/properties"/>
+    <ds:schemaRef ds:uri="636b0322-90fb-440c-9cbc-22749e7231e9"/>
+    <ds:schemaRef ds:uri="http://purl.org/dc/terms/"/>
+    <ds:schemaRef ds:uri="http://schemas.microsoft.com/office/2006/documentManagement/types"/>
+    <ds:schemaRef ds:uri="http://purl.org/dc/dcmitype/"/>
+    <ds:schemaRef ds:uri="http://schemas.openxmlformats.org/package/2006/metadata/core-properties"/>
+    <ds:schemaRef ds:uri="http://www.w3.org/XML/1998/namespace"/>
   </ds:schemaRefs>
 </ds:datastoreItem>
 </file>
--- a/Presentation/IntroToExpress/IntroToExpress.pptx
+++ b/Presentation/IntroToExpress/IntroToExpress.pptx
@@ -223,7 +223,7 @@
           <a:p>
             <a:fld id="{312E7B4A-039C-48A2-9B2C-AF16AA3873D8}" type="datetimeFigureOut">
               <a:rPr lang="en-US" smtClean="0"/>
-              <a:t>2/4/2016</a:t>
+              <a:t>10/13/2016</a:t>
             </a:fld>
             <a:endParaRPr lang="en-US"/>
           </a:p>
@@ -388,7 +388,7 @@
           <a:p>
             <a:fld id="{DA005A0C-54D9-45AA-87D4-C551D08DFCE1}" type="datetimeFigureOut">
               <a:rPr lang="en-US" smtClean="0"/>
-              <a:t>2/4/2016</a:t>
+              <a:t>10/13/2016</a:t>
             </a:fld>
             <a:endParaRPr lang="en-US"/>
           </a:p>
@@ -452,38 +452,37 @@
           <a:p>
             <a:pPr lvl="0"/>
             <a:r>
-              <a:rPr lang="en-US" smtClean="0"/>
+              <a:rPr lang="en-US"/>
               <a:t>Click to edit Master text styles</a:t>
             </a:r>
           </a:p>
           <a:p>
             <a:pPr lvl="1"/>
             <a:r>
-              <a:rPr lang="en-US" smtClean="0"/>
+              <a:rPr lang="en-US"/>
               <a:t>Second level</a:t>
             </a:r>
           </a:p>
           <a:p>
             <a:pPr lvl="2"/>
             <a:r>
-              <a:rPr lang="en-US" smtClean="0"/>
+              <a:rPr lang="en-US"/>
               <a:t>Third level</a:t>
             </a:r>
           </a:p>
           <a:p>
             <a:pPr lvl="3"/>
             <a:r>
-              <a:rPr lang="en-US" smtClean="0"/>
+              <a:rPr lang="en-US"/>
               <a:t>Fourth level</a:t>
             </a:r>
           </a:p>
           <a:p>
             <a:pPr lvl="4"/>
             <a:r>
-              <a:rPr lang="en-US" smtClean="0"/>
+              <a:rPr lang="en-US"/>
               <a:t>Fifth level</a:t>
             </a:r>
-            <a:endParaRPr lang="en-US"/>
           </a:p>
         </p:txBody>
       </p:sp>
@@ -689,10 +688,9 @@
           <a:lstStyle/>
           <a:p>
             <a:r>
-              <a:rPr lang="en-US" dirty="0" smtClean="0"/>
+              <a:rPr lang="en-US" dirty="0"/>
               <a:t>Click to edit Master title style</a:t>
             </a:r>
-            <a:endParaRPr lang="en-US" dirty="0"/>
           </a:p>
         </p:txBody>
       </p:sp>
@@ -722,14 +720,14 @@
           <a:p>
             <a:pPr lvl="0"/>
             <a:r>
-              <a:rPr lang="en-US" dirty="0" smtClean="0"/>
+              <a:rPr lang="en-US" dirty="0"/>
               <a:t>Presenter Name</a:t>
             </a:r>
           </a:p>
           <a:p>
             <a:pPr lvl="0"/>
             <a:r>
-              <a:rPr lang="en-US" dirty="0" smtClean="0"/>
+              <a:rPr lang="en-US" dirty="0"/>
               <a:t>Title/role</a:t>
             </a:r>
           </a:p>
@@ -745,13 +743,6 @@
   <p:clrMapOvr>
     <a:masterClrMapping/>
   </p:clrMapOvr>
-  <p:timing>
-    <p:tnLst>
-      <p:par>
-        <p:cTn id="1" dur="indefinite" restart="never" nodeType="tmRoot"/>
-      </p:par>
-    </p:tnLst>
-  </p:timing>
 </p:sldLayout>
 </file>
 
@@ -799,10 +790,9 @@
           </a:lstStyle>
           <a:p>
             <a:r>
-              <a:rPr lang="en-US" smtClean="0"/>
+              <a:rPr lang="en-US"/>
               <a:t>Click to edit Master title style</a:t>
             </a:r>
-            <a:endParaRPr lang="en-US"/>
           </a:p>
         </p:txBody>
       </p:sp>
@@ -827,10 +817,34 @@
                 <a:tableStyleId>{5C22544A-7EE6-4342-B048-85BDC9FD1C3A}</a:tableStyleId>
               </a:tblPr>
               <a:tblGrid>
-                <a:gridCol w="2764105"/>
-                <a:gridCol w="2764105"/>
-                <a:gridCol w="2764105"/>
-                <a:gridCol w="2764105"/>
+                <a:gridCol w="2764105">
+                  <a:extLst>
+                    <a:ext uri="{9D8B030D-6E8A-4147-A177-3AD203B41FA5}">
+                      <a16:colId xmlns:a16="http://schemas.microsoft.com/office/drawing/2014/main" val="20000"/>
+                    </a:ext>
+                  </a:extLst>
+                </a:gridCol>
+                <a:gridCol w="2764105">
+                  <a:extLst>
+                    <a:ext uri="{9D8B030D-6E8A-4147-A177-3AD203B41FA5}">
+                      <a16:colId xmlns:a16="http://schemas.microsoft.com/office/drawing/2014/main" val="20001"/>
+                    </a:ext>
+                  </a:extLst>
+                </a:gridCol>
+                <a:gridCol w="2764105">
+                  <a:extLst>
+                    <a:ext uri="{9D8B030D-6E8A-4147-A177-3AD203B41FA5}">
+                      <a16:colId xmlns:a16="http://schemas.microsoft.com/office/drawing/2014/main" val="20002"/>
+                    </a:ext>
+                  </a:extLst>
+                </a:gridCol>
+                <a:gridCol w="2764105">
+                  <a:extLst>
+                    <a:ext uri="{9D8B030D-6E8A-4147-A177-3AD203B41FA5}">
+                      <a16:colId xmlns:a16="http://schemas.microsoft.com/office/drawing/2014/main" val="20003"/>
+                    </a:ext>
+                  </a:extLst>
+                </a:gridCol>
               </a:tblGrid>
               <a:tr h="644435">
                 <a:tc>
@@ -839,18 +853,13 @@
                     <a:lstStyle/>
                     <a:p>
                       <a:r>
-                        <a:rPr lang="en-US" sz="2000" dirty="0" smtClean="0">
+                        <a:rPr lang="en-US" sz="2000" dirty="0">
                           <a:solidFill>
                             <a:schemeClr val="bg1"/>
                           </a:solidFill>
                         </a:rPr>
                         <a:t>Heading</a:t>
                       </a:r>
-                      <a:endParaRPr lang="en-US" sz="2000" dirty="0">
-                        <a:solidFill>
-                          <a:schemeClr val="bg1"/>
-                        </a:solidFill>
-                      </a:endParaRPr>
                     </a:p>
                   </a:txBody>
                   <a:tcPr marL="137160" marR="137160" marT="137160" marB="137160" anchor="ctr">
@@ -882,18 +891,13 @@
                     <a:lstStyle/>
                     <a:p>
                       <a:r>
-                        <a:rPr lang="en-US" sz="2000" dirty="0" smtClean="0">
+                        <a:rPr lang="en-US" sz="2000" dirty="0">
                           <a:solidFill>
                             <a:schemeClr val="bg1"/>
                           </a:solidFill>
                         </a:rPr>
                         <a:t>Heading</a:t>
                       </a:r>
-                      <a:endParaRPr lang="en-US" sz="2000" dirty="0">
-                        <a:solidFill>
-                          <a:schemeClr val="bg1"/>
-                        </a:solidFill>
-                      </a:endParaRPr>
                     </a:p>
                   </a:txBody>
                   <a:tcPr marL="137160" marR="137160" marT="137160" marB="137160" anchor="ctr">
@@ -925,18 +929,13 @@
                     <a:lstStyle/>
                     <a:p>
                       <a:r>
-                        <a:rPr lang="en-US" sz="2000" dirty="0" smtClean="0">
+                        <a:rPr lang="en-US" sz="2000" dirty="0">
                           <a:solidFill>
                             <a:schemeClr val="bg1"/>
                           </a:solidFill>
                         </a:rPr>
                         <a:t>Heading</a:t>
                       </a:r>
-                      <a:endParaRPr lang="en-US" sz="2000" dirty="0">
-                        <a:solidFill>
-                          <a:schemeClr val="bg1"/>
-                        </a:solidFill>
-                      </a:endParaRPr>
                     </a:p>
                   </a:txBody>
                   <a:tcPr marL="137160" marR="137160" marT="137160" marB="137160" anchor="ctr">
@@ -968,18 +967,13 @@
                     <a:lstStyle/>
                     <a:p>
                       <a:r>
-                        <a:rPr lang="en-US" sz="2000" dirty="0" smtClean="0">
+                        <a:rPr lang="en-US" sz="2000" dirty="0">
                           <a:solidFill>
                             <a:schemeClr val="bg1"/>
                           </a:solidFill>
                         </a:rPr>
                         <a:t>Heading</a:t>
                       </a:r>
-                      <a:endParaRPr lang="en-US" sz="2000" dirty="0">
-                        <a:solidFill>
-                          <a:schemeClr val="bg1"/>
-                        </a:solidFill>
-                      </a:endParaRPr>
                     </a:p>
                   </a:txBody>
                   <a:tcPr marL="137160" marR="137160" marT="137160" marB="137160" anchor="ctr">
@@ -1005,6 +999,11 @@
                     </a:lnBlToTr>
                   </a:tcPr>
                 </a:tc>
+                <a:extLst>
+                  <a:ext uri="{0D108BD9-81ED-4DB2-BD59-A6C34878D82A}">
+                    <a16:rowId xmlns:a16="http://schemas.microsoft.com/office/drawing/2014/main" val="10000"/>
+                  </a:ext>
+                </a:extLst>
               </a:tr>
               <a:tr h="1225319">
                 <a:tc>
@@ -1013,18 +1012,13 @@
                     <a:lstStyle/>
                     <a:p>
                       <a:r>
-                        <a:rPr lang="en-US" sz="1600" dirty="0" smtClean="0">
+                        <a:rPr lang="en-US" sz="1600" dirty="0">
                           <a:solidFill>
                             <a:srgbClr val="3C454F"/>
                           </a:solidFill>
                         </a:rPr>
                         <a:t>Content</a:t>
                       </a:r>
-                      <a:endParaRPr lang="en-US" sz="1600" dirty="0">
-                        <a:solidFill>
-                          <a:srgbClr val="3C454F"/>
-                        </a:solidFill>
-                      </a:endParaRPr>
                     </a:p>
                   </a:txBody>
                   <a:tcPr marL="137160" marR="137160" marT="137160" marB="137160">
@@ -1073,7 +1067,7 @@
                         <a:defRPr/>
                       </a:pPr>
                       <a:r>
-                        <a:rPr lang="en-US" sz="1600" dirty="0" smtClean="0">
+                        <a:rPr lang="en-US" sz="1600" dirty="0">
                           <a:solidFill>
                             <a:srgbClr val="3C454F"/>
                           </a:solidFill>
@@ -1135,7 +1129,7 @@
                         <a:defRPr/>
                       </a:pPr>
                       <a:r>
-                        <a:rPr lang="en-US" sz="1600" dirty="0" smtClean="0">
+                        <a:rPr lang="en-US" sz="1600" dirty="0">
                           <a:solidFill>
                             <a:srgbClr val="3C454F"/>
                           </a:solidFill>
@@ -1197,7 +1191,7 @@
                         <a:defRPr/>
                       </a:pPr>
                       <a:r>
-                        <a:rPr lang="en-US" sz="1600" dirty="0" smtClean="0">
+                        <a:rPr lang="en-US" sz="1600" dirty="0">
                           <a:solidFill>
                             <a:srgbClr val="3C454F"/>
                           </a:solidFill>
@@ -1236,6 +1230,11 @@
                     </a:lnBlToTr>
                   </a:tcPr>
                 </a:tc>
+                <a:extLst>
+                  <a:ext uri="{0D108BD9-81ED-4DB2-BD59-A6C34878D82A}">
+                    <a16:rowId xmlns:a16="http://schemas.microsoft.com/office/drawing/2014/main" val="10001"/>
+                  </a:ext>
+                </a:extLst>
               </a:tr>
               <a:tr h="1225319">
                 <a:tc>
@@ -1261,7 +1260,7 @@
                         <a:defRPr/>
                       </a:pPr>
                       <a:r>
-                        <a:rPr lang="en-US" sz="1600" dirty="0" smtClean="0">
+                        <a:rPr lang="en-US" sz="1600" dirty="0">
                           <a:solidFill>
                             <a:srgbClr val="3C454F"/>
                           </a:solidFill>
@@ -1323,7 +1322,7 @@
                         <a:defRPr/>
                       </a:pPr>
                       <a:r>
-                        <a:rPr lang="en-US" sz="1600" dirty="0" smtClean="0">
+                        <a:rPr lang="en-US" sz="1600" dirty="0">
                           <a:solidFill>
                             <a:srgbClr val="3C454F"/>
                           </a:solidFill>
@@ -1385,7 +1384,7 @@
                         <a:defRPr/>
                       </a:pPr>
                       <a:r>
-                        <a:rPr lang="en-US" sz="1600" dirty="0" smtClean="0">
+                        <a:rPr lang="en-US" sz="1600" dirty="0">
                           <a:solidFill>
                             <a:srgbClr val="3C454F"/>
                           </a:solidFill>
@@ -1447,7 +1446,7 @@
                         <a:defRPr/>
                       </a:pPr>
                       <a:r>
-                        <a:rPr lang="en-US" sz="1600" dirty="0" smtClean="0">
+                        <a:rPr lang="en-US" sz="1600" dirty="0">
                           <a:solidFill>
                             <a:srgbClr val="3C454F"/>
                           </a:solidFill>
@@ -1486,6 +1485,11 @@
                     </a:lnBlToTr>
                   </a:tcPr>
                 </a:tc>
+                <a:extLst>
+                  <a:ext uri="{0D108BD9-81ED-4DB2-BD59-A6C34878D82A}">
+                    <a16:rowId xmlns:a16="http://schemas.microsoft.com/office/drawing/2014/main" val="10002"/>
+                  </a:ext>
+                </a:extLst>
               </a:tr>
               <a:tr h="1225319">
                 <a:tc>
@@ -1511,7 +1515,7 @@
                         <a:defRPr/>
                       </a:pPr>
                       <a:r>
-                        <a:rPr lang="en-US" sz="1600" dirty="0" smtClean="0">
+                        <a:rPr lang="en-US" sz="1600" dirty="0">
                           <a:solidFill>
                             <a:srgbClr val="3C454F"/>
                           </a:solidFill>
@@ -1573,7 +1577,7 @@
                         <a:defRPr/>
                       </a:pPr>
                       <a:r>
-                        <a:rPr lang="en-US" sz="1600" dirty="0" smtClean="0">
+                        <a:rPr lang="en-US" sz="1600" dirty="0">
                           <a:solidFill>
                             <a:srgbClr val="3C454F"/>
                           </a:solidFill>
@@ -1635,7 +1639,7 @@
                         <a:defRPr/>
                       </a:pPr>
                       <a:r>
-                        <a:rPr lang="en-US" sz="1600" dirty="0" smtClean="0">
+                        <a:rPr lang="en-US" sz="1600" dirty="0">
                           <a:solidFill>
                             <a:srgbClr val="3C454F"/>
                           </a:solidFill>
@@ -1697,7 +1701,7 @@
                         <a:defRPr/>
                       </a:pPr>
                       <a:r>
-                        <a:rPr lang="en-US" sz="1600" dirty="0" smtClean="0">
+                        <a:rPr lang="en-US" sz="1600" dirty="0">
                           <a:solidFill>
                             <a:srgbClr val="3C454F"/>
                           </a:solidFill>
@@ -1736,6 +1740,11 @@
                     </a:lnBlToTr>
                   </a:tcPr>
                 </a:tc>
+                <a:extLst>
+                  <a:ext uri="{0D108BD9-81ED-4DB2-BD59-A6C34878D82A}">
+                    <a16:rowId xmlns:a16="http://schemas.microsoft.com/office/drawing/2014/main" val="10003"/>
+                  </a:ext>
+                </a:extLst>
               </a:tr>
             </a:tbl>
           </a:graphicData>
@@ -1751,13 +1760,6 @@
   <p:clrMapOvr>
     <a:masterClrMapping/>
   </p:clrMapOvr>
-  <p:timing>
-    <p:tnLst>
-      <p:par>
-        <p:cTn id="1" dur="indefinite" restart="never" nodeType="tmRoot"/>
-      </p:par>
-    </p:tnLst>
-  </p:timing>
 </p:sldLayout>
 </file>
 
@@ -1788,13 +1790,6 @@
   <p:clrMapOvr>
     <a:masterClrMapping/>
   </p:clrMapOvr>
-  <p:timing>
-    <p:tnLst>
-      <p:par>
-        <p:cTn id="1" dur="indefinite" restart="never" nodeType="tmRoot"/>
-      </p:par>
-    </p:tnLst>
-  </p:timing>
 </p:sldLayout>
 </file>
 
@@ -1842,10 +1837,9 @@
           </a:lstStyle>
           <a:p>
             <a:r>
-              <a:rPr lang="en-US" smtClean="0"/>
+              <a:rPr lang="en-US"/>
               <a:t>Click to edit Master title style</a:t>
             </a:r>
-            <a:endParaRPr lang="en-US"/>
           </a:p>
         </p:txBody>
       </p:sp>
@@ -1909,38 +1903,37 @@
           <a:p>
             <a:pPr lvl="0"/>
             <a:r>
-              <a:rPr lang="en-US" smtClean="0"/>
+              <a:rPr lang="en-US"/>
               <a:t>Click to edit Master text styles</a:t>
             </a:r>
           </a:p>
           <a:p>
             <a:pPr lvl="1"/>
             <a:r>
-              <a:rPr lang="en-US" smtClean="0"/>
+              <a:rPr lang="en-US"/>
               <a:t>Second level</a:t>
             </a:r>
           </a:p>
           <a:p>
             <a:pPr lvl="2"/>
             <a:r>
-              <a:rPr lang="en-US" smtClean="0"/>
+              <a:rPr lang="en-US"/>
               <a:t>Third level</a:t>
             </a:r>
           </a:p>
           <a:p>
             <a:pPr lvl="3"/>
             <a:r>
-              <a:rPr lang="en-US" smtClean="0"/>
+              <a:rPr lang="en-US"/>
               <a:t>Fourth level</a:t>
             </a:r>
           </a:p>
           <a:p>
             <a:pPr lvl="4"/>
             <a:r>
-              <a:rPr lang="en-US" smtClean="0"/>
+              <a:rPr lang="en-US"/>
               <a:t>Fifth level</a:t>
             </a:r>
-            <a:endParaRPr lang="en-US"/>
           </a:p>
         </p:txBody>
       </p:sp>
@@ -2005,7 +1998,7 @@
           <a:p>
             <a:pPr lvl="0"/>
             <a:r>
-              <a:rPr lang="en-US" dirty="0" smtClean="0"/>
+              <a:rPr lang="en-US" dirty="0"/>
               <a:t>Click to edit Master text styles</a:t>
             </a:r>
           </a:p>
@@ -2021,13 +2014,6 @@
   <p:clrMapOvr>
     <a:masterClrMapping/>
   </p:clrMapOvr>
-  <p:timing>
-    <p:tnLst>
-      <p:par>
-        <p:cTn id="1" dur="indefinite" restart="never" nodeType="tmRoot"/>
-      </p:par>
-    </p:tnLst>
-  </p:timing>
 </p:sldLayout>
 </file>
 
@@ -2073,10 +2059,9 @@
           </a:lstStyle>
           <a:p>
             <a:r>
-              <a:rPr lang="en-US" dirty="0" smtClean="0"/>
+              <a:rPr lang="en-US" dirty="0"/>
               <a:t>Click to edit Master title style</a:t>
             </a:r>
-            <a:endParaRPr lang="en-US" dirty="0"/>
           </a:p>
         </p:txBody>
       </p:sp>
@@ -2090,13 +2075,6 @@
   <p:clrMapOvr>
     <a:masterClrMapping/>
   </p:clrMapOvr>
-  <p:timing>
-    <p:tnLst>
-      <p:par>
-        <p:cTn id="1" dur="indefinite" restart="never" nodeType="tmRoot"/>
-      </p:par>
-    </p:tnLst>
-  </p:timing>
 </p:sldLayout>
 </file>
 
@@ -2197,75 +2175,7 @@
                 </a:gradFill>
                 <a:cs typeface="Segoe UI" pitchFamily="34" charset="0"/>
               </a:rPr>
-              <a:t>The </a:t>
-            </a:r>
-            <a:r>
-              <a:rPr lang="en-US" sz="686" dirty="0" smtClean="0">
-                <a:gradFill>
-                  <a:gsLst>
-                    <a:gs pos="0">
-                      <a:srgbClr val="FFFFFF"/>
-                    </a:gs>
-                    <a:gs pos="100000">
-                      <a:srgbClr val="FFFFFF"/>
-                    </a:gs>
-                  </a:gsLst>
-                  <a:lin ang="5400000" scaled="0"/>
-                </a:gradFill>
-                <a:cs typeface="Segoe UI" pitchFamily="34" charset="0"/>
-              </a:rPr>
-              <a:t>information herein </a:t>
-            </a:r>
-            <a:r>
-              <a:rPr lang="en-US" sz="686" dirty="0">
-                <a:gradFill>
-                  <a:gsLst>
-                    <a:gs pos="0">
-                      <a:srgbClr val="FFFFFF"/>
-                    </a:gs>
-                    <a:gs pos="100000">
-                      <a:srgbClr val="FFFFFF"/>
-                    </a:gs>
-                  </a:gsLst>
-                  <a:lin ang="5400000" scaled="0"/>
-                </a:gradFill>
-                <a:cs typeface="Segoe UI" pitchFamily="34" charset="0"/>
-              </a:rPr>
-              <a:t>is for informational purposes only and represents the current view of Microsoft Corporation as of the date of this presentation.  Because Microsoft must respond to changing market conditions, it should not be interpreted to </a:t>
-            </a:r>
-            <a:r>
-              <a:rPr lang="en-US" sz="686" dirty="0" smtClean="0">
-                <a:gradFill>
-                  <a:gsLst>
-                    <a:gs pos="0">
-                      <a:srgbClr val="FFFFFF"/>
-                    </a:gs>
-                    <a:gs pos="100000">
-                      <a:srgbClr val="FFFFFF"/>
-                    </a:gs>
-                  </a:gsLst>
-                  <a:lin ang="5400000" scaled="0"/>
-                </a:gradFill>
-                <a:cs typeface="Segoe UI" pitchFamily="34" charset="0"/>
-              </a:rPr>
-              <a:t>be </a:t>
-            </a:r>
-            <a:r>
-              <a:rPr lang="en-US" sz="686" dirty="0">
-                <a:gradFill>
-                  <a:gsLst>
-                    <a:gs pos="0">
-                      <a:srgbClr val="FFFFFF"/>
-                    </a:gs>
-                    <a:gs pos="100000">
-                      <a:srgbClr val="FFFFFF"/>
-                    </a:gs>
-                  </a:gsLst>
-                  <a:lin ang="5400000" scaled="0"/>
-                </a:gradFill>
-                <a:cs typeface="Segoe UI" pitchFamily="34" charset="0"/>
-              </a:rPr>
-              <a:t>a commitment on the part of Microsoft, and Microsoft cannot guarantee the accuracy of any information provided after the date of this presentation.  MICROSOFT MAKES NO WARRANTIES, EXPRESS, IMPLIED OR STATUTORY, AS TO THE INFORMATION IN THIS PRESENTATION.</a:t>
+              <a:t>The information herein is for informational purposes only and represents the current view of Microsoft Corporation as of the date of this presentation.  Because Microsoft must respond to changing market conditions, it should not be interpreted to be a commitment on the part of Microsoft, and Microsoft cannot guarantee the accuracy of any information provided after the date of this presentation.  MICROSOFT MAKES NO WARRANTIES, EXPRESS, IMPLIED OR STATUTORY, AS TO THE INFORMATION IN THIS PRESENTATION.</a:t>
             </a:r>
           </a:p>
         </p:txBody>
@@ -2322,13 +2232,6 @@
       </p:transition>
     </mc:Fallback>
   </mc:AlternateContent>
-  <p:timing>
-    <p:tnLst>
-      <p:par>
-        <p:cTn id="1" dur="indefinite" restart="never" nodeType="tmRoot"/>
-      </p:par>
-    </p:tnLst>
-  </p:timing>
 </p:sldLayout>
 </file>
 
@@ -2374,7 +2277,7 @@
           </a:lstStyle>
           <a:p>
             <a:r>
-              <a:rPr lang="en-US" smtClean="0"/>
+              <a:rPr lang="en-US"/>
               <a:t>Click to edit Master title style</a:t>
             </a:r>
             <a:endParaRPr lang="en-US" dirty="0"/>
@@ -2528,14 +2431,14 @@
           <a:p>
             <a:pPr lvl="0"/>
             <a:r>
-              <a:rPr lang="en-US" smtClean="0"/>
+              <a:rPr lang="en-US"/>
               <a:t>Click to edit Master text styles</a:t>
             </a:r>
           </a:p>
           <a:p>
             <a:pPr lvl="1"/>
             <a:r>
-              <a:rPr lang="en-US" smtClean="0"/>
+              <a:rPr lang="en-US"/>
               <a:t>Second level</a:t>
             </a:r>
           </a:p>
@@ -2554,13 +2457,6 @@
   <p:transition>
     <p:fade/>
   </p:transition>
-  <p:timing>
-    <p:tnLst>
-      <p:par>
-        <p:cTn id="1" dur="indefinite" restart="never" nodeType="tmRoot"/>
-      </p:par>
-    </p:tnLst>
-  </p:timing>
 </p:sldLayout>
 </file>
 
@@ -2633,7 +2529,7 @@
           </a:lstStyle>
           <a:p>
             <a:r>
-              <a:rPr lang="en-US" smtClean="0"/>
+              <a:rPr lang="en-US"/>
               <a:t>Click to edit Master title style</a:t>
             </a:r>
             <a:endParaRPr lang="en-US" dirty="0"/>
@@ -2803,7 +2699,7 @@
               <a:buChar char="•"/>
             </a:pPr>
             <a:r>
-              <a:rPr lang="en-US" smtClean="0"/>
+              <a:rPr lang="en-US"/>
               <a:t>Click to edit Master text styles</a:t>
             </a:r>
           </a:p>
@@ -2820,7 +2716,7 @@
               <a:buChar char="•"/>
             </a:pPr>
             <a:r>
-              <a:rPr lang="en-US" smtClean="0"/>
+              <a:rPr lang="en-US"/>
               <a:t>Second level</a:t>
             </a:r>
           </a:p>
@@ -2837,7 +2733,7 @@
               <a:buChar char="•"/>
             </a:pPr>
             <a:r>
-              <a:rPr lang="en-US" smtClean="0"/>
+              <a:rPr lang="en-US"/>
               <a:t>Third level</a:t>
             </a:r>
           </a:p>
@@ -2854,7 +2750,7 @@
               <a:buChar char="•"/>
             </a:pPr>
             <a:r>
-              <a:rPr lang="en-US" smtClean="0"/>
+              <a:rPr lang="en-US"/>
               <a:t>Fourth level</a:t>
             </a:r>
           </a:p>
@@ -2871,10 +2767,10 @@
               <a:buChar char="•"/>
             </a:pPr>
             <a:r>
-              <a:rPr lang="en-US" smtClean="0"/>
+              <a:rPr lang="en-US"/>
               <a:t>Fifth level</a:t>
             </a:r>
-            <a:endParaRPr lang="en-US" dirty="0" smtClean="0"/>
+            <a:endParaRPr lang="en-US" dirty="0"/>
           </a:p>
         </p:txBody>
       </p:sp>
@@ -2891,13 +2787,6 @@
   <p:transition>
     <p:fade/>
   </p:transition>
-  <p:timing>
-    <p:tnLst>
-      <p:par>
-        <p:cTn id="1" dur="indefinite" restart="never" nodeType="tmRoot"/>
-      </p:par>
-    </p:tnLst>
-  </p:timing>
 </p:sldLayout>
 </file>
 
@@ -2986,10 +2875,9 @@
           </a:lstStyle>
           <a:p>
             <a:r>
-              <a:rPr lang="en-US" dirty="0" smtClean="0"/>
+              <a:rPr lang="en-US" dirty="0"/>
               <a:t>Click to edit Master subtitle style</a:t>
             </a:r>
-            <a:endParaRPr lang="en-US" dirty="0"/>
           </a:p>
         </p:txBody>
       </p:sp>
@@ -3016,7 +2904,7 @@
           <a:lstStyle/>
           <a:p>
             <a:r>
-              <a:rPr lang="en-US" sz="6000" kern="1200" dirty="0" smtClean="0">
+              <a:rPr lang="en-US" sz="6000" kern="1200" dirty="0">
                 <a:solidFill>
                   <a:srgbClr val="289FD7"/>
                 </a:solidFill>
@@ -3026,14 +2914,6 @@
               </a:rPr>
               <a:t>Demo</a:t>
             </a:r>
-            <a:endParaRPr lang="en-US" sz="6000" kern="1200" dirty="0">
-              <a:solidFill>
-                <a:srgbClr val="289FD7"/>
-              </a:solidFill>
-              <a:latin typeface="+mj-lt"/>
-              <a:ea typeface="+mj-ea"/>
-              <a:cs typeface="+mj-cs"/>
-            </a:endParaRPr>
           </a:p>
         </p:txBody>
       </p:sp>
@@ -3047,13 +2927,6 @@
   <p:clrMapOvr>
     <a:masterClrMapping/>
   </p:clrMapOvr>
-  <p:timing>
-    <p:tnLst>
-      <p:par>
-        <p:cTn id="1" dur="indefinite" restart="never" nodeType="tmRoot"/>
-      </p:par>
-    </p:tnLst>
-  </p:timing>
 </p:sldLayout>
 </file>
 
@@ -3107,10 +2980,9 @@
           </a:lstStyle>
           <a:p>
             <a:r>
-              <a:rPr lang="en-US" dirty="0" smtClean="0"/>
+              <a:rPr lang="en-US" dirty="0"/>
               <a:t>Click to edit Master title style</a:t>
             </a:r>
-            <a:endParaRPr lang="en-US" dirty="0"/>
           </a:p>
         </p:txBody>
       </p:sp>
@@ -3174,10 +3046,9 @@
           </a:lstStyle>
           <a:p>
             <a:r>
-              <a:rPr lang="en-US" dirty="0" smtClean="0"/>
+              <a:rPr lang="en-US" dirty="0"/>
               <a:t>Click to edit Master subtitle style</a:t>
             </a:r>
-            <a:endParaRPr lang="en-US" dirty="0"/>
           </a:p>
         </p:txBody>
       </p:sp>
@@ -3191,13 +3062,6 @@
   <p:clrMapOvr>
     <a:masterClrMapping/>
   </p:clrMapOvr>
-  <p:timing>
-    <p:tnLst>
-      <p:par>
-        <p:cTn id="1" dur="indefinite" restart="never" nodeType="tmRoot"/>
-      </p:par>
-    </p:tnLst>
-  </p:timing>
 </p:sldLayout>
 </file>
 
@@ -3242,10 +3106,9 @@
           <a:lstStyle/>
           <a:p>
             <a:r>
-              <a:rPr lang="en-US" smtClean="0"/>
+              <a:rPr lang="en-US"/>
               <a:t>Click to edit Master title style</a:t>
             </a:r>
-            <a:endParaRPr lang="en-US"/>
           </a:p>
         </p:txBody>
       </p:sp>
@@ -3266,38 +3129,37 @@
           <a:p>
             <a:pPr lvl="0"/>
             <a:r>
-              <a:rPr lang="en-US" smtClean="0"/>
+              <a:rPr lang="en-US"/>
               <a:t>Click to edit Master text styles</a:t>
             </a:r>
           </a:p>
           <a:p>
             <a:pPr lvl="1"/>
             <a:r>
-              <a:rPr lang="en-US" smtClean="0"/>
+              <a:rPr lang="en-US"/>
               <a:t>Second level</a:t>
             </a:r>
           </a:p>
           <a:p>
             <a:pPr lvl="2"/>
             <a:r>
-              <a:rPr lang="en-US" smtClean="0"/>
+              <a:rPr lang="en-US"/>
               <a:t>Third level</a:t>
             </a:r>
           </a:p>
           <a:p>
             <a:pPr lvl="3"/>
             <a:r>
-              <a:rPr lang="en-US" smtClean="0"/>
+              <a:rPr lang="en-US"/>
               <a:t>Fourth level</a:t>
             </a:r>
           </a:p>
           <a:p>
             <a:pPr lvl="4"/>
             <a:r>
-              <a:rPr lang="en-US" smtClean="0"/>
+              <a:rPr lang="en-US"/>
               <a:t>Fifth level</a:t>
             </a:r>
-            <a:endParaRPr lang="en-US"/>
           </a:p>
         </p:txBody>
       </p:sp>
@@ -3311,13 +3173,6 @@
   <p:clrMapOvr>
     <a:masterClrMapping/>
   </p:clrMapOvr>
-  <p:timing>
-    <p:tnLst>
-      <p:par>
-        <p:cTn id="1" dur="indefinite" restart="never" nodeType="tmRoot"/>
-      </p:par>
-    </p:tnLst>
-  </p:timing>
 </p:sldLayout>
 </file>
 
@@ -3362,10 +3217,9 @@
           <a:lstStyle/>
           <a:p>
             <a:r>
-              <a:rPr lang="en-US" smtClean="0"/>
+              <a:rPr lang="en-US"/>
               <a:t>Click to edit Master title style</a:t>
             </a:r>
-            <a:endParaRPr lang="en-US"/>
           </a:p>
         </p:txBody>
       </p:sp>
@@ -3399,14 +3253,14 @@
           <a:p>
             <a:pPr lvl="0"/>
             <a:r>
-              <a:rPr lang="en-US" dirty="0" smtClean="0"/>
+              <a:rPr lang="en-US" dirty="0"/>
               <a:t>Presenter Name</a:t>
             </a:r>
           </a:p>
           <a:p>
             <a:pPr lvl="0"/>
             <a:r>
-              <a:rPr lang="en-US" dirty="0" smtClean="0"/>
+              <a:rPr lang="en-US" dirty="0"/>
               <a:t>Title/role</a:t>
             </a:r>
           </a:p>
@@ -3422,13 +3276,6 @@
   <p:clrMapOvr>
     <a:masterClrMapping/>
   </p:clrMapOvr>
-  <p:timing>
-    <p:tnLst>
-      <p:par>
-        <p:cTn id="1" dur="indefinite" restart="never" nodeType="tmRoot"/>
-      </p:par>
-    </p:tnLst>
-  </p:timing>
 </p:sldLayout>
 </file>
 
@@ -3465,10 +3312,9 @@
           <a:lstStyle/>
           <a:p>
             <a:r>
-              <a:rPr lang="en-US" smtClean="0"/>
+              <a:rPr lang="en-US"/>
               <a:t>Click to edit Master title style</a:t>
             </a:r>
-            <a:endParaRPr lang="en-US"/>
           </a:p>
         </p:txBody>
       </p:sp>
@@ -3494,38 +3340,37 @@
           <a:p>
             <a:pPr lvl="0"/>
             <a:r>
-              <a:rPr lang="en-US" smtClean="0"/>
+              <a:rPr lang="en-US"/>
               <a:t>Click to edit Master text styles</a:t>
             </a:r>
           </a:p>
           <a:p>
             <a:pPr lvl="1"/>
             <a:r>
-              <a:rPr lang="en-US" smtClean="0"/>
+              <a:rPr lang="en-US"/>
               <a:t>Second level</a:t>
             </a:r>
           </a:p>
           <a:p>
             <a:pPr lvl="2"/>
             <a:r>
-              <a:rPr lang="en-US" smtClean="0"/>
+              <a:rPr lang="en-US"/>
               <a:t>Third level</a:t>
             </a:r>
           </a:p>
           <a:p>
             <a:pPr lvl="3"/>
             <a:r>
-              <a:rPr lang="en-US" smtClean="0"/>
+              <a:rPr lang="en-US"/>
               <a:t>Fourth level</a:t>
             </a:r>
           </a:p>
           <a:p>
             <a:pPr lvl="4"/>
             <a:r>
-              <a:rPr lang="en-US" smtClean="0"/>
+              <a:rPr lang="en-US"/>
               <a:t>Fifth level</a:t>
             </a:r>
-            <a:endParaRPr lang="en-US"/>
           </a:p>
         </p:txBody>
       </p:sp>
@@ -3562,10 +3407,9 @@
           <a:p>
             <a:pPr lvl="0"/>
             <a:r>
-              <a:rPr lang="en-US" dirty="0" smtClean="0"/>
+              <a:rPr lang="en-US" dirty="0"/>
               <a:t>Secondary refining headline</a:t>
             </a:r>
-            <a:endParaRPr lang="en-US" dirty="0"/>
           </a:p>
         </p:txBody>
       </p:sp>
@@ -3579,13 +3423,6 @@
   <p:clrMapOvr>
     <a:masterClrMapping/>
   </p:clrMapOvr>
-  <p:timing>
-    <p:tnLst>
-      <p:par>
-        <p:cTn id="1" dur="indefinite" restart="never" nodeType="tmRoot"/>
-      </p:par>
-    </p:tnLst>
-  </p:timing>
 </p:sldLayout>
 </file>
 
@@ -3630,10 +3467,9 @@
           <a:lstStyle/>
           <a:p>
             <a:r>
-              <a:rPr lang="en-US" smtClean="0"/>
+              <a:rPr lang="en-US"/>
               <a:t>Click to edit Master title style</a:t>
             </a:r>
-            <a:endParaRPr lang="en-US"/>
           </a:p>
         </p:txBody>
       </p:sp>
@@ -3647,13 +3483,6 @@
   <p:clrMapOvr>
     <a:masterClrMapping/>
   </p:clrMapOvr>
-  <p:timing>
-    <p:tnLst>
-      <p:par>
-        <p:cTn id="1" dur="indefinite" restart="never" nodeType="tmRoot"/>
-      </p:par>
-    </p:tnLst>
-  </p:timing>
 </p:sldLayout>
 </file>
 
@@ -3701,10 +3530,9 @@
           </a:lstStyle>
           <a:p>
             <a:r>
-              <a:rPr lang="en-US" smtClean="0"/>
+              <a:rPr lang="en-US"/>
               <a:t>Click to edit Master title style</a:t>
             </a:r>
-            <a:endParaRPr lang="en-US"/>
           </a:p>
         </p:txBody>
       </p:sp>
@@ -3729,10 +3557,34 @@
                 <a:tableStyleId>{93296810-A885-4BE3-A3E7-6D5BEEA58F35}</a:tableStyleId>
               </a:tblPr>
               <a:tblGrid>
-                <a:gridCol w="2764105"/>
-                <a:gridCol w="2764105"/>
-                <a:gridCol w="2764105"/>
-                <a:gridCol w="2764105"/>
+                <a:gridCol w="2764105">
+                  <a:extLst>
+                    <a:ext uri="{9D8B030D-6E8A-4147-A177-3AD203B41FA5}">
+                      <a16:colId xmlns:a16="http://schemas.microsoft.com/office/drawing/2014/main" val="20000"/>
+                    </a:ext>
+                  </a:extLst>
+                </a:gridCol>
+                <a:gridCol w="2764105">
+                  <a:extLst>
+                    <a:ext uri="{9D8B030D-6E8A-4147-A177-3AD203B41FA5}">
+                      <a16:colId xmlns:a16="http://schemas.microsoft.com/office/drawing/2014/main" val="20001"/>
+                    </a:ext>
+                  </a:extLst>
+                </a:gridCol>
+                <a:gridCol w="2764105">
+                  <a:extLst>
+                    <a:ext uri="{9D8B030D-6E8A-4147-A177-3AD203B41FA5}">
+                      <a16:colId xmlns:a16="http://schemas.microsoft.com/office/drawing/2014/main" val="20002"/>
+                    </a:ext>
+                  </a:extLst>
+                </a:gridCol>
+                <a:gridCol w="2764105">
+                  <a:extLst>
+                    <a:ext uri="{9D8B030D-6E8A-4147-A177-3AD203B41FA5}">
+                      <a16:colId xmlns:a16="http://schemas.microsoft.com/office/drawing/2014/main" val="20003"/>
+                    </a:ext>
+                  </a:extLst>
+                </a:gridCol>
               </a:tblGrid>
               <a:tr h="644435">
                 <a:tc>
@@ -3741,7 +3593,7 @@
                     <a:lstStyle/>
                     <a:p>
                       <a:r>
-                        <a:rPr lang="en-US" sz="2000" dirty="0" smtClean="0"/>
+                        <a:rPr lang="en-US" sz="2000" dirty="0"/>
                         <a:t>Heading</a:t>
                       </a:r>
                       <a:endParaRPr lang="en-US" sz="2000" dirty="0">
@@ -3780,7 +3632,7 @@
                     <a:lstStyle/>
                     <a:p>
                       <a:r>
-                        <a:rPr lang="en-US" sz="2000" dirty="0" smtClean="0"/>
+                        <a:rPr lang="en-US" sz="2000" dirty="0"/>
                         <a:t>Heading</a:t>
                       </a:r>
                       <a:endParaRPr lang="en-US" sz="2000" dirty="0">
@@ -3819,7 +3671,7 @@
                     <a:lstStyle/>
                     <a:p>
                       <a:r>
-                        <a:rPr lang="en-US" sz="2000" dirty="0" smtClean="0"/>
+                        <a:rPr lang="en-US" sz="2000" dirty="0"/>
                         <a:t>Heading</a:t>
                       </a:r>
                       <a:endParaRPr lang="en-US" sz="2000" dirty="0">
@@ -3858,7 +3710,7 @@
                     <a:lstStyle/>
                     <a:p>
                       <a:r>
-                        <a:rPr lang="en-US" sz="2000" dirty="0" smtClean="0"/>
+                        <a:rPr lang="en-US" sz="2000" dirty="0"/>
                         <a:t>Heading</a:t>
                       </a:r>
                       <a:endParaRPr lang="en-US" sz="2000" dirty="0">
@@ -3891,6 +3743,11 @@
                     </a:lnBlToTr>
                   </a:tcPr>
                 </a:tc>
+                <a:extLst>
+                  <a:ext uri="{0D108BD9-81ED-4DB2-BD59-A6C34878D82A}">
+                    <a16:rowId xmlns:a16="http://schemas.microsoft.com/office/drawing/2014/main" val="10000"/>
+                  </a:ext>
+                </a:extLst>
               </a:tr>
               <a:tr h="1225319">
                 <a:tc>
@@ -3899,7 +3756,7 @@
                     <a:lstStyle/>
                     <a:p>
                       <a:r>
-                        <a:rPr lang="en-US" sz="1600" dirty="0" smtClean="0"/>
+                        <a:rPr lang="en-US" sz="1600" dirty="0"/>
                         <a:t>Content</a:t>
                       </a:r>
                       <a:endParaRPr lang="en-US" sz="1600" dirty="0">
@@ -3955,7 +3812,7 @@
                         <a:defRPr/>
                       </a:pPr>
                       <a:r>
-                        <a:rPr lang="en-US" sz="1600" dirty="0" smtClean="0"/>
+                        <a:rPr lang="en-US" sz="1600" dirty="0"/>
                         <a:t>Content</a:t>
                       </a:r>
                     </a:p>
@@ -4013,7 +3870,7 @@
                         <a:defRPr/>
                       </a:pPr>
                       <a:r>
-                        <a:rPr lang="en-US" sz="1600" dirty="0" smtClean="0"/>
+                        <a:rPr lang="en-US" sz="1600" dirty="0"/>
                         <a:t>Content</a:t>
                       </a:r>
                     </a:p>
@@ -4071,7 +3928,7 @@
                         <a:defRPr/>
                       </a:pPr>
                       <a:r>
-                        <a:rPr lang="en-US" sz="1600" dirty="0" smtClean="0"/>
+                        <a:rPr lang="en-US" sz="1600" dirty="0"/>
                         <a:t>Content</a:t>
                       </a:r>
                     </a:p>
@@ -4106,6 +3963,11 @@
                     </a:lnBlToTr>
                   </a:tcPr>
                 </a:tc>
+                <a:extLst>
+                  <a:ext uri="{0D108BD9-81ED-4DB2-BD59-A6C34878D82A}">
+                    <a16:rowId xmlns:a16="http://schemas.microsoft.com/office/drawing/2014/main" val="10001"/>
+                  </a:ext>
+                </a:extLst>
               </a:tr>
               <a:tr h="1225319">
                 <a:tc>
@@ -4131,7 +3993,7 @@
                         <a:defRPr/>
                       </a:pPr>
                       <a:r>
-                        <a:rPr lang="en-US" sz="1600" dirty="0" smtClean="0"/>
+                        <a:rPr lang="en-US" sz="1600" dirty="0"/>
                         <a:t>Content</a:t>
                       </a:r>
                     </a:p>
@@ -4189,7 +4051,7 @@
                         <a:defRPr/>
                       </a:pPr>
                       <a:r>
-                        <a:rPr lang="en-US" sz="1600" dirty="0" smtClean="0"/>
+                        <a:rPr lang="en-US" sz="1600" dirty="0"/>
                         <a:t>Content</a:t>
                       </a:r>
                     </a:p>
@@ -4247,7 +4109,7 @@
                         <a:defRPr/>
                       </a:pPr>
                       <a:r>
-                        <a:rPr lang="en-US" sz="1600" dirty="0" smtClean="0"/>
+                        <a:rPr lang="en-US" sz="1600" dirty="0"/>
                         <a:t>Content</a:t>
                       </a:r>
                     </a:p>
@@ -4305,7 +4167,7 @@
                         <a:defRPr/>
                       </a:pPr>
                       <a:r>
-                        <a:rPr lang="en-US" sz="1600" dirty="0" smtClean="0"/>
+                        <a:rPr lang="en-US" sz="1600" dirty="0"/>
                         <a:t>Content</a:t>
                       </a:r>
                     </a:p>
@@ -4340,6 +4202,11 @@
                     </a:lnBlToTr>
                   </a:tcPr>
                 </a:tc>
+                <a:extLst>
+                  <a:ext uri="{0D108BD9-81ED-4DB2-BD59-A6C34878D82A}">
+                    <a16:rowId xmlns:a16="http://schemas.microsoft.com/office/drawing/2014/main" val="10002"/>
+                  </a:ext>
+                </a:extLst>
               </a:tr>
               <a:tr h="1225319">
                 <a:tc>
@@ -4365,7 +4232,7 @@
                         <a:defRPr/>
                       </a:pPr>
                       <a:r>
-                        <a:rPr lang="en-US" sz="1600" dirty="0" smtClean="0"/>
+                        <a:rPr lang="en-US" sz="1600" dirty="0"/>
                         <a:t>Content</a:t>
                       </a:r>
                     </a:p>
@@ -4423,7 +4290,7 @@
                         <a:defRPr/>
                       </a:pPr>
                       <a:r>
-                        <a:rPr lang="en-US" sz="1600" dirty="0" smtClean="0"/>
+                        <a:rPr lang="en-US" sz="1600" dirty="0"/>
                         <a:t>Content</a:t>
                       </a:r>
                     </a:p>
@@ -4481,7 +4348,7 @@
                         <a:defRPr/>
                       </a:pPr>
                       <a:r>
-                        <a:rPr lang="en-US" sz="1600" dirty="0" smtClean="0"/>
+                        <a:rPr lang="en-US" sz="1600" dirty="0"/>
                         <a:t>Content</a:t>
                       </a:r>
                     </a:p>
@@ -4539,7 +4406,7 @@
                         <a:defRPr/>
                       </a:pPr>
                       <a:r>
-                        <a:rPr lang="en-US" sz="1600" dirty="0" smtClean="0"/>
+                        <a:rPr lang="en-US" sz="1600" dirty="0"/>
                         <a:t>Content</a:t>
                       </a:r>
                     </a:p>
@@ -4574,6 +4441,11 @@
                     </a:lnBlToTr>
                   </a:tcPr>
                 </a:tc>
+                <a:extLst>
+                  <a:ext uri="{0D108BD9-81ED-4DB2-BD59-A6C34878D82A}">
+                    <a16:rowId xmlns:a16="http://schemas.microsoft.com/office/drawing/2014/main" val="10003"/>
+                  </a:ext>
+                </a:extLst>
               </a:tr>
             </a:tbl>
           </a:graphicData>
@@ -4589,13 +4461,6 @@
   <p:clrMapOvr>
     <a:masterClrMapping/>
   </p:clrMapOvr>
-  <p:timing>
-    <p:tnLst>
-      <p:par>
-        <p:cTn id="1" dur="indefinite" restart="never" nodeType="tmRoot"/>
-      </p:par>
-    </p:tnLst>
-  </p:timing>
 </p:sldLayout>
 </file>
 
@@ -4634,13 +4499,6 @@
   <p:clrMapOvr>
     <a:masterClrMapping/>
   </p:clrMapOvr>
-  <p:timing>
-    <p:tnLst>
-      <p:par>
-        <p:cTn id="1" dur="indefinite" restart="never" nodeType="tmRoot"/>
-      </p:par>
-    </p:tnLst>
-  </p:timing>
 </p:sldLayout>
 </file>
 
@@ -4696,10 +4554,9 @@
           </a:lstStyle>
           <a:p>
             <a:r>
-              <a:rPr lang="en-US" smtClean="0"/>
+              <a:rPr lang="en-US"/>
               <a:t>Click to edit Master title style</a:t>
             </a:r>
-            <a:endParaRPr lang="en-US"/>
           </a:p>
         </p:txBody>
       </p:sp>
@@ -4763,38 +4620,37 @@
           <a:p>
             <a:pPr lvl="0"/>
             <a:r>
-              <a:rPr lang="en-US" smtClean="0"/>
+              <a:rPr lang="en-US"/>
               <a:t>Click to edit Master text styles</a:t>
             </a:r>
           </a:p>
           <a:p>
             <a:pPr lvl="1"/>
             <a:r>
-              <a:rPr lang="en-US" smtClean="0"/>
+              <a:rPr lang="en-US"/>
               <a:t>Second level</a:t>
             </a:r>
           </a:p>
           <a:p>
             <a:pPr lvl="2"/>
             <a:r>
-              <a:rPr lang="en-US" smtClean="0"/>
+              <a:rPr lang="en-US"/>
               <a:t>Third level</a:t>
             </a:r>
           </a:p>
           <a:p>
             <a:pPr lvl="3"/>
             <a:r>
-              <a:rPr lang="en-US" smtClean="0"/>
+              <a:rPr lang="en-US"/>
               <a:t>Fourth level</a:t>
             </a:r>
           </a:p>
           <a:p>
             <a:pPr lvl="4"/>
             <a:r>
-              <a:rPr lang="en-US" smtClean="0"/>
+              <a:rPr lang="en-US"/>
               <a:t>Fifth level</a:t>
             </a:r>
-            <a:endParaRPr lang="en-US"/>
           </a:p>
         </p:txBody>
       </p:sp>
@@ -4859,7 +4715,7 @@
           <a:p>
             <a:pPr lvl="0"/>
             <a:r>
-              <a:rPr lang="en-US" dirty="0" smtClean="0"/>
+              <a:rPr lang="en-US" dirty="0"/>
               <a:t>Click to edit Master text styles</a:t>
             </a:r>
           </a:p>
@@ -4875,13 +4731,6 @@
   <p:clrMapOvr>
     <a:masterClrMapping/>
   </p:clrMapOvr>
-  <p:timing>
-    <p:tnLst>
-      <p:par>
-        <p:cTn id="1" dur="indefinite" restart="never" nodeType="tmRoot"/>
-      </p:par>
-    </p:tnLst>
-  </p:timing>
 </p:sldLayout>
 </file>
 
@@ -4935,10 +4784,9 @@
           </a:lstStyle>
           <a:p>
             <a:r>
-              <a:rPr lang="en-US" dirty="0" smtClean="0"/>
+              <a:rPr lang="en-US" dirty="0"/>
               <a:t>Click to edit Master title style</a:t>
             </a:r>
-            <a:endParaRPr lang="en-US" dirty="0"/>
           </a:p>
         </p:txBody>
       </p:sp>
@@ -5002,10 +4850,9 @@
           </a:lstStyle>
           <a:p>
             <a:r>
-              <a:rPr lang="en-US" dirty="0" smtClean="0"/>
+              <a:rPr lang="en-US" dirty="0"/>
               <a:t>Click to edit Master subtitle style</a:t>
             </a:r>
-            <a:endParaRPr lang="en-US" dirty="0"/>
           </a:p>
         </p:txBody>
       </p:sp>
@@ -5019,13 +4866,6 @@
   <p:clrMapOvr>
     <a:masterClrMapping/>
   </p:clrMapOvr>
-  <p:timing>
-    <p:tnLst>
-      <p:par>
-        <p:cTn id="1" dur="indefinite" restart="never" nodeType="tmRoot"/>
-      </p:par>
-    </p:tnLst>
-  </p:timing>
 </p:sldLayout>
 </file>
 
@@ -5070,10 +4910,9 @@
           <a:lstStyle/>
           <a:p>
             <a:r>
-              <a:rPr lang="en-US" smtClean="0"/>
+              <a:rPr lang="en-US"/>
               <a:t>Click to edit Master title style</a:t>
             </a:r>
-            <a:endParaRPr lang="en-US"/>
           </a:p>
         </p:txBody>
       </p:sp>
@@ -5094,38 +4933,37 @@
           <a:p>
             <a:pPr lvl="0"/>
             <a:r>
-              <a:rPr lang="en-US" smtClean="0"/>
+              <a:rPr lang="en-US"/>
               <a:t>Click to edit Master text styles</a:t>
             </a:r>
           </a:p>
           <a:p>
             <a:pPr lvl="1"/>
             <a:r>
-              <a:rPr lang="en-US" smtClean="0"/>
+              <a:rPr lang="en-US"/>
               <a:t>Second level</a:t>
             </a:r>
           </a:p>
           <a:p>
             <a:pPr lvl="2"/>
             <a:r>
-              <a:rPr lang="en-US" smtClean="0"/>
+              <a:rPr lang="en-US"/>
               <a:t>Third level</a:t>
             </a:r>
           </a:p>
           <a:p>
             <a:pPr lvl="3"/>
             <a:r>
-              <a:rPr lang="en-US" smtClean="0"/>
+              <a:rPr lang="en-US"/>
               <a:t>Fourth level</a:t>
             </a:r>
           </a:p>
           <a:p>
             <a:pPr lvl="4"/>
             <a:r>
-              <a:rPr lang="en-US" smtClean="0"/>
+              <a:rPr lang="en-US"/>
               <a:t>Fifth level</a:t>
             </a:r>
-            <a:endParaRPr lang="en-US"/>
           </a:p>
         </p:txBody>
       </p:sp>
@@ -5139,13 +4977,6 @@
   <p:clrMapOvr>
     <a:masterClrMapping/>
   </p:clrMapOvr>
-  <p:timing>
-    <p:tnLst>
-      <p:par>
-        <p:cTn id="1" dur="indefinite" restart="never" nodeType="tmRoot"/>
-      </p:par>
-    </p:tnLst>
-  </p:timing>
 </p:sldLayout>
 </file>
 
@@ -5182,10 +5013,9 @@
           <a:lstStyle/>
           <a:p>
             <a:r>
-              <a:rPr lang="en-US" smtClean="0"/>
+              <a:rPr lang="en-US"/>
               <a:t>Click to edit Master title style</a:t>
             </a:r>
-            <a:endParaRPr lang="en-US"/>
           </a:p>
         </p:txBody>
       </p:sp>
@@ -5211,38 +5041,37 @@
           <a:p>
             <a:pPr lvl="0"/>
             <a:r>
-              <a:rPr lang="en-US" smtClean="0"/>
+              <a:rPr lang="en-US"/>
               <a:t>Click to edit Master text styles</a:t>
             </a:r>
           </a:p>
           <a:p>
             <a:pPr lvl="1"/>
             <a:r>
-              <a:rPr lang="en-US" smtClean="0"/>
+              <a:rPr lang="en-US"/>
               <a:t>Second level</a:t>
             </a:r>
           </a:p>
           <a:p>
             <a:pPr lvl="2"/>
             <a:r>
-              <a:rPr lang="en-US" smtClean="0"/>
+              <a:rPr lang="en-US"/>
               <a:t>Third level</a:t>
             </a:r>
           </a:p>
           <a:p>
             <a:pPr lvl="3"/>
             <a:r>
-              <a:rPr lang="en-US" smtClean="0"/>
+              <a:rPr lang="en-US"/>
               <a:t>Fourth level</a:t>
             </a:r>
           </a:p>
           <a:p>
             <a:pPr lvl="4"/>
             <a:r>
-              <a:rPr lang="en-US" smtClean="0"/>
+              <a:rPr lang="en-US"/>
               <a:t>Fifth level</a:t>
             </a:r>
-            <a:endParaRPr lang="en-US"/>
           </a:p>
         </p:txBody>
       </p:sp>
@@ -5279,10 +5108,9 @@
           <a:p>
             <a:pPr lvl="0"/>
             <a:r>
-              <a:rPr lang="en-US" dirty="0" smtClean="0"/>
+              <a:rPr lang="en-US" dirty="0"/>
               <a:t>Secondary refining headline</a:t>
             </a:r>
-            <a:endParaRPr lang="en-US" dirty="0"/>
           </a:p>
         </p:txBody>
       </p:sp>
@@ -5296,13 +5124,6 @@
   <p:clrMapOvr>
     <a:masterClrMapping/>
   </p:clrMapOvr>
-  <p:timing>
-    <p:tnLst>
-      <p:par>
-        <p:cTn id="1" dur="indefinite" restart="never" nodeType="tmRoot"/>
-      </p:par>
-    </p:tnLst>
-  </p:timing>
 </p:sldLayout>
 </file>
 
@@ -5347,10 +5168,9 @@
           <a:lstStyle/>
           <a:p>
             <a:r>
-              <a:rPr lang="en-US" smtClean="0"/>
+              <a:rPr lang="en-US"/>
               <a:t>Click to edit Master title style</a:t>
             </a:r>
-            <a:endParaRPr lang="en-US"/>
           </a:p>
         </p:txBody>
       </p:sp>
@@ -5364,13 +5184,6 @@
   <p:clrMapOvr>
     <a:masterClrMapping/>
   </p:clrMapOvr>
-  <p:timing>
-    <p:tnLst>
-      <p:par>
-        <p:cTn id="1" dur="indefinite" restart="never" nodeType="tmRoot"/>
-      </p:par>
-    </p:tnLst>
-  </p:timing>
 </p:sldLayout>
 </file>
 
@@ -5418,10 +5231,9 @@
           </a:lstStyle>
           <a:p>
             <a:r>
-              <a:rPr lang="en-US" smtClean="0"/>
+              <a:rPr lang="en-US"/>
               <a:t>Click to edit Master title style</a:t>
             </a:r>
-            <a:endParaRPr lang="en-US"/>
           </a:p>
         </p:txBody>
       </p:sp>
@@ -5446,10 +5258,34 @@
                 <a:tableStyleId>{21E4AEA4-8DFA-4A89-87EB-49C32662AFE0}</a:tableStyleId>
               </a:tblPr>
               <a:tblGrid>
-                <a:gridCol w="2764105"/>
-                <a:gridCol w="2764105"/>
-                <a:gridCol w="2764105"/>
-                <a:gridCol w="2764105"/>
+                <a:gridCol w="2764105">
+                  <a:extLst>
+                    <a:ext uri="{9D8B030D-6E8A-4147-A177-3AD203B41FA5}">
+                      <a16:colId xmlns:a16="http://schemas.microsoft.com/office/drawing/2014/main" val="20000"/>
+                    </a:ext>
+                  </a:extLst>
+                </a:gridCol>
+                <a:gridCol w="2764105">
+                  <a:extLst>
+                    <a:ext uri="{9D8B030D-6E8A-4147-A177-3AD203B41FA5}">
+                      <a16:colId xmlns:a16="http://schemas.microsoft.com/office/drawing/2014/main" val="20001"/>
+                    </a:ext>
+                  </a:extLst>
+                </a:gridCol>
+                <a:gridCol w="2764105">
+                  <a:extLst>
+                    <a:ext uri="{9D8B030D-6E8A-4147-A177-3AD203B41FA5}">
+                      <a16:colId xmlns:a16="http://schemas.microsoft.com/office/drawing/2014/main" val="20002"/>
+                    </a:ext>
+                  </a:extLst>
+                </a:gridCol>
+                <a:gridCol w="2764105">
+                  <a:extLst>
+                    <a:ext uri="{9D8B030D-6E8A-4147-A177-3AD203B41FA5}">
+                      <a16:colId xmlns:a16="http://schemas.microsoft.com/office/drawing/2014/main" val="20003"/>
+                    </a:ext>
+                  </a:extLst>
+                </a:gridCol>
               </a:tblGrid>
               <a:tr h="644435">
                 <a:tc>
@@ -5458,7 +5294,7 @@
                     <a:lstStyle/>
                     <a:p>
                       <a:r>
-                        <a:rPr lang="en-US" sz="2000" dirty="0" smtClean="0"/>
+                        <a:rPr lang="en-US" sz="2000" dirty="0"/>
                         <a:t>Heading</a:t>
                       </a:r>
                       <a:endParaRPr lang="en-US" sz="2000" dirty="0">
@@ -5500,7 +5336,7 @@
                     <a:lstStyle/>
                     <a:p>
                       <a:r>
-                        <a:rPr lang="en-US" sz="2000" dirty="0" smtClean="0"/>
+                        <a:rPr lang="en-US" sz="2000" dirty="0"/>
                         <a:t>Heading</a:t>
                       </a:r>
                       <a:endParaRPr lang="en-US" sz="2000" dirty="0">
@@ -5542,7 +5378,7 @@
                     <a:lstStyle/>
                     <a:p>
                       <a:r>
-                        <a:rPr lang="en-US" sz="2000" dirty="0" smtClean="0"/>
+                        <a:rPr lang="en-US" sz="2000" dirty="0"/>
                         <a:t>Heading</a:t>
                       </a:r>
                       <a:endParaRPr lang="en-US" sz="2000" dirty="0">
@@ -5584,7 +5420,7 @@
                     <a:lstStyle/>
                     <a:p>
                       <a:r>
-                        <a:rPr lang="en-US" sz="2000" dirty="0" smtClean="0"/>
+                        <a:rPr lang="en-US" sz="2000" dirty="0"/>
                         <a:t>Heading</a:t>
                       </a:r>
                       <a:endParaRPr lang="en-US" sz="2000" dirty="0">
@@ -5620,6 +5456,11 @@
                     </a:solidFill>
                   </a:tcPr>
                 </a:tc>
+                <a:extLst>
+                  <a:ext uri="{0D108BD9-81ED-4DB2-BD59-A6C34878D82A}">
+                    <a16:rowId xmlns:a16="http://schemas.microsoft.com/office/drawing/2014/main" val="10000"/>
+                  </a:ext>
+                </a:extLst>
               </a:tr>
               <a:tr h="1225319">
                 <a:tc>
@@ -5628,7 +5469,7 @@
                     <a:lstStyle/>
                     <a:p>
                       <a:r>
-                        <a:rPr lang="en-US" sz="1600" dirty="0" smtClean="0"/>
+                        <a:rPr lang="en-US" sz="1600" dirty="0"/>
                         <a:t>Content</a:t>
                       </a:r>
                       <a:endParaRPr lang="en-US" sz="1600" dirty="0">
@@ -5687,7 +5528,7 @@
                         <a:defRPr/>
                       </a:pPr>
                       <a:r>
-                        <a:rPr lang="en-US" sz="1600" dirty="0" smtClean="0"/>
+                        <a:rPr lang="en-US" sz="1600" dirty="0"/>
                         <a:t>Content</a:t>
                       </a:r>
                     </a:p>
@@ -5748,7 +5589,7 @@
                         <a:defRPr/>
                       </a:pPr>
                       <a:r>
-                        <a:rPr lang="en-US" sz="1600" dirty="0" smtClean="0"/>
+                        <a:rPr lang="en-US" sz="1600" dirty="0"/>
                         <a:t>Content</a:t>
                       </a:r>
                     </a:p>
@@ -5809,7 +5650,7 @@
                         <a:defRPr/>
                       </a:pPr>
                       <a:r>
-                        <a:rPr lang="en-US" sz="1600" dirty="0" smtClean="0"/>
+                        <a:rPr lang="en-US" sz="1600" dirty="0"/>
                         <a:t>Content</a:t>
                       </a:r>
                     </a:p>
@@ -5847,6 +5688,11 @@
                     </a:solidFill>
                   </a:tcPr>
                 </a:tc>
+                <a:extLst>
+                  <a:ext uri="{0D108BD9-81ED-4DB2-BD59-A6C34878D82A}">
+                    <a16:rowId xmlns:a16="http://schemas.microsoft.com/office/drawing/2014/main" val="10001"/>
+                  </a:ext>
+                </a:extLst>
               </a:tr>
               <a:tr h="1225319">
                 <a:tc>
@@ -5872,7 +5718,7 @@
                         <a:defRPr/>
                       </a:pPr>
                       <a:r>
-                        <a:rPr lang="en-US" sz="1600" dirty="0" smtClean="0"/>
+                        <a:rPr lang="en-US" sz="1600" dirty="0"/>
                         <a:t>Content</a:t>
                       </a:r>
                     </a:p>
@@ -5935,7 +5781,7 @@
                         <a:defRPr/>
                       </a:pPr>
                       <a:r>
-                        <a:rPr lang="en-US" sz="1600" dirty="0" smtClean="0"/>
+                        <a:rPr lang="en-US" sz="1600" dirty="0"/>
                         <a:t>Content</a:t>
                       </a:r>
                     </a:p>
@@ -5998,7 +5844,7 @@
                         <a:defRPr/>
                       </a:pPr>
                       <a:r>
-                        <a:rPr lang="en-US" sz="1600" dirty="0" smtClean="0"/>
+                        <a:rPr lang="en-US" sz="1600" dirty="0"/>
                         <a:t>Content</a:t>
                       </a:r>
                     </a:p>
@@ -6061,7 +5907,7 @@
                         <a:defRPr/>
                       </a:pPr>
                       <a:r>
-                        <a:rPr lang="en-US" sz="1600" dirty="0" smtClean="0"/>
+                        <a:rPr lang="en-US" sz="1600" dirty="0"/>
                         <a:t>Content</a:t>
                       </a:r>
                     </a:p>
@@ -6101,6 +5947,11 @@
                     </a:solidFill>
                   </a:tcPr>
                 </a:tc>
+                <a:extLst>
+                  <a:ext uri="{0D108BD9-81ED-4DB2-BD59-A6C34878D82A}">
+                    <a16:rowId xmlns:a16="http://schemas.microsoft.com/office/drawing/2014/main" val="10002"/>
+                  </a:ext>
+                </a:extLst>
               </a:tr>
               <a:tr h="1225319">
                 <a:tc>
@@ -6126,7 +5977,7 @@
                         <a:defRPr/>
                       </a:pPr>
                       <a:r>
-                        <a:rPr lang="en-US" sz="1600" dirty="0" smtClean="0"/>
+                        <a:rPr lang="en-US" sz="1600" dirty="0"/>
                         <a:t>Content</a:t>
                       </a:r>
                     </a:p>
@@ -6187,7 +6038,7 @@
                         <a:defRPr/>
                       </a:pPr>
                       <a:r>
-                        <a:rPr lang="en-US" sz="1600" dirty="0" smtClean="0"/>
+                        <a:rPr lang="en-US" sz="1600" dirty="0"/>
                         <a:t>Content</a:t>
                       </a:r>
                     </a:p>
@@ -6248,7 +6099,7 @@
                         <a:defRPr/>
                       </a:pPr>
                       <a:r>
-                        <a:rPr lang="en-US" sz="1600" dirty="0" smtClean="0"/>
+                        <a:rPr lang="en-US" sz="1600" dirty="0"/>
                         <a:t>Content</a:t>
                       </a:r>
                     </a:p>
@@ -6309,7 +6160,7 @@
                         <a:defRPr/>
                       </a:pPr>
                       <a:r>
-                        <a:rPr lang="en-US" sz="1600" dirty="0" smtClean="0"/>
+                        <a:rPr lang="en-US" sz="1600" dirty="0"/>
                         <a:t>Content</a:t>
                       </a:r>
                     </a:p>
@@ -6347,6 +6198,11 @@
                     </a:solidFill>
                   </a:tcPr>
                 </a:tc>
+                <a:extLst>
+                  <a:ext uri="{0D108BD9-81ED-4DB2-BD59-A6C34878D82A}">
+                    <a16:rowId xmlns:a16="http://schemas.microsoft.com/office/drawing/2014/main" val="10003"/>
+                  </a:ext>
+                </a:extLst>
               </a:tr>
             </a:tbl>
           </a:graphicData>
@@ -6362,13 +6218,6 @@
   <p:clrMapOvr>
     <a:masterClrMapping/>
   </p:clrMapOvr>
-  <p:timing>
-    <p:tnLst>
-      <p:par>
-        <p:cTn id="1" dur="indefinite" restart="never" nodeType="tmRoot"/>
-      </p:par>
-    </p:tnLst>
-  </p:timing>
 </p:sldLayout>
 </file>
 
@@ -6413,10 +6262,9 @@
           <a:lstStyle/>
           <a:p>
             <a:r>
-              <a:rPr lang="en-US" smtClean="0"/>
+              <a:rPr lang="en-US"/>
               <a:t>Click to edit Master title style</a:t>
             </a:r>
-            <a:endParaRPr lang="en-US"/>
           </a:p>
         </p:txBody>
       </p:sp>
@@ -6450,14 +6298,14 @@
           <a:p>
             <a:pPr lvl="0"/>
             <a:r>
-              <a:rPr lang="en-US" dirty="0" smtClean="0"/>
+              <a:rPr lang="en-US" dirty="0"/>
               <a:t>Presenter Name</a:t>
             </a:r>
           </a:p>
           <a:p>
             <a:pPr lvl="0"/>
             <a:r>
-              <a:rPr lang="en-US" dirty="0" smtClean="0"/>
+              <a:rPr lang="en-US" dirty="0"/>
               <a:t>Title/role</a:t>
             </a:r>
           </a:p>
@@ -6473,13 +6321,6 @@
   <p:clrMapOvr>
     <a:masterClrMapping/>
   </p:clrMapOvr>
-  <p:timing>
-    <p:tnLst>
-      <p:par>
-        <p:cTn id="1" dur="indefinite" restart="never" nodeType="tmRoot"/>
-      </p:par>
-    </p:tnLst>
-  </p:timing>
 </p:sldLayout>
 </file>
 
@@ -6518,13 +6359,6 @@
   <p:clrMapOvr>
     <a:masterClrMapping/>
   </p:clrMapOvr>
-  <p:timing>
-    <p:tnLst>
-      <p:par>
-        <p:cTn id="1" dur="indefinite" restart="never" nodeType="tmRoot"/>
-      </p:par>
-    </p:tnLst>
-  </p:timing>
 </p:sldLayout>
 </file>
 
@@ -6580,10 +6414,9 @@
           </a:lstStyle>
           <a:p>
             <a:r>
-              <a:rPr lang="en-US" smtClean="0"/>
+              <a:rPr lang="en-US"/>
               <a:t>Click to edit Master title style</a:t>
             </a:r>
-            <a:endParaRPr lang="en-US"/>
           </a:p>
         </p:txBody>
       </p:sp>
@@ -6647,38 +6480,37 @@
           <a:p>
             <a:pPr lvl="0"/>
             <a:r>
-              <a:rPr lang="en-US" smtClean="0"/>
+              <a:rPr lang="en-US"/>
               <a:t>Click to edit Master text styles</a:t>
             </a:r>
           </a:p>
           <a:p>
             <a:pPr lvl="1"/>
             <a:r>
-              <a:rPr lang="en-US" smtClean="0"/>
+              <a:rPr lang="en-US"/>
               <a:t>Second level</a:t>
             </a:r>
           </a:p>
           <a:p>
             <a:pPr lvl="2"/>
             <a:r>
-              <a:rPr lang="en-US" smtClean="0"/>
+              <a:rPr lang="en-US"/>
               <a:t>Third level</a:t>
             </a:r>
           </a:p>
           <a:p>
             <a:pPr lvl="3"/>
             <a:r>
-              <a:rPr lang="en-US" smtClean="0"/>
+              <a:rPr lang="en-US"/>
               <a:t>Fourth level</a:t>
             </a:r>
           </a:p>
           <a:p>
             <a:pPr lvl="4"/>
             <a:r>
-              <a:rPr lang="en-US" smtClean="0"/>
+              <a:rPr lang="en-US"/>
               <a:t>Fifth level</a:t>
             </a:r>
-            <a:endParaRPr lang="en-US"/>
           </a:p>
         </p:txBody>
       </p:sp>
@@ -6743,7 +6575,7 @@
           <a:p>
             <a:pPr lvl="0"/>
             <a:r>
-              <a:rPr lang="en-US" dirty="0" smtClean="0"/>
+              <a:rPr lang="en-US" dirty="0"/>
               <a:t>Click to edit Master text styles</a:t>
             </a:r>
           </a:p>
@@ -6759,13 +6591,6 @@
   <p:clrMapOvr>
     <a:masterClrMapping/>
   </p:clrMapOvr>
-  <p:timing>
-    <p:tnLst>
-      <p:par>
-        <p:cTn id="1" dur="indefinite" restart="never" nodeType="tmRoot"/>
-      </p:par>
-    </p:tnLst>
-  </p:timing>
 </p:sldLayout>
 </file>
 
@@ -6819,10 +6644,9 @@
           </a:lstStyle>
           <a:p>
             <a:r>
-              <a:rPr lang="en-US" dirty="0" smtClean="0"/>
+              <a:rPr lang="en-US" dirty="0"/>
               <a:t>Click to edit Master title style</a:t>
             </a:r>
-            <a:endParaRPr lang="en-US" dirty="0"/>
           </a:p>
         </p:txBody>
       </p:sp>
@@ -6886,10 +6710,9 @@
           </a:lstStyle>
           <a:p>
             <a:r>
-              <a:rPr lang="en-US" dirty="0" smtClean="0"/>
+              <a:rPr lang="en-US" dirty="0"/>
               <a:t>Click to edit Master subtitle style</a:t>
             </a:r>
-            <a:endParaRPr lang="en-US" dirty="0"/>
           </a:p>
         </p:txBody>
       </p:sp>
@@ -6903,13 +6726,6 @@
   <p:clrMapOvr>
     <a:masterClrMapping/>
   </p:clrMapOvr>
-  <p:timing>
-    <p:tnLst>
-      <p:par>
-        <p:cTn id="1" dur="indefinite" restart="never" nodeType="tmRoot"/>
-      </p:par>
-    </p:tnLst>
-  </p:timing>
 </p:sldLayout>
 </file>
 
@@ -6954,10 +6770,9 @@
           <a:lstStyle/>
           <a:p>
             <a:r>
-              <a:rPr lang="en-US" smtClean="0"/>
+              <a:rPr lang="en-US"/>
               <a:t>Click to edit Master title style</a:t>
             </a:r>
-            <a:endParaRPr lang="en-US"/>
           </a:p>
         </p:txBody>
       </p:sp>
@@ -6978,38 +6793,37 @@
           <a:p>
             <a:pPr lvl="0"/>
             <a:r>
-              <a:rPr lang="en-US" smtClean="0"/>
+              <a:rPr lang="en-US"/>
               <a:t>Click to edit Master text styles</a:t>
             </a:r>
           </a:p>
           <a:p>
             <a:pPr lvl="1"/>
             <a:r>
-              <a:rPr lang="en-US" smtClean="0"/>
+              <a:rPr lang="en-US"/>
               <a:t>Second level</a:t>
             </a:r>
           </a:p>
           <a:p>
             <a:pPr lvl="2"/>
             <a:r>
-              <a:rPr lang="en-US" smtClean="0"/>
+              <a:rPr lang="en-US"/>
               <a:t>Third level</a:t>
             </a:r>
           </a:p>
           <a:p>
             <a:pPr lvl="3"/>
             <a:r>
-              <a:rPr lang="en-US" smtClean="0"/>
+              <a:rPr lang="en-US"/>
               <a:t>Fourth level</a:t>
             </a:r>
           </a:p>
           <a:p>
             <a:pPr lvl="4"/>
             <a:r>
-              <a:rPr lang="en-US" smtClean="0"/>
+              <a:rPr lang="en-US"/>
               <a:t>Fifth level</a:t>
             </a:r>
-            <a:endParaRPr lang="en-US"/>
           </a:p>
         </p:txBody>
       </p:sp>
@@ -7023,13 +6837,6 @@
   <p:clrMapOvr>
     <a:masterClrMapping/>
   </p:clrMapOvr>
-  <p:timing>
-    <p:tnLst>
-      <p:par>
-        <p:cTn id="1" dur="indefinite" restart="never" nodeType="tmRoot"/>
-      </p:par>
-    </p:tnLst>
-  </p:timing>
 </p:sldLayout>
 </file>
 
@@ -7066,10 +6873,9 @@
           <a:lstStyle/>
           <a:p>
             <a:r>
-              <a:rPr lang="en-US" smtClean="0"/>
+              <a:rPr lang="en-US"/>
               <a:t>Click to edit Master title style</a:t>
             </a:r>
-            <a:endParaRPr lang="en-US"/>
           </a:p>
         </p:txBody>
       </p:sp>
@@ -7095,38 +6901,37 @@
           <a:p>
             <a:pPr lvl="0"/>
             <a:r>
-              <a:rPr lang="en-US" smtClean="0"/>
+              <a:rPr lang="en-US"/>
               <a:t>Click to edit Master text styles</a:t>
             </a:r>
           </a:p>
           <a:p>
             <a:pPr lvl="1"/>
             <a:r>
-              <a:rPr lang="en-US" smtClean="0"/>
+              <a:rPr lang="en-US"/>
               <a:t>Second level</a:t>
             </a:r>
           </a:p>
           <a:p>
             <a:pPr lvl="2"/>
             <a:r>
-              <a:rPr lang="en-US" smtClean="0"/>
+              <a:rPr lang="en-US"/>
               <a:t>Third level</a:t>
             </a:r>
           </a:p>
           <a:p>
             <a:pPr lvl="3"/>
             <a:r>
-              <a:rPr lang="en-US" smtClean="0"/>
+              <a:rPr lang="en-US"/>
               <a:t>Fourth level</a:t>
             </a:r>
           </a:p>
           <a:p>
             <a:pPr lvl="4"/>
             <a:r>
-              <a:rPr lang="en-US" smtClean="0"/>
+              <a:rPr lang="en-US"/>
               <a:t>Fifth level</a:t>
             </a:r>
-            <a:endParaRPr lang="en-US"/>
           </a:p>
         </p:txBody>
       </p:sp>
@@ -7163,10 +6968,9 @@
           <a:p>
             <a:pPr lvl="0"/>
             <a:r>
-              <a:rPr lang="en-US" dirty="0" smtClean="0"/>
+              <a:rPr lang="en-US" dirty="0"/>
               <a:t>Secondary refining headline</a:t>
             </a:r>
-            <a:endParaRPr lang="en-US" dirty="0"/>
           </a:p>
         </p:txBody>
       </p:sp>
@@ -7180,13 +6984,6 @@
   <p:clrMapOvr>
     <a:masterClrMapping/>
   </p:clrMapOvr>
-  <p:timing>
-    <p:tnLst>
-      <p:par>
-        <p:cTn id="1" dur="indefinite" restart="never" nodeType="tmRoot"/>
-      </p:par>
-    </p:tnLst>
-  </p:timing>
 </p:sldLayout>
 </file>
 
@@ -7231,10 +7028,9 @@
           <a:lstStyle/>
           <a:p>
             <a:r>
-              <a:rPr lang="en-US" smtClean="0"/>
+              <a:rPr lang="en-US"/>
               <a:t>Click to edit Master title style</a:t>
             </a:r>
-            <a:endParaRPr lang="en-US"/>
           </a:p>
         </p:txBody>
       </p:sp>
@@ -7248,13 +7044,6 @@
   <p:clrMapOvr>
     <a:masterClrMapping/>
   </p:clrMapOvr>
-  <p:timing>
-    <p:tnLst>
-      <p:par>
-        <p:cTn id="1" dur="indefinite" restart="never" nodeType="tmRoot"/>
-      </p:par>
-    </p:tnLst>
-  </p:timing>
 </p:sldLayout>
 </file>
 
@@ -7302,10 +7091,9 @@
           </a:lstStyle>
           <a:p>
             <a:r>
-              <a:rPr lang="en-US" smtClean="0"/>
+              <a:rPr lang="en-US"/>
               <a:t>Click to edit Master title style</a:t>
             </a:r>
-            <a:endParaRPr lang="en-US"/>
           </a:p>
         </p:txBody>
       </p:sp>
@@ -7328,10 +7116,34 @@
                 <a:tableStyleId>{5C22544A-7EE6-4342-B048-85BDC9FD1C3A}</a:tableStyleId>
               </a:tblPr>
               <a:tblGrid>
-                <a:gridCol w="2764105"/>
-                <a:gridCol w="2764105"/>
-                <a:gridCol w="2764105"/>
-                <a:gridCol w="2764105"/>
+                <a:gridCol w="2764105">
+                  <a:extLst>
+                    <a:ext uri="{9D8B030D-6E8A-4147-A177-3AD203B41FA5}">
+                      <a16:colId xmlns:a16="http://schemas.microsoft.com/office/drawing/2014/main" val="20000"/>
+                    </a:ext>
+                  </a:extLst>
+                </a:gridCol>
+                <a:gridCol w="2764105">
+                  <a:extLst>
+                    <a:ext uri="{9D8B030D-6E8A-4147-A177-3AD203B41FA5}">
+                      <a16:colId xmlns:a16="http://schemas.microsoft.com/office/drawing/2014/main" val="20001"/>
+                    </a:ext>
+                  </a:extLst>
+                </a:gridCol>
+                <a:gridCol w="2764105">
+                  <a:extLst>
+                    <a:ext uri="{9D8B030D-6E8A-4147-A177-3AD203B41FA5}">
+                      <a16:colId xmlns:a16="http://schemas.microsoft.com/office/drawing/2014/main" val="20002"/>
+                    </a:ext>
+                  </a:extLst>
+                </a:gridCol>
+                <a:gridCol w="2764105">
+                  <a:extLst>
+                    <a:ext uri="{9D8B030D-6E8A-4147-A177-3AD203B41FA5}">
+                      <a16:colId xmlns:a16="http://schemas.microsoft.com/office/drawing/2014/main" val="20003"/>
+                    </a:ext>
+                  </a:extLst>
+                </a:gridCol>
               </a:tblGrid>
               <a:tr h="644435">
                 <a:tc>
@@ -7340,18 +7152,13 @@
                     <a:lstStyle/>
                     <a:p>
                       <a:r>
-                        <a:rPr lang="en-US" sz="2000" dirty="0" smtClean="0">
+                        <a:rPr lang="en-US" sz="2000" dirty="0">
                           <a:solidFill>
                             <a:schemeClr val="bg1"/>
                           </a:solidFill>
                         </a:rPr>
                         <a:t>Heading</a:t>
                       </a:r>
-                      <a:endParaRPr lang="en-US" sz="2000" dirty="0">
-                        <a:solidFill>
-                          <a:schemeClr val="bg1"/>
-                        </a:solidFill>
-                      </a:endParaRPr>
                     </a:p>
                   </a:txBody>
                   <a:tcPr marL="137160" marR="137160" marT="137160" marB="137160" anchor="ctr">
@@ -7383,18 +7190,13 @@
                     <a:lstStyle/>
                     <a:p>
                       <a:r>
-                        <a:rPr lang="en-US" sz="2000" dirty="0" smtClean="0">
+                        <a:rPr lang="en-US" sz="2000" dirty="0">
                           <a:solidFill>
                             <a:schemeClr val="bg1"/>
                           </a:solidFill>
                         </a:rPr>
                         <a:t>Heading</a:t>
                       </a:r>
-                      <a:endParaRPr lang="en-US" sz="2000" dirty="0">
-                        <a:solidFill>
-                          <a:schemeClr val="bg1"/>
-                        </a:solidFill>
-                      </a:endParaRPr>
                     </a:p>
                   </a:txBody>
                   <a:tcPr marL="137160" marR="137160" marT="137160" marB="137160" anchor="ctr">
@@ -7426,18 +7228,13 @@
                     <a:lstStyle/>
                     <a:p>
                       <a:r>
-                        <a:rPr lang="en-US" sz="2000" dirty="0" smtClean="0">
+                        <a:rPr lang="en-US" sz="2000" dirty="0">
                           <a:solidFill>
                             <a:schemeClr val="bg1"/>
                           </a:solidFill>
                         </a:rPr>
                         <a:t>Heading</a:t>
                       </a:r>
-                      <a:endParaRPr lang="en-US" sz="2000" dirty="0">
-                        <a:solidFill>
-                          <a:schemeClr val="bg1"/>
-                        </a:solidFill>
-                      </a:endParaRPr>
                     </a:p>
                   </a:txBody>
                   <a:tcPr marL="137160" marR="137160" marT="137160" marB="137160" anchor="ctr">
@@ -7469,18 +7266,13 @@
                     <a:lstStyle/>
                     <a:p>
                       <a:r>
-                        <a:rPr lang="en-US" sz="2000" dirty="0" smtClean="0">
+                        <a:rPr lang="en-US" sz="2000" dirty="0">
                           <a:solidFill>
                             <a:schemeClr val="bg1"/>
                           </a:solidFill>
                         </a:rPr>
                         <a:t>Heading</a:t>
                       </a:r>
-                      <a:endParaRPr lang="en-US" sz="2000" dirty="0">
-                        <a:solidFill>
-                          <a:schemeClr val="bg1"/>
-                        </a:solidFill>
-                      </a:endParaRPr>
                     </a:p>
                   </a:txBody>
                   <a:tcPr marL="137160" marR="137160" marT="137160" marB="137160" anchor="ctr">
@@ -7506,6 +7298,11 @@
                     </a:lnBlToTr>
                   </a:tcPr>
                 </a:tc>
+                <a:extLst>
+                  <a:ext uri="{0D108BD9-81ED-4DB2-BD59-A6C34878D82A}">
+                    <a16:rowId xmlns:a16="http://schemas.microsoft.com/office/drawing/2014/main" val="10000"/>
+                  </a:ext>
+                </a:extLst>
               </a:tr>
               <a:tr h="1225319">
                 <a:tc>
@@ -7514,18 +7311,13 @@
                     <a:lstStyle/>
                     <a:p>
                       <a:r>
-                        <a:rPr lang="en-US" sz="1600" dirty="0" smtClean="0">
+                        <a:rPr lang="en-US" sz="1600" dirty="0">
                           <a:solidFill>
                             <a:srgbClr val="3C454F"/>
                           </a:solidFill>
                         </a:rPr>
                         <a:t>Content</a:t>
                       </a:r>
-                      <a:endParaRPr lang="en-US" sz="1600" dirty="0">
-                        <a:solidFill>
-                          <a:srgbClr val="3C454F"/>
-                        </a:solidFill>
-                      </a:endParaRPr>
                     </a:p>
                   </a:txBody>
                   <a:tcPr marL="137160" marR="137160" marT="137160" marB="137160">
@@ -7574,7 +7366,7 @@
                         <a:defRPr/>
                       </a:pPr>
                       <a:r>
-                        <a:rPr lang="en-US" sz="1600" dirty="0" smtClean="0">
+                        <a:rPr lang="en-US" sz="1600" dirty="0">
                           <a:solidFill>
                             <a:srgbClr val="3C454F"/>
                           </a:solidFill>
@@ -7636,7 +7428,7 @@
                         <a:defRPr/>
                       </a:pPr>
                       <a:r>
-                        <a:rPr lang="en-US" sz="1600" dirty="0" smtClean="0">
+                        <a:rPr lang="en-US" sz="1600" dirty="0">
                           <a:solidFill>
                             <a:srgbClr val="3C454F"/>
                           </a:solidFill>
@@ -7698,7 +7490,7 @@
                         <a:defRPr/>
                       </a:pPr>
                       <a:r>
-                        <a:rPr lang="en-US" sz="1600" dirty="0" smtClean="0">
+                        <a:rPr lang="en-US" sz="1600" dirty="0">
                           <a:solidFill>
                             <a:srgbClr val="3C454F"/>
                           </a:solidFill>
@@ -7737,6 +7529,11 @@
                     </a:lnBlToTr>
                   </a:tcPr>
                 </a:tc>
+                <a:extLst>
+                  <a:ext uri="{0D108BD9-81ED-4DB2-BD59-A6C34878D82A}">
+                    <a16:rowId xmlns:a16="http://schemas.microsoft.com/office/drawing/2014/main" val="10001"/>
+                  </a:ext>
+                </a:extLst>
               </a:tr>
               <a:tr h="1225319">
                 <a:tc>
@@ -7762,7 +7559,7 @@
                         <a:defRPr/>
                       </a:pPr>
                       <a:r>
-                        <a:rPr lang="en-US" sz="1600" dirty="0" smtClean="0">
+                        <a:rPr lang="en-US" sz="1600" dirty="0">
                           <a:solidFill>
                             <a:srgbClr val="3C454F"/>
                           </a:solidFill>
@@ -7824,7 +7621,7 @@
                         <a:defRPr/>
                       </a:pPr>
                       <a:r>
-                        <a:rPr lang="en-US" sz="1600" dirty="0" smtClean="0">
+                        <a:rPr lang="en-US" sz="1600" dirty="0">
                           <a:solidFill>
                             <a:srgbClr val="3C454F"/>
                           </a:solidFill>
@@ -7886,7 +7683,7 @@
                         <a:defRPr/>
                       </a:pPr>
                       <a:r>
-                        <a:rPr lang="en-US" sz="1600" dirty="0" smtClean="0">
+                        <a:rPr lang="en-US" sz="1600" dirty="0">
                           <a:solidFill>
                             <a:srgbClr val="3C454F"/>
                           </a:solidFill>
@@ -7948,7 +7745,7 @@
                         <a:defRPr/>
                       </a:pPr>
                       <a:r>
-                        <a:rPr lang="en-US" sz="1600" dirty="0" smtClean="0">
+                        <a:rPr lang="en-US" sz="1600" dirty="0">
                           <a:solidFill>
                             <a:srgbClr val="3C454F"/>
                           </a:solidFill>
@@ -7987,6 +7784,11 @@
                     </a:lnBlToTr>
                   </a:tcPr>
                 </a:tc>
+                <a:extLst>
+                  <a:ext uri="{0D108BD9-81ED-4DB2-BD59-A6C34878D82A}">
+                    <a16:rowId xmlns:a16="http://schemas.microsoft.com/office/drawing/2014/main" val="10002"/>
+                  </a:ext>
+                </a:extLst>
               </a:tr>
               <a:tr h="1225319">
                 <a:tc>
@@ -8012,7 +7814,7 @@
                         <a:defRPr/>
                       </a:pPr>
                       <a:r>
-                        <a:rPr lang="en-US" sz="1600" dirty="0" smtClean="0">
+                        <a:rPr lang="en-US" sz="1600" dirty="0">
                           <a:solidFill>
                             <a:srgbClr val="3C454F"/>
                           </a:solidFill>
@@ -8074,7 +7876,7 @@
                         <a:defRPr/>
                       </a:pPr>
                       <a:r>
-                        <a:rPr lang="en-US" sz="1600" dirty="0" smtClean="0">
+                        <a:rPr lang="en-US" sz="1600" dirty="0">
                           <a:solidFill>
                             <a:srgbClr val="3C454F"/>
                           </a:solidFill>
@@ -8136,7 +7938,7 @@
                         <a:defRPr/>
                       </a:pPr>
                       <a:r>
-                        <a:rPr lang="en-US" sz="1600" dirty="0" smtClean="0">
+                        <a:rPr lang="en-US" sz="1600" dirty="0">
                           <a:solidFill>
                             <a:srgbClr val="3C454F"/>
                           </a:solidFill>
@@ -8198,7 +8000,7 @@
                         <a:defRPr/>
                       </a:pPr>
                       <a:r>
-                        <a:rPr lang="en-US" sz="1600" dirty="0" smtClean="0">
+                        <a:rPr lang="en-US" sz="1600" dirty="0">
                           <a:solidFill>
                             <a:srgbClr val="3C454F"/>
                           </a:solidFill>
@@ -8237,6 +8039,11 @@
                     </a:lnBlToTr>
                   </a:tcPr>
                 </a:tc>
+                <a:extLst>
+                  <a:ext uri="{0D108BD9-81ED-4DB2-BD59-A6C34878D82A}">
+                    <a16:rowId xmlns:a16="http://schemas.microsoft.com/office/drawing/2014/main" val="10003"/>
+                  </a:ext>
+                </a:extLst>
               </a:tr>
             </a:tbl>
           </a:graphicData>
@@ -8252,13 +8059,6 @@
   <p:clrMapOvr>
     <a:masterClrMapping/>
   </p:clrMapOvr>
-  <p:timing>
-    <p:tnLst>
-      <p:par>
-        <p:cTn id="1" dur="indefinite" restart="never" nodeType="tmRoot"/>
-      </p:par>
-    </p:tnLst>
-  </p:timing>
 </p:sldLayout>
 </file>
 
@@ -8297,13 +8097,6 @@
   <p:clrMapOvr>
     <a:masterClrMapping/>
   </p:clrMapOvr>
-  <p:timing>
-    <p:tnLst>
-      <p:par>
-        <p:cTn id="1" dur="indefinite" restart="never" nodeType="tmRoot"/>
-      </p:par>
-    </p:tnLst>
-  </p:timing>
 </p:sldLayout>
 </file>
 
@@ -8359,10 +8152,9 @@
           </a:lstStyle>
           <a:p>
             <a:r>
-              <a:rPr lang="en-US" smtClean="0"/>
+              <a:rPr lang="en-US"/>
               <a:t>Click to edit Master title style</a:t>
             </a:r>
-            <a:endParaRPr lang="en-US"/>
           </a:p>
         </p:txBody>
       </p:sp>
@@ -8426,38 +8218,37 @@
           <a:p>
             <a:pPr lvl="0"/>
             <a:r>
-              <a:rPr lang="en-US" smtClean="0"/>
+              <a:rPr lang="en-US"/>
               <a:t>Click to edit Master text styles</a:t>
             </a:r>
           </a:p>
           <a:p>
             <a:pPr lvl="1"/>
             <a:r>
-              <a:rPr lang="en-US" smtClean="0"/>
+              <a:rPr lang="en-US"/>
               <a:t>Second level</a:t>
             </a:r>
           </a:p>
           <a:p>
             <a:pPr lvl="2"/>
             <a:r>
-              <a:rPr lang="en-US" smtClean="0"/>
+              <a:rPr lang="en-US"/>
               <a:t>Third level</a:t>
             </a:r>
           </a:p>
           <a:p>
             <a:pPr lvl="3"/>
             <a:r>
-              <a:rPr lang="en-US" smtClean="0"/>
+              <a:rPr lang="en-US"/>
               <a:t>Fourth level</a:t>
             </a:r>
           </a:p>
           <a:p>
             <a:pPr lvl="4"/>
             <a:r>
-              <a:rPr lang="en-US" smtClean="0"/>
+              <a:rPr lang="en-US"/>
               <a:t>Fifth level</a:t>
             </a:r>
-            <a:endParaRPr lang="en-US"/>
           </a:p>
         </p:txBody>
       </p:sp>
@@ -8522,7 +8313,7 @@
           <a:p>
             <a:pPr lvl="0"/>
             <a:r>
-              <a:rPr lang="en-US" dirty="0" smtClean="0"/>
+              <a:rPr lang="en-US" dirty="0"/>
               <a:t>Click to edit Master text styles</a:t>
             </a:r>
           </a:p>
@@ -8538,13 +8329,6 @@
   <p:clrMapOvr>
     <a:masterClrMapping/>
   </p:clrMapOvr>
-  <p:timing>
-    <p:tnLst>
-      <p:par>
-        <p:cTn id="1" dur="indefinite" restart="never" nodeType="tmRoot"/>
-      </p:par>
-    </p:tnLst>
-  </p:timing>
 </p:sldLayout>
 </file>
 
@@ -8598,10 +8382,9 @@
           </a:lstStyle>
           <a:p>
             <a:r>
-              <a:rPr lang="en-US" dirty="0" smtClean="0"/>
+              <a:rPr lang="en-US" dirty="0"/>
               <a:t>Click to edit Master title style</a:t>
             </a:r>
-            <a:endParaRPr lang="en-US" dirty="0"/>
           </a:p>
         </p:txBody>
       </p:sp>
@@ -8665,10 +8448,9 @@
           </a:lstStyle>
           <a:p>
             <a:r>
-              <a:rPr lang="en-US" dirty="0" smtClean="0"/>
+              <a:rPr lang="en-US" dirty="0"/>
               <a:t>Click to edit Master subtitle style</a:t>
             </a:r>
-            <a:endParaRPr lang="en-US" dirty="0"/>
           </a:p>
         </p:txBody>
       </p:sp>
@@ -8682,13 +8464,6 @@
   <p:clrMapOvr>
     <a:masterClrMapping/>
   </p:clrMapOvr>
-  <p:timing>
-    <p:tnLst>
-      <p:par>
-        <p:cTn id="1" dur="indefinite" restart="never" nodeType="tmRoot"/>
-      </p:par>
-    </p:tnLst>
-  </p:timing>
 </p:sldLayout>
 </file>
 
@@ -8733,10 +8508,9 @@
           <a:lstStyle/>
           <a:p>
             <a:r>
-              <a:rPr lang="en-US" smtClean="0"/>
+              <a:rPr lang="en-US"/>
               <a:t>Click to edit Master title style</a:t>
             </a:r>
-            <a:endParaRPr lang="en-US"/>
           </a:p>
         </p:txBody>
       </p:sp>
@@ -8770,14 +8544,14 @@
           <a:p>
             <a:pPr lvl="0"/>
             <a:r>
-              <a:rPr lang="en-US" dirty="0" smtClean="0"/>
+              <a:rPr lang="en-US" dirty="0"/>
               <a:t>Presenter Name</a:t>
             </a:r>
           </a:p>
           <a:p>
             <a:pPr lvl="0"/>
             <a:r>
-              <a:rPr lang="en-US" dirty="0" smtClean="0"/>
+              <a:rPr lang="en-US" dirty="0"/>
               <a:t>Title/role</a:t>
             </a:r>
           </a:p>
@@ -8793,13 +8567,6 @@
   <p:clrMapOvr>
     <a:masterClrMapping/>
   </p:clrMapOvr>
-  <p:timing>
-    <p:tnLst>
-      <p:par>
-        <p:cTn id="1" dur="indefinite" restart="never" nodeType="tmRoot"/>
-      </p:par>
-    </p:tnLst>
-  </p:timing>
 </p:sldLayout>
 </file>
 
@@ -8844,10 +8611,9 @@
           <a:lstStyle/>
           <a:p>
             <a:r>
-              <a:rPr lang="en-US" smtClean="0"/>
+              <a:rPr lang="en-US"/>
               <a:t>Click to edit Master title style</a:t>
             </a:r>
-            <a:endParaRPr lang="en-US"/>
           </a:p>
         </p:txBody>
       </p:sp>
@@ -8868,38 +8634,37 @@
           <a:p>
             <a:pPr lvl="0"/>
             <a:r>
-              <a:rPr lang="en-US" smtClean="0"/>
+              <a:rPr lang="en-US"/>
               <a:t>Click to edit Master text styles</a:t>
             </a:r>
           </a:p>
           <a:p>
             <a:pPr lvl="1"/>
             <a:r>
-              <a:rPr lang="en-US" smtClean="0"/>
+              <a:rPr lang="en-US"/>
               <a:t>Second level</a:t>
             </a:r>
           </a:p>
           <a:p>
             <a:pPr lvl="2"/>
             <a:r>
-              <a:rPr lang="en-US" smtClean="0"/>
+              <a:rPr lang="en-US"/>
               <a:t>Third level</a:t>
             </a:r>
           </a:p>
           <a:p>
             <a:pPr lvl="3"/>
             <a:r>
-              <a:rPr lang="en-US" smtClean="0"/>
+              <a:rPr lang="en-US"/>
               <a:t>Fourth level</a:t>
             </a:r>
           </a:p>
           <a:p>
             <a:pPr lvl="4"/>
             <a:r>
-              <a:rPr lang="en-US" smtClean="0"/>
+              <a:rPr lang="en-US"/>
               <a:t>Fifth level</a:t>
             </a:r>
-            <a:endParaRPr lang="en-US"/>
           </a:p>
         </p:txBody>
       </p:sp>
@@ -8913,13 +8678,6 @@
   <p:clrMapOvr>
     <a:masterClrMapping/>
   </p:clrMapOvr>
-  <p:timing>
-    <p:tnLst>
-      <p:par>
-        <p:cTn id="1" dur="indefinite" restart="never" nodeType="tmRoot"/>
-      </p:par>
-    </p:tnLst>
-  </p:timing>
 </p:sldLayout>
 </file>
 
@@ -8956,10 +8714,9 @@
           <a:lstStyle/>
           <a:p>
             <a:r>
-              <a:rPr lang="en-US" smtClean="0"/>
+              <a:rPr lang="en-US"/>
               <a:t>Click to edit Master title style</a:t>
             </a:r>
-            <a:endParaRPr lang="en-US"/>
           </a:p>
         </p:txBody>
       </p:sp>
@@ -8985,38 +8742,37 @@
           <a:p>
             <a:pPr lvl="0"/>
             <a:r>
-              <a:rPr lang="en-US" smtClean="0"/>
+              <a:rPr lang="en-US"/>
               <a:t>Click to edit Master text styles</a:t>
             </a:r>
           </a:p>
           <a:p>
             <a:pPr lvl="1"/>
             <a:r>
-              <a:rPr lang="en-US" smtClean="0"/>
+              <a:rPr lang="en-US"/>
               <a:t>Second level</a:t>
             </a:r>
           </a:p>
           <a:p>
             <a:pPr lvl="2"/>
             <a:r>
-              <a:rPr lang="en-US" smtClean="0"/>
+              <a:rPr lang="en-US"/>
               <a:t>Third level</a:t>
             </a:r>
           </a:p>
           <a:p>
             <a:pPr lvl="3"/>
             <a:r>
-              <a:rPr lang="en-US" smtClean="0"/>
+              <a:rPr lang="en-US"/>
               <a:t>Fourth level</a:t>
             </a:r>
           </a:p>
           <a:p>
             <a:pPr lvl="4"/>
             <a:r>
-              <a:rPr lang="en-US" smtClean="0"/>
+              <a:rPr lang="en-US"/>
               <a:t>Fifth level</a:t>
             </a:r>
-            <a:endParaRPr lang="en-US"/>
           </a:p>
         </p:txBody>
       </p:sp>
@@ -9053,10 +8809,9 @@
           <a:p>
             <a:pPr lvl="0"/>
             <a:r>
-              <a:rPr lang="en-US" dirty="0" smtClean="0"/>
+              <a:rPr lang="en-US" dirty="0"/>
               <a:t>Secondary refining headline</a:t>
             </a:r>
-            <a:endParaRPr lang="en-US" dirty="0"/>
           </a:p>
         </p:txBody>
       </p:sp>
@@ -9070,13 +8825,6 @@
   <p:clrMapOvr>
     <a:masterClrMapping/>
   </p:clrMapOvr>
-  <p:timing>
-    <p:tnLst>
-      <p:par>
-        <p:cTn id="1" dur="indefinite" restart="never" nodeType="tmRoot"/>
-      </p:par>
-    </p:tnLst>
-  </p:timing>
 </p:sldLayout>
 </file>
 
@@ -9121,10 +8869,9 @@
           <a:lstStyle/>
           <a:p>
             <a:r>
-              <a:rPr lang="en-US" smtClean="0"/>
+              <a:rPr lang="en-US"/>
               <a:t>Click to edit Master title style</a:t>
             </a:r>
-            <a:endParaRPr lang="en-US"/>
           </a:p>
         </p:txBody>
       </p:sp>
@@ -9138,13 +8885,6 @@
   <p:clrMapOvr>
     <a:masterClrMapping/>
   </p:clrMapOvr>
-  <p:timing>
-    <p:tnLst>
-      <p:par>
-        <p:cTn id="1" dur="indefinite" restart="never" nodeType="tmRoot"/>
-      </p:par>
-    </p:tnLst>
-  </p:timing>
 </p:sldLayout>
 </file>
 
@@ -9192,10 +8932,9 @@
           </a:lstStyle>
           <a:p>
             <a:r>
-              <a:rPr lang="en-US" smtClean="0"/>
+              <a:rPr lang="en-US"/>
               <a:t>Click to edit Master title style</a:t>
             </a:r>
-            <a:endParaRPr lang="en-US"/>
           </a:p>
         </p:txBody>
       </p:sp>
@@ -9218,10 +8957,34 @@
                 <a:tableStyleId>{5C22544A-7EE6-4342-B048-85BDC9FD1C3A}</a:tableStyleId>
               </a:tblPr>
               <a:tblGrid>
-                <a:gridCol w="2764105"/>
-                <a:gridCol w="2764105"/>
-                <a:gridCol w="2764105"/>
-                <a:gridCol w="2764105"/>
+                <a:gridCol w="2764105">
+                  <a:extLst>
+                    <a:ext uri="{9D8B030D-6E8A-4147-A177-3AD203B41FA5}">
+                      <a16:colId xmlns:a16="http://schemas.microsoft.com/office/drawing/2014/main" val="20000"/>
+                    </a:ext>
+                  </a:extLst>
+                </a:gridCol>
+                <a:gridCol w="2764105">
+                  <a:extLst>
+                    <a:ext uri="{9D8B030D-6E8A-4147-A177-3AD203B41FA5}">
+                      <a16:colId xmlns:a16="http://schemas.microsoft.com/office/drawing/2014/main" val="20001"/>
+                    </a:ext>
+                  </a:extLst>
+                </a:gridCol>
+                <a:gridCol w="2764105">
+                  <a:extLst>
+                    <a:ext uri="{9D8B030D-6E8A-4147-A177-3AD203B41FA5}">
+                      <a16:colId xmlns:a16="http://schemas.microsoft.com/office/drawing/2014/main" val="20002"/>
+                    </a:ext>
+                  </a:extLst>
+                </a:gridCol>
+                <a:gridCol w="2764105">
+                  <a:extLst>
+                    <a:ext uri="{9D8B030D-6E8A-4147-A177-3AD203B41FA5}">
+                      <a16:colId xmlns:a16="http://schemas.microsoft.com/office/drawing/2014/main" val="20003"/>
+                    </a:ext>
+                  </a:extLst>
+                </a:gridCol>
               </a:tblGrid>
               <a:tr h="644435">
                 <a:tc>
@@ -9230,18 +8993,13 @@
                     <a:lstStyle/>
                     <a:p>
                       <a:r>
-                        <a:rPr lang="en-US" sz="2000" dirty="0" smtClean="0">
+                        <a:rPr lang="en-US" sz="2000" dirty="0">
                           <a:solidFill>
                             <a:schemeClr val="bg1"/>
                           </a:solidFill>
                         </a:rPr>
                         <a:t>Heading</a:t>
                       </a:r>
-                      <a:endParaRPr lang="en-US" sz="2000" dirty="0">
-                        <a:solidFill>
-                          <a:schemeClr val="bg1"/>
-                        </a:solidFill>
-                      </a:endParaRPr>
                     </a:p>
                   </a:txBody>
                   <a:tcPr marL="137160" marR="137160" marT="137160" marB="137160" anchor="ctr">
@@ -9273,18 +9031,13 @@
                     <a:lstStyle/>
                     <a:p>
                       <a:r>
-                        <a:rPr lang="en-US" sz="2000" dirty="0" smtClean="0">
+                        <a:rPr lang="en-US" sz="2000" dirty="0">
                           <a:solidFill>
                             <a:schemeClr val="bg1"/>
                           </a:solidFill>
                         </a:rPr>
                         <a:t>Heading</a:t>
                       </a:r>
-                      <a:endParaRPr lang="en-US" sz="2000" dirty="0">
-                        <a:solidFill>
-                          <a:schemeClr val="bg1"/>
-                        </a:solidFill>
-                      </a:endParaRPr>
                     </a:p>
                   </a:txBody>
                   <a:tcPr marL="137160" marR="137160" marT="137160" marB="137160" anchor="ctr">
@@ -9316,18 +9069,13 @@
                     <a:lstStyle/>
                     <a:p>
                       <a:r>
-                        <a:rPr lang="en-US" sz="2000" dirty="0" smtClean="0">
+                        <a:rPr lang="en-US" sz="2000" dirty="0">
                           <a:solidFill>
                             <a:schemeClr val="bg1"/>
                           </a:solidFill>
                         </a:rPr>
                         <a:t>Heading</a:t>
                       </a:r>
-                      <a:endParaRPr lang="en-US" sz="2000" dirty="0">
-                        <a:solidFill>
-                          <a:schemeClr val="bg1"/>
-                        </a:solidFill>
-                      </a:endParaRPr>
                     </a:p>
                   </a:txBody>
                   <a:tcPr marL="137160" marR="137160" marT="137160" marB="137160" anchor="ctr">
@@ -9359,18 +9107,13 @@
                     <a:lstStyle/>
                     <a:p>
                       <a:r>
-                        <a:rPr lang="en-US" sz="2000" dirty="0" smtClean="0">
+                        <a:rPr lang="en-US" sz="2000" dirty="0">
                           <a:solidFill>
                             <a:schemeClr val="bg1"/>
                           </a:solidFill>
                         </a:rPr>
                         <a:t>Heading</a:t>
                       </a:r>
-                      <a:endParaRPr lang="en-US" sz="2000" dirty="0">
-                        <a:solidFill>
-                          <a:schemeClr val="bg1"/>
-                        </a:solidFill>
-                      </a:endParaRPr>
                     </a:p>
                   </a:txBody>
                   <a:tcPr marL="137160" marR="137160" marT="137160" marB="137160" anchor="ctr">
@@ -9396,6 +9139,11 @@
                     </a:lnBlToTr>
                   </a:tcPr>
                 </a:tc>
+                <a:extLst>
+                  <a:ext uri="{0D108BD9-81ED-4DB2-BD59-A6C34878D82A}">
+                    <a16:rowId xmlns:a16="http://schemas.microsoft.com/office/drawing/2014/main" val="10000"/>
+                  </a:ext>
+                </a:extLst>
               </a:tr>
               <a:tr h="1225319">
                 <a:tc>
@@ -9404,18 +9152,13 @@
                     <a:lstStyle/>
                     <a:p>
                       <a:r>
-                        <a:rPr lang="en-US" sz="1600" dirty="0" smtClean="0">
+                        <a:rPr lang="en-US" sz="1600" dirty="0">
                           <a:solidFill>
                             <a:srgbClr val="3C454F"/>
                           </a:solidFill>
                         </a:rPr>
                         <a:t>Content</a:t>
                       </a:r>
-                      <a:endParaRPr lang="en-US" sz="1600" dirty="0">
-                        <a:solidFill>
-                          <a:srgbClr val="3C454F"/>
-                        </a:solidFill>
-                      </a:endParaRPr>
                     </a:p>
                   </a:txBody>
                   <a:tcPr marL="137160" marR="137160" marT="137160" marB="137160">
@@ -9464,7 +9207,7 @@
                         <a:defRPr/>
                       </a:pPr>
                       <a:r>
-                        <a:rPr lang="en-US" sz="1600" dirty="0" smtClean="0">
+                        <a:rPr lang="en-US" sz="1600" dirty="0">
                           <a:solidFill>
                             <a:srgbClr val="3C454F"/>
                           </a:solidFill>
@@ -9526,7 +9269,7 @@
                         <a:defRPr/>
                       </a:pPr>
                       <a:r>
-                        <a:rPr lang="en-US" sz="1600" dirty="0" smtClean="0">
+                        <a:rPr lang="en-US" sz="1600" dirty="0">
                           <a:solidFill>
                             <a:srgbClr val="3C454F"/>
                           </a:solidFill>
@@ -9588,7 +9331,7 @@
                         <a:defRPr/>
                       </a:pPr>
                       <a:r>
-                        <a:rPr lang="en-US" sz="1600" dirty="0" smtClean="0">
+                        <a:rPr lang="en-US" sz="1600" dirty="0">
                           <a:solidFill>
                             <a:srgbClr val="3C454F"/>
                           </a:solidFill>
@@ -9627,6 +9370,11 @@
                     </a:lnBlToTr>
                   </a:tcPr>
                 </a:tc>
+                <a:extLst>
+                  <a:ext uri="{0D108BD9-81ED-4DB2-BD59-A6C34878D82A}">
+                    <a16:rowId xmlns:a16="http://schemas.microsoft.com/office/drawing/2014/main" val="10001"/>
+                  </a:ext>
+                </a:extLst>
               </a:tr>
               <a:tr h="1225319">
                 <a:tc>
@@ -9652,7 +9400,7 @@
                         <a:defRPr/>
                       </a:pPr>
                       <a:r>
-                        <a:rPr lang="en-US" sz="1600" dirty="0" smtClean="0">
+                        <a:rPr lang="en-US" sz="1600" dirty="0">
                           <a:solidFill>
                             <a:srgbClr val="3C454F"/>
                           </a:solidFill>
@@ -9714,7 +9462,7 @@
                         <a:defRPr/>
                       </a:pPr>
                       <a:r>
-                        <a:rPr lang="en-US" sz="1600" dirty="0" smtClean="0">
+                        <a:rPr lang="en-US" sz="1600" dirty="0">
                           <a:solidFill>
                             <a:srgbClr val="3C454F"/>
                           </a:solidFill>
@@ -9776,7 +9524,7 @@
                         <a:defRPr/>
                       </a:pPr>
                       <a:r>
-                        <a:rPr lang="en-US" sz="1600" dirty="0" smtClean="0">
+                        <a:rPr lang="en-US" sz="1600" dirty="0">
                           <a:solidFill>
                             <a:srgbClr val="3C454F"/>
                           </a:solidFill>
@@ -9838,7 +9586,7 @@
                         <a:defRPr/>
                       </a:pPr>
                       <a:r>
-                        <a:rPr lang="en-US" sz="1600" dirty="0" smtClean="0">
+                        <a:rPr lang="en-US" sz="1600" dirty="0">
                           <a:solidFill>
                             <a:srgbClr val="3C454F"/>
                           </a:solidFill>
@@ -9877,6 +9625,11 @@
                     </a:lnBlToTr>
                   </a:tcPr>
                 </a:tc>
+                <a:extLst>
+                  <a:ext uri="{0D108BD9-81ED-4DB2-BD59-A6C34878D82A}">
+                    <a16:rowId xmlns:a16="http://schemas.microsoft.com/office/drawing/2014/main" val="10002"/>
+                  </a:ext>
+                </a:extLst>
               </a:tr>
               <a:tr h="1225319">
                 <a:tc>
@@ -9902,7 +9655,7 @@
                         <a:defRPr/>
                       </a:pPr>
                       <a:r>
-                        <a:rPr lang="en-US" sz="1600" dirty="0" smtClean="0">
+                        <a:rPr lang="en-US" sz="1600" dirty="0">
                           <a:solidFill>
                             <a:srgbClr val="3C454F"/>
                           </a:solidFill>
@@ -9964,7 +9717,7 @@
                         <a:defRPr/>
                       </a:pPr>
                       <a:r>
-                        <a:rPr lang="en-US" sz="1600" dirty="0" smtClean="0">
+                        <a:rPr lang="en-US" sz="1600" dirty="0">
                           <a:solidFill>
                             <a:srgbClr val="3C454F"/>
                           </a:solidFill>
@@ -10026,7 +9779,7 @@
                         <a:defRPr/>
                       </a:pPr>
                       <a:r>
-                        <a:rPr lang="en-US" sz="1600" dirty="0" smtClean="0">
+                        <a:rPr lang="en-US" sz="1600" dirty="0">
                           <a:solidFill>
                             <a:srgbClr val="3C454F"/>
                           </a:solidFill>
@@ -10088,7 +9841,7 @@
                         <a:defRPr/>
                       </a:pPr>
                       <a:r>
-                        <a:rPr lang="en-US" sz="1600" dirty="0" smtClean="0">
+                        <a:rPr lang="en-US" sz="1600" dirty="0">
                           <a:solidFill>
                             <a:srgbClr val="3C454F"/>
                           </a:solidFill>
@@ -10127,6 +9880,11 @@
                     </a:lnBlToTr>
                   </a:tcPr>
                 </a:tc>
+                <a:extLst>
+                  <a:ext uri="{0D108BD9-81ED-4DB2-BD59-A6C34878D82A}">
+                    <a16:rowId xmlns:a16="http://schemas.microsoft.com/office/drawing/2014/main" val="10003"/>
+                  </a:ext>
+                </a:extLst>
               </a:tr>
             </a:tbl>
           </a:graphicData>
@@ -10142,13 +9900,6 @@
   <p:clrMapOvr>
     <a:masterClrMapping/>
   </p:clrMapOvr>
-  <p:timing>
-    <p:tnLst>
-      <p:par>
-        <p:cTn id="1" dur="indefinite" restart="never" nodeType="tmRoot"/>
-      </p:par>
-    </p:tnLst>
-  </p:timing>
 </p:sldLayout>
 </file>
 
@@ -10187,13 +9938,6 @@
   <p:clrMapOvr>
     <a:masterClrMapping/>
   </p:clrMapOvr>
-  <p:timing>
-    <p:tnLst>
-      <p:par>
-        <p:cTn id="1" dur="indefinite" restart="never" nodeType="tmRoot"/>
-      </p:par>
-    </p:tnLst>
-  </p:timing>
 </p:sldLayout>
 </file>
 
@@ -10249,10 +9993,9 @@
           </a:lstStyle>
           <a:p>
             <a:r>
-              <a:rPr lang="en-US" smtClean="0"/>
+              <a:rPr lang="en-US"/>
               <a:t>Click to edit Master title style</a:t>
             </a:r>
-            <a:endParaRPr lang="en-US"/>
           </a:p>
         </p:txBody>
       </p:sp>
@@ -10316,38 +10059,37 @@
           <a:p>
             <a:pPr lvl="0"/>
             <a:r>
-              <a:rPr lang="en-US" smtClean="0"/>
+              <a:rPr lang="en-US"/>
               <a:t>Click to edit Master text styles</a:t>
             </a:r>
           </a:p>
           <a:p>
             <a:pPr lvl="1"/>
             <a:r>
-              <a:rPr lang="en-US" smtClean="0"/>
+              <a:rPr lang="en-US"/>
               <a:t>Second level</a:t>
             </a:r>
           </a:p>
           <a:p>
             <a:pPr lvl="2"/>
             <a:r>
-              <a:rPr lang="en-US" smtClean="0"/>
+              <a:rPr lang="en-US"/>
               <a:t>Third level</a:t>
             </a:r>
           </a:p>
           <a:p>
             <a:pPr lvl="3"/>
             <a:r>
-              <a:rPr lang="en-US" smtClean="0"/>
+              <a:rPr lang="en-US"/>
               <a:t>Fourth level</a:t>
             </a:r>
           </a:p>
           <a:p>
             <a:pPr lvl="4"/>
             <a:r>
-              <a:rPr lang="en-US" smtClean="0"/>
+              <a:rPr lang="en-US"/>
               <a:t>Fifth level</a:t>
             </a:r>
-            <a:endParaRPr lang="en-US"/>
           </a:p>
         </p:txBody>
       </p:sp>
@@ -10412,7 +10154,7 @@
           <a:p>
             <a:pPr lvl="0"/>
             <a:r>
-              <a:rPr lang="en-US" dirty="0" smtClean="0"/>
+              <a:rPr lang="en-US" dirty="0"/>
               <a:t>Click to edit Master text styles</a:t>
             </a:r>
           </a:p>
@@ -10428,13 +10170,6 @@
   <p:clrMapOvr>
     <a:masterClrMapping/>
   </p:clrMapOvr>
-  <p:timing>
-    <p:tnLst>
-      <p:par>
-        <p:cTn id="1" dur="indefinite" restart="never" nodeType="tmRoot"/>
-      </p:par>
-    </p:tnLst>
-  </p:timing>
 </p:sldLayout>
 </file>
 
@@ -10488,10 +10223,9 @@
           </a:lstStyle>
           <a:p>
             <a:r>
-              <a:rPr lang="en-US" dirty="0" smtClean="0"/>
+              <a:rPr lang="en-US" dirty="0"/>
               <a:t>Click to edit Master title style</a:t>
             </a:r>
-            <a:endParaRPr lang="en-US" dirty="0"/>
           </a:p>
         </p:txBody>
       </p:sp>
@@ -10555,10 +10289,9 @@
           </a:lstStyle>
           <a:p>
             <a:r>
-              <a:rPr lang="en-US" dirty="0" smtClean="0"/>
+              <a:rPr lang="en-US" dirty="0"/>
               <a:t>Click to edit Master subtitle style</a:t>
             </a:r>
-            <a:endParaRPr lang="en-US" dirty="0"/>
           </a:p>
         </p:txBody>
       </p:sp>
@@ -10572,13 +10305,6 @@
   <p:clrMapOvr>
     <a:masterClrMapping/>
   </p:clrMapOvr>
-  <p:timing>
-    <p:tnLst>
-      <p:par>
-        <p:cTn id="1" dur="indefinite" restart="never" nodeType="tmRoot"/>
-      </p:par>
-    </p:tnLst>
-  </p:timing>
 </p:sldLayout>
 </file>
 
@@ -10623,10 +10349,9 @@
           <a:lstStyle/>
           <a:p>
             <a:r>
-              <a:rPr lang="en-US" smtClean="0"/>
+              <a:rPr lang="en-US"/>
               <a:t>Click to edit Master title style</a:t>
             </a:r>
-            <a:endParaRPr lang="en-US"/>
           </a:p>
         </p:txBody>
       </p:sp>
@@ -10647,38 +10372,37 @@
           <a:p>
             <a:pPr lvl="0"/>
             <a:r>
-              <a:rPr lang="en-US" smtClean="0"/>
+              <a:rPr lang="en-US"/>
               <a:t>Click to edit Master text styles</a:t>
             </a:r>
           </a:p>
           <a:p>
             <a:pPr lvl="1"/>
             <a:r>
-              <a:rPr lang="en-US" smtClean="0"/>
+              <a:rPr lang="en-US"/>
               <a:t>Second level</a:t>
             </a:r>
           </a:p>
           <a:p>
             <a:pPr lvl="2"/>
             <a:r>
-              <a:rPr lang="en-US" smtClean="0"/>
+              <a:rPr lang="en-US"/>
               <a:t>Third level</a:t>
             </a:r>
           </a:p>
           <a:p>
             <a:pPr lvl="3"/>
             <a:r>
-              <a:rPr lang="en-US" smtClean="0"/>
+              <a:rPr lang="en-US"/>
               <a:t>Fourth level</a:t>
             </a:r>
           </a:p>
           <a:p>
             <a:pPr lvl="4"/>
             <a:r>
-              <a:rPr lang="en-US" smtClean="0"/>
+              <a:rPr lang="en-US"/>
               <a:t>Fifth level</a:t>
             </a:r>
-            <a:endParaRPr lang="en-US"/>
           </a:p>
         </p:txBody>
       </p:sp>
@@ -10692,13 +10416,6 @@
   <p:clrMapOvr>
     <a:masterClrMapping/>
   </p:clrMapOvr>
-  <p:timing>
-    <p:tnLst>
-      <p:par>
-        <p:cTn id="1" dur="indefinite" restart="never" nodeType="tmRoot"/>
-      </p:par>
-    </p:tnLst>
-  </p:timing>
 </p:sldLayout>
 </file>
 
@@ -10735,10 +10452,9 @@
           <a:lstStyle/>
           <a:p>
             <a:r>
-              <a:rPr lang="en-US" smtClean="0"/>
+              <a:rPr lang="en-US"/>
               <a:t>Click to edit Master title style</a:t>
             </a:r>
-            <a:endParaRPr lang="en-US"/>
           </a:p>
         </p:txBody>
       </p:sp>
@@ -10764,38 +10480,37 @@
           <a:p>
             <a:pPr lvl="0"/>
             <a:r>
-              <a:rPr lang="en-US" smtClean="0"/>
+              <a:rPr lang="en-US"/>
               <a:t>Click to edit Master text styles</a:t>
             </a:r>
           </a:p>
           <a:p>
             <a:pPr lvl="1"/>
             <a:r>
-              <a:rPr lang="en-US" smtClean="0"/>
+              <a:rPr lang="en-US"/>
               <a:t>Second level</a:t>
             </a:r>
           </a:p>
           <a:p>
             <a:pPr lvl="2"/>
             <a:r>
-              <a:rPr lang="en-US" smtClean="0"/>
+              <a:rPr lang="en-US"/>
               <a:t>Third level</a:t>
             </a:r>
           </a:p>
           <a:p>
             <a:pPr lvl="3"/>
             <a:r>
-              <a:rPr lang="en-US" smtClean="0"/>
+              <a:rPr lang="en-US"/>
               <a:t>Fourth level</a:t>
             </a:r>
           </a:p>
           <a:p>
             <a:pPr lvl="4"/>
             <a:r>
-              <a:rPr lang="en-US" smtClean="0"/>
+              <a:rPr lang="en-US"/>
               <a:t>Fifth level</a:t>
             </a:r>
-            <a:endParaRPr lang="en-US"/>
           </a:p>
         </p:txBody>
       </p:sp>
@@ -10863,10 +10578,9 @@
           <a:p>
             <a:pPr lvl="0"/>
             <a:r>
-              <a:rPr lang="en-US" dirty="0" smtClean="0"/>
+              <a:rPr lang="en-US" dirty="0"/>
               <a:t>Secondary refining headline</a:t>
             </a:r>
-            <a:endParaRPr lang="en-US" dirty="0"/>
           </a:p>
         </p:txBody>
       </p:sp>
@@ -10880,13 +10594,6 @@
   <p:clrMapOvr>
     <a:masterClrMapping/>
   </p:clrMapOvr>
-  <p:timing>
-    <p:tnLst>
-      <p:par>
-        <p:cTn id="1" dur="indefinite" restart="never" nodeType="tmRoot"/>
-      </p:par>
-    </p:tnLst>
-  </p:timing>
 </p:sldLayout>
 </file>
 
@@ -10931,10 +10638,9 @@
           <a:lstStyle/>
           <a:p>
             <a:r>
-              <a:rPr lang="en-US" smtClean="0"/>
+              <a:rPr lang="en-US"/>
               <a:t>Click to edit Master title style</a:t>
             </a:r>
-            <a:endParaRPr lang="en-US"/>
           </a:p>
         </p:txBody>
       </p:sp>
@@ -10948,13 +10654,6 @@
   <p:clrMapOvr>
     <a:masterClrMapping/>
   </p:clrMapOvr>
-  <p:timing>
-    <p:tnLst>
-      <p:par>
-        <p:cTn id="1" dur="indefinite" restart="never" nodeType="tmRoot"/>
-      </p:par>
-    </p:tnLst>
-  </p:timing>
 </p:sldLayout>
 </file>
 
@@ -11007,10 +10706,9 @@
           </a:lstStyle>
           <a:p>
             <a:r>
-              <a:rPr lang="en-US" dirty="0" smtClean="0"/>
+              <a:rPr lang="en-US" dirty="0"/>
               <a:t>Click to edit Master title style</a:t>
             </a:r>
-            <a:endParaRPr lang="en-US" dirty="0"/>
           </a:p>
         </p:txBody>
       </p:sp>
@@ -11044,14 +10742,14 @@
           <a:p>
             <a:pPr lvl="0"/>
             <a:r>
-              <a:rPr lang="en-US" dirty="0" smtClean="0"/>
+              <a:rPr lang="en-US" dirty="0"/>
               <a:t>Presenter Name</a:t>
             </a:r>
           </a:p>
           <a:p>
             <a:pPr lvl="0"/>
             <a:r>
-              <a:rPr lang="en-US" dirty="0" smtClean="0"/>
+              <a:rPr lang="en-US" dirty="0"/>
               <a:t>Title/role</a:t>
             </a:r>
           </a:p>
@@ -11067,13 +10765,6 @@
   <p:clrMapOvr>
     <a:masterClrMapping/>
   </p:clrMapOvr>
-  <p:timing>
-    <p:tnLst>
-      <p:par>
-        <p:cTn id="1" dur="indefinite" restart="never" nodeType="tmRoot"/>
-      </p:par>
-    </p:tnLst>
-  </p:timing>
 </p:sldLayout>
 </file>
 
@@ -11112,13 +10803,6 @@
   <p:clrMapOvr>
     <a:masterClrMapping/>
   </p:clrMapOvr>
-  <p:timing>
-    <p:tnLst>
-      <p:par>
-        <p:cTn id="1" dur="indefinite" restart="never" nodeType="tmRoot"/>
-      </p:par>
-    </p:tnLst>
-  </p:timing>
 </p:sldLayout>
 </file>
 
@@ -11157,13 +10841,6 @@
   <p:clrMapOvr>
     <a:masterClrMapping/>
   </p:clrMapOvr>
-  <p:timing>
-    <p:tnLst>
-      <p:par>
-        <p:cTn id="1" dur="indefinite" restart="never" nodeType="tmRoot"/>
-      </p:par>
-    </p:tnLst>
-  </p:timing>
 </p:sldLayout>
 </file>
 
@@ -11219,10 +10896,9 @@
           </a:lstStyle>
           <a:p>
             <a:r>
-              <a:rPr lang="en-US" smtClean="0"/>
+              <a:rPr lang="en-US"/>
               <a:t>Click to edit Master title style</a:t>
             </a:r>
-            <a:endParaRPr lang="en-US"/>
           </a:p>
         </p:txBody>
       </p:sp>
@@ -11286,38 +10962,37 @@
           <a:p>
             <a:pPr lvl="0"/>
             <a:r>
-              <a:rPr lang="en-US" smtClean="0"/>
+              <a:rPr lang="en-US"/>
               <a:t>Click to edit Master text styles</a:t>
             </a:r>
           </a:p>
           <a:p>
             <a:pPr lvl="1"/>
             <a:r>
-              <a:rPr lang="en-US" smtClean="0"/>
+              <a:rPr lang="en-US"/>
               <a:t>Second level</a:t>
             </a:r>
           </a:p>
           <a:p>
             <a:pPr lvl="2"/>
             <a:r>
-              <a:rPr lang="en-US" smtClean="0"/>
+              <a:rPr lang="en-US"/>
               <a:t>Third level</a:t>
             </a:r>
           </a:p>
           <a:p>
             <a:pPr lvl="3"/>
             <a:r>
-              <a:rPr lang="en-US" smtClean="0"/>
+              <a:rPr lang="en-US"/>
               <a:t>Fourth level</a:t>
             </a:r>
           </a:p>
           <a:p>
             <a:pPr lvl="4"/>
             <a:r>
-              <a:rPr lang="en-US" smtClean="0"/>
+              <a:rPr lang="en-US"/>
               <a:t>Fifth level</a:t>
             </a:r>
-            <a:endParaRPr lang="en-US"/>
           </a:p>
         </p:txBody>
       </p:sp>
@@ -11382,7 +11057,7 @@
           <a:p>
             <a:pPr lvl="0"/>
             <a:r>
-              <a:rPr lang="en-US" dirty="0" smtClean="0"/>
+              <a:rPr lang="en-US" dirty="0"/>
               <a:t>Click to edit Master text styles</a:t>
             </a:r>
           </a:p>
@@ -11398,13 +11073,6 @@
   <p:clrMapOvr>
     <a:masterClrMapping/>
   </p:clrMapOvr>
-  <p:timing>
-    <p:tnLst>
-      <p:par>
-        <p:cTn id="1" dur="indefinite" restart="never" nodeType="tmRoot"/>
-      </p:par>
-    </p:tnLst>
-  </p:timing>
 </p:sldLayout>
 </file>
 
@@ -11450,10 +11118,9 @@
           </a:lstStyle>
           <a:p>
             <a:r>
-              <a:rPr lang="en-US" dirty="0" smtClean="0"/>
+              <a:rPr lang="en-US" dirty="0"/>
               <a:t>Click to edit Master title style</a:t>
             </a:r>
-            <a:endParaRPr lang="en-US" dirty="0"/>
           </a:p>
         </p:txBody>
       </p:sp>
@@ -11517,10 +11184,9 @@
           </a:lstStyle>
           <a:p>
             <a:r>
-              <a:rPr lang="en-US" dirty="0" smtClean="0"/>
+              <a:rPr lang="en-US" dirty="0"/>
               <a:t>Click to edit Master subtitle style</a:t>
             </a:r>
-            <a:endParaRPr lang="en-US" dirty="0"/>
           </a:p>
         </p:txBody>
       </p:sp>
@@ -11534,13 +11200,6 @@
   <p:clrMapOvr>
     <a:masterClrMapping/>
   </p:clrMapOvr>
-  <p:timing>
-    <p:tnLst>
-      <p:par>
-        <p:cTn id="1" dur="indefinite" restart="never" nodeType="tmRoot"/>
-      </p:par>
-    </p:tnLst>
-  </p:timing>
 </p:sldLayout>
 </file>
 
@@ -11577,10 +11236,9 @@
           <a:lstStyle/>
           <a:p>
             <a:r>
-              <a:rPr lang="en-US" smtClean="0"/>
+              <a:rPr lang="en-US"/>
               <a:t>Click to edit Master title style</a:t>
             </a:r>
-            <a:endParaRPr lang="en-US"/>
           </a:p>
         </p:txBody>
       </p:sp>
@@ -11601,38 +11259,37 @@
           <a:p>
             <a:pPr lvl="0"/>
             <a:r>
-              <a:rPr lang="en-US" smtClean="0"/>
+              <a:rPr lang="en-US"/>
               <a:t>Click to edit Master text styles</a:t>
             </a:r>
           </a:p>
           <a:p>
             <a:pPr lvl="1"/>
             <a:r>
-              <a:rPr lang="en-US" smtClean="0"/>
+              <a:rPr lang="en-US"/>
               <a:t>Second level</a:t>
             </a:r>
           </a:p>
           <a:p>
             <a:pPr lvl="2"/>
             <a:r>
-              <a:rPr lang="en-US" smtClean="0"/>
+              <a:rPr lang="en-US"/>
               <a:t>Third level</a:t>
             </a:r>
           </a:p>
           <a:p>
             <a:pPr lvl="3"/>
             <a:r>
-              <a:rPr lang="en-US" smtClean="0"/>
+              <a:rPr lang="en-US"/>
               <a:t>Fourth level</a:t>
             </a:r>
           </a:p>
           <a:p>
             <a:pPr lvl="4"/>
             <a:r>
-              <a:rPr lang="en-US" smtClean="0"/>
+              <a:rPr lang="en-US"/>
               <a:t>Fifth level</a:t>
             </a:r>
-            <a:endParaRPr lang="en-US"/>
           </a:p>
         </p:txBody>
       </p:sp>
@@ -11646,13 +11303,6 @@
   <p:clrMapOvr>
     <a:masterClrMapping/>
   </p:clrMapOvr>
-  <p:timing>
-    <p:tnLst>
-      <p:par>
-        <p:cTn id="1" dur="indefinite" restart="never" nodeType="tmRoot"/>
-      </p:par>
-    </p:tnLst>
-  </p:timing>
 </p:sldLayout>
 </file>
 
@@ -11689,10 +11339,9 @@
           <a:lstStyle/>
           <a:p>
             <a:r>
-              <a:rPr lang="en-US" smtClean="0"/>
+              <a:rPr lang="en-US"/>
               <a:t>Click to edit Master title style</a:t>
             </a:r>
-            <a:endParaRPr lang="en-US"/>
           </a:p>
         </p:txBody>
       </p:sp>
@@ -11718,38 +11367,37 @@
           <a:p>
             <a:pPr lvl="0"/>
             <a:r>
-              <a:rPr lang="en-US" smtClean="0"/>
+              <a:rPr lang="en-US"/>
               <a:t>Click to edit Master text styles</a:t>
             </a:r>
           </a:p>
           <a:p>
             <a:pPr lvl="1"/>
             <a:r>
-              <a:rPr lang="en-US" smtClean="0"/>
+              <a:rPr lang="en-US"/>
               <a:t>Second level</a:t>
             </a:r>
           </a:p>
           <a:p>
             <a:pPr lvl="2"/>
             <a:r>
-              <a:rPr lang="en-US" smtClean="0"/>
+              <a:rPr lang="en-US"/>
               <a:t>Third level</a:t>
             </a:r>
           </a:p>
           <a:p>
             <a:pPr lvl="3"/>
             <a:r>
-              <a:rPr lang="en-US" smtClean="0"/>
+              <a:rPr lang="en-US"/>
               <a:t>Fourth level</a:t>
             </a:r>
           </a:p>
           <a:p>
             <a:pPr lvl="4"/>
             <a:r>
-              <a:rPr lang="en-US" smtClean="0"/>
+              <a:rPr lang="en-US"/>
               <a:t>Fifth level</a:t>
             </a:r>
-            <a:endParaRPr lang="en-US"/>
           </a:p>
         </p:txBody>
       </p:sp>
@@ -11786,10 +11434,9 @@
           <a:p>
             <a:pPr lvl="0"/>
             <a:r>
-              <a:rPr lang="en-US" dirty="0" smtClean="0"/>
+              <a:rPr lang="en-US" dirty="0"/>
               <a:t>Secondary refining headline</a:t>
             </a:r>
-            <a:endParaRPr lang="en-US" dirty="0"/>
           </a:p>
         </p:txBody>
       </p:sp>
@@ -11803,13 +11450,6 @@
   <p:clrMapOvr>
     <a:masterClrMapping/>
   </p:clrMapOvr>
-  <p:timing>
-    <p:tnLst>
-      <p:par>
-        <p:cTn id="1" dur="indefinite" restart="never" nodeType="tmRoot"/>
-      </p:par>
-    </p:tnLst>
-  </p:timing>
 </p:sldLayout>
 </file>
 
@@ -11846,10 +11486,9 @@
           <a:lstStyle/>
           <a:p>
             <a:r>
-              <a:rPr lang="en-US" smtClean="0"/>
+              <a:rPr lang="en-US"/>
               <a:t>Click to edit Master title style</a:t>
             </a:r>
-            <a:endParaRPr lang="en-US"/>
           </a:p>
         </p:txBody>
       </p:sp>
@@ -11863,13 +11502,6 @@
   <p:clrMapOvr>
     <a:masterClrMapping/>
   </p:clrMapOvr>
-  <p:timing>
-    <p:tnLst>
-      <p:par>
-        <p:cTn id="1" dur="indefinite" restart="never" nodeType="tmRoot"/>
-      </p:par>
-    </p:tnLst>
-  </p:timing>
 </p:sldLayout>
 </file>
 
@@ -11924,10 +11556,9 @@
           <a:lstStyle/>
           <a:p>
             <a:r>
-              <a:rPr lang="en-US" dirty="0" smtClean="0"/>
+              <a:rPr lang="en-US" dirty="0"/>
               <a:t>Topic/Title</a:t>
             </a:r>
-            <a:endParaRPr lang="en-US" dirty="0"/>
           </a:p>
         </p:txBody>
       </p:sp>
@@ -11958,17 +11589,16 @@
           <a:p>
             <a:pPr lvl="0"/>
             <a:r>
-              <a:rPr lang="en-US" dirty="0" smtClean="0"/>
+              <a:rPr lang="en-US" dirty="0"/>
               <a:t>Presenter Name</a:t>
             </a:r>
           </a:p>
           <a:p>
             <a:pPr lvl="0"/>
             <a:r>
-              <a:rPr lang="en-US" dirty="0" smtClean="0"/>
+              <a:rPr lang="en-US" dirty="0"/>
               <a:t>Title</a:t>
             </a:r>
-            <a:endParaRPr lang="en-US" dirty="0"/>
           </a:p>
         </p:txBody>
       </p:sp>
@@ -11987,13 +11617,6 @@
     <p:sldLayoutId id="2147483675" r:id="rId4"/>
     <p:sldLayoutId id="2147483676" r:id="rId5"/>
   </p:sldLayoutIdLst>
-  <p:timing>
-    <p:tnLst>
-      <p:par>
-        <p:cTn id="1" dur="indefinite" restart="never" nodeType="tmRoot"/>
-      </p:par>
-    </p:tnLst>
-  </p:timing>
   <p:txStyles>
     <p:titleStyle>
       <a:lvl1pPr algn="r" defTabSz="914400" rtl="0" eaLnBrk="1" latinLnBrk="0" hangingPunct="1">
@@ -12328,10 +11951,9 @@
           <a:lstStyle/>
           <a:p>
             <a:r>
-              <a:rPr lang="en-US" dirty="0" smtClean="0"/>
+              <a:rPr lang="en-US" dirty="0"/>
               <a:t>Click to edit Master title style</a:t>
             </a:r>
-            <a:endParaRPr lang="en-US" dirty="0"/>
           </a:p>
         </p:txBody>
       </p:sp>
@@ -12362,38 +11984,37 @@
           <a:p>
             <a:pPr lvl="0"/>
             <a:r>
-              <a:rPr lang="en-US" dirty="0" smtClean="0"/>
+              <a:rPr lang="en-US" dirty="0"/>
               <a:t>Click to edit Master text styles</a:t>
             </a:r>
           </a:p>
           <a:p>
             <a:pPr lvl="1"/>
             <a:r>
-              <a:rPr lang="en-US" dirty="0" smtClean="0"/>
+              <a:rPr lang="en-US" dirty="0"/>
               <a:t>Second level</a:t>
             </a:r>
           </a:p>
           <a:p>
             <a:pPr lvl="2"/>
             <a:r>
-              <a:rPr lang="en-US" dirty="0" smtClean="0"/>
+              <a:rPr lang="en-US" dirty="0"/>
               <a:t>Third level</a:t>
             </a:r>
           </a:p>
           <a:p>
             <a:pPr lvl="3"/>
             <a:r>
-              <a:rPr lang="en-US" dirty="0" smtClean="0"/>
+              <a:rPr lang="en-US" dirty="0"/>
               <a:t>Fourth level</a:t>
             </a:r>
           </a:p>
           <a:p>
             <a:pPr lvl="4"/>
             <a:r>
-              <a:rPr lang="en-US" dirty="0" smtClean="0"/>
+              <a:rPr lang="en-US" dirty="0"/>
               <a:t>Fifth level</a:t>
             </a:r>
-            <a:endParaRPr lang="en-US" dirty="0"/>
           </a:p>
         </p:txBody>
       </p:sp>
@@ -12765,13 +12386,6 @@
     <p:sldLayoutId id="2147483690" r:id="rId11"/>
     <p:sldLayoutId id="2147483737" r:id="rId12"/>
   </p:sldLayoutIdLst>
-  <p:timing>
-    <p:tnLst>
-      <p:par>
-        <p:cTn id="1" dur="indefinite" restart="never" nodeType="tmRoot"/>
-      </p:par>
-    </p:tnLst>
-  </p:timing>
   <p:hf hdr="0" ftr="0" dt="0"/>
   <p:txStyles>
     <p:titleStyle>
@@ -13107,10 +12721,9 @@
           <a:lstStyle/>
           <a:p>
             <a:r>
-              <a:rPr lang="en-US" dirty="0" smtClean="0"/>
+              <a:rPr lang="en-US" dirty="0"/>
               <a:t>Click to edit Master title style</a:t>
             </a:r>
-            <a:endParaRPr lang="en-US" dirty="0"/>
           </a:p>
         </p:txBody>
       </p:sp>
@@ -13141,38 +12754,37 @@
           <a:p>
             <a:pPr lvl="0"/>
             <a:r>
-              <a:rPr lang="en-US" dirty="0" smtClean="0"/>
+              <a:rPr lang="en-US" dirty="0"/>
               <a:t>Click to edit Master text styles</a:t>
             </a:r>
           </a:p>
           <a:p>
             <a:pPr lvl="1"/>
             <a:r>
-              <a:rPr lang="en-US" dirty="0" smtClean="0"/>
+              <a:rPr lang="en-US" dirty="0"/>
               <a:t>Second level</a:t>
             </a:r>
           </a:p>
           <a:p>
             <a:pPr lvl="2"/>
             <a:r>
-              <a:rPr lang="en-US" dirty="0" smtClean="0"/>
+              <a:rPr lang="en-US" dirty="0"/>
               <a:t>Third level</a:t>
             </a:r>
           </a:p>
           <a:p>
             <a:pPr lvl="3"/>
             <a:r>
-              <a:rPr lang="en-US" dirty="0" smtClean="0"/>
+              <a:rPr lang="en-US" dirty="0"/>
               <a:t>Fourth level</a:t>
             </a:r>
           </a:p>
           <a:p>
             <a:pPr lvl="4"/>
             <a:r>
-              <a:rPr lang="en-US" dirty="0" smtClean="0"/>
+              <a:rPr lang="en-US" dirty="0"/>
               <a:t>Fifth level</a:t>
             </a:r>
-            <a:endParaRPr lang="en-US" dirty="0"/>
           </a:p>
         </p:txBody>
       </p:sp>
@@ -13539,13 +13151,6 @@
     <p:sldLayoutId id="2147483700" r:id="rId6"/>
     <p:sldLayoutId id="2147483701" r:id="rId7"/>
   </p:sldLayoutIdLst>
-  <p:timing>
-    <p:tnLst>
-      <p:par>
-        <p:cTn id="1" dur="indefinite" restart="never" nodeType="tmRoot"/>
-      </p:par>
-    </p:tnLst>
-  </p:timing>
   <p:hf hdr="0" ftr="0" dt="0"/>
   <p:txStyles>
     <p:titleStyle>
@@ -13881,10 +13486,9 @@
           <a:lstStyle/>
           <a:p>
             <a:r>
-              <a:rPr lang="en-US" dirty="0" smtClean="0"/>
+              <a:rPr lang="en-US" dirty="0"/>
               <a:t>Click to edit Master title style</a:t>
             </a:r>
-            <a:endParaRPr lang="en-US" dirty="0"/>
           </a:p>
         </p:txBody>
       </p:sp>
@@ -13915,38 +13519,37 @@
           <a:p>
             <a:pPr lvl="0"/>
             <a:r>
-              <a:rPr lang="en-US" dirty="0" smtClean="0"/>
+              <a:rPr lang="en-US" dirty="0"/>
               <a:t>Click to edit Master text styles</a:t>
             </a:r>
           </a:p>
           <a:p>
             <a:pPr lvl="1"/>
             <a:r>
-              <a:rPr lang="en-US" dirty="0" smtClean="0"/>
+              <a:rPr lang="en-US" dirty="0"/>
               <a:t>Second level</a:t>
             </a:r>
           </a:p>
           <a:p>
             <a:pPr lvl="2"/>
             <a:r>
-              <a:rPr lang="en-US" dirty="0" smtClean="0"/>
+              <a:rPr lang="en-US" dirty="0"/>
               <a:t>Third level</a:t>
             </a:r>
           </a:p>
           <a:p>
             <a:pPr lvl="3"/>
             <a:r>
-              <a:rPr lang="en-US" dirty="0" smtClean="0"/>
+              <a:rPr lang="en-US" dirty="0"/>
               <a:t>Fourth level</a:t>
             </a:r>
           </a:p>
           <a:p>
             <a:pPr lvl="4"/>
             <a:r>
-              <a:rPr lang="en-US" dirty="0" smtClean="0"/>
+              <a:rPr lang="en-US" dirty="0"/>
               <a:t>Fifth level</a:t>
             </a:r>
-            <a:endParaRPr lang="en-US" dirty="0"/>
           </a:p>
         </p:txBody>
       </p:sp>
@@ -14313,13 +13916,6 @@
     <p:sldLayoutId id="2147483709" r:id="rId6"/>
     <p:sldLayoutId id="2147483710" r:id="rId7"/>
   </p:sldLayoutIdLst>
-  <p:timing>
-    <p:tnLst>
-      <p:par>
-        <p:cTn id="1" dur="indefinite" restart="never" nodeType="tmRoot"/>
-      </p:par>
-    </p:tnLst>
-  </p:timing>
   <p:hf hdr="0" ftr="0" dt="0"/>
   <p:txStyles>
     <p:titleStyle>
@@ -14655,10 +14251,9 @@
           <a:lstStyle/>
           <a:p>
             <a:r>
-              <a:rPr lang="en-US" dirty="0" smtClean="0"/>
+              <a:rPr lang="en-US" dirty="0"/>
               <a:t>Click to edit Master title style</a:t>
             </a:r>
-            <a:endParaRPr lang="en-US" dirty="0"/>
           </a:p>
         </p:txBody>
       </p:sp>
@@ -14689,38 +14284,37 @@
           <a:p>
             <a:pPr lvl="0"/>
             <a:r>
-              <a:rPr lang="en-US" dirty="0" smtClean="0"/>
+              <a:rPr lang="en-US" dirty="0"/>
               <a:t>Click to edit Master text styles</a:t>
             </a:r>
           </a:p>
           <a:p>
             <a:pPr lvl="1"/>
             <a:r>
-              <a:rPr lang="en-US" dirty="0" smtClean="0"/>
+              <a:rPr lang="en-US" dirty="0"/>
               <a:t>Second level</a:t>
             </a:r>
           </a:p>
           <a:p>
             <a:pPr lvl="2"/>
             <a:r>
-              <a:rPr lang="en-US" dirty="0" smtClean="0"/>
+              <a:rPr lang="en-US" dirty="0"/>
               <a:t>Third level</a:t>
             </a:r>
           </a:p>
           <a:p>
             <a:pPr lvl="3"/>
             <a:r>
-              <a:rPr lang="en-US" dirty="0" smtClean="0"/>
+              <a:rPr lang="en-US" dirty="0"/>
               <a:t>Fourth level</a:t>
             </a:r>
           </a:p>
           <a:p>
             <a:pPr lvl="4"/>
             <a:r>
-              <a:rPr lang="en-US" dirty="0" smtClean="0"/>
+              <a:rPr lang="en-US" dirty="0"/>
               <a:t>Fifth level</a:t>
             </a:r>
-            <a:endParaRPr lang="en-US" dirty="0"/>
           </a:p>
         </p:txBody>
       </p:sp>
@@ -15087,13 +14681,6 @@
     <p:sldLayoutId id="2147483718" r:id="rId6"/>
     <p:sldLayoutId id="2147483719" r:id="rId7"/>
   </p:sldLayoutIdLst>
-  <p:timing>
-    <p:tnLst>
-      <p:par>
-        <p:cTn id="1" dur="indefinite" restart="never" nodeType="tmRoot"/>
-      </p:par>
-    </p:tnLst>
-  </p:timing>
   <p:hf hdr="0" ftr="0" dt="0"/>
   <p:txStyles>
     <p:titleStyle>
@@ -15429,10 +15016,9 @@
           <a:lstStyle/>
           <a:p>
             <a:r>
-              <a:rPr lang="en-US" dirty="0" smtClean="0"/>
+              <a:rPr lang="en-US" dirty="0"/>
               <a:t>Click to edit Master title style</a:t>
             </a:r>
-            <a:endParaRPr lang="en-US" dirty="0"/>
           </a:p>
         </p:txBody>
       </p:sp>
@@ -15463,38 +15049,37 @@
           <a:p>
             <a:pPr lvl="0"/>
             <a:r>
-              <a:rPr lang="en-US" dirty="0" smtClean="0"/>
+              <a:rPr lang="en-US" dirty="0"/>
               <a:t>Click to edit Master text styles</a:t>
             </a:r>
           </a:p>
           <a:p>
             <a:pPr lvl="1"/>
             <a:r>
-              <a:rPr lang="en-US" dirty="0" smtClean="0"/>
+              <a:rPr lang="en-US" dirty="0"/>
               <a:t>Second level</a:t>
             </a:r>
           </a:p>
           <a:p>
             <a:pPr lvl="2"/>
             <a:r>
-              <a:rPr lang="en-US" dirty="0" smtClean="0"/>
+              <a:rPr lang="en-US" dirty="0"/>
               <a:t>Third level</a:t>
             </a:r>
           </a:p>
           <a:p>
             <a:pPr lvl="3"/>
             <a:r>
-              <a:rPr lang="en-US" dirty="0" smtClean="0"/>
+              <a:rPr lang="en-US" dirty="0"/>
               <a:t>Fourth level</a:t>
             </a:r>
           </a:p>
           <a:p>
             <a:pPr lvl="4"/>
             <a:r>
-              <a:rPr lang="en-US" dirty="0" smtClean="0"/>
+              <a:rPr lang="en-US" dirty="0"/>
               <a:t>Fifth level</a:t>
             </a:r>
-            <a:endParaRPr lang="en-US" dirty="0"/>
           </a:p>
         </p:txBody>
       </p:sp>
@@ -15861,13 +15446,6 @@
     <p:sldLayoutId id="2147483726" r:id="rId6"/>
     <p:sldLayoutId id="2147483728" r:id="rId7"/>
   </p:sldLayoutIdLst>
-  <p:timing>
-    <p:tnLst>
-      <p:par>
-        <p:cTn id="1" dur="indefinite" restart="never" nodeType="tmRoot"/>
-      </p:par>
-    </p:tnLst>
-  </p:timing>
   <p:hf hdr="0" ftr="0" dt="0"/>
   <p:txStyles>
     <p:titleStyle>
@@ -16203,10 +15781,9 @@
           <a:lstStyle/>
           <a:p>
             <a:r>
-              <a:rPr lang="en-US" dirty="0" smtClean="0"/>
+              <a:rPr lang="en-US" dirty="0"/>
               <a:t>Click to edit Master title style</a:t>
             </a:r>
-            <a:endParaRPr lang="en-US" dirty="0"/>
           </a:p>
         </p:txBody>
       </p:sp>
@@ -16237,38 +15814,37 @@
           <a:p>
             <a:pPr lvl="0"/>
             <a:r>
-              <a:rPr lang="en-US" dirty="0" smtClean="0"/>
+              <a:rPr lang="en-US" dirty="0"/>
               <a:t>Click to edit Master text styles</a:t>
             </a:r>
           </a:p>
           <a:p>
             <a:pPr lvl="1"/>
             <a:r>
-              <a:rPr lang="en-US" dirty="0" smtClean="0"/>
+              <a:rPr lang="en-US" dirty="0"/>
               <a:t>Second level</a:t>
             </a:r>
           </a:p>
           <a:p>
             <a:pPr lvl="2"/>
             <a:r>
-              <a:rPr lang="en-US" dirty="0" smtClean="0"/>
+              <a:rPr lang="en-US" dirty="0"/>
               <a:t>Third level</a:t>
             </a:r>
           </a:p>
           <a:p>
             <a:pPr lvl="3"/>
             <a:r>
-              <a:rPr lang="en-US" dirty="0" smtClean="0"/>
+              <a:rPr lang="en-US" dirty="0"/>
               <a:t>Fourth level</a:t>
             </a:r>
           </a:p>
           <a:p>
             <a:pPr lvl="4"/>
             <a:r>
-              <a:rPr lang="en-US" dirty="0" smtClean="0"/>
+              <a:rPr lang="en-US" dirty="0"/>
               <a:t>Fifth level</a:t>
             </a:r>
-            <a:endParaRPr lang="en-US" dirty="0"/>
           </a:p>
         </p:txBody>
       </p:sp>
@@ -16635,13 +16211,6 @@
     <p:sldLayoutId id="2147483735" r:id="rId6"/>
     <p:sldLayoutId id="2147483736" r:id="rId7"/>
   </p:sldLayoutIdLst>
-  <p:timing>
-    <p:tnLst>
-      <p:par>
-        <p:cTn id="1" dur="indefinite" restart="never" nodeType="tmRoot"/>
-      </p:par>
-    </p:tnLst>
-  </p:timing>
   <p:hf hdr="0" ftr="0" dt="0"/>
   <p:txStyles>
     <p:titleStyle>
@@ -16967,20 +16536,12 @@
               <a:rPr lang="en-US" sz="7200" dirty="0"/>
               <a:t>Introduction to </a:t>
             </a:r>
-            <a:r>
-              <a:rPr lang="en-US" sz="7200" dirty="0" smtClean="0"/>
-              <a:t/>
-            </a:r>
             <a:br>
-              <a:rPr lang="en-US" sz="7200" dirty="0" smtClean="0"/>
+              <a:rPr lang="en-US" sz="7200" dirty="0"/>
             </a:br>
             <a:r>
-              <a:rPr lang="en-US" sz="7200" dirty="0" smtClean="0"/>
-              <a:t>Express </a:t>
-            </a:r>
-            <a:r>
               <a:rPr lang="en-US" sz="7200" dirty="0"/>
-              <a:t>Framework</a:t>
+              <a:t>Express Framework</a:t>
             </a:r>
           </a:p>
         </p:txBody>
@@ -17089,13 +16650,6 @@
       </p:transition>
     </mc:Fallback>
   </mc:AlternateContent>
-  <p:timing>
-    <p:tnLst>
-      <p:par>
-        <p:cTn id="1" dur="indefinite" restart="never" nodeType="tmRoot"/>
-      </p:par>
-    </p:tnLst>
-  </p:timing>
 </p:sld>
 </file>
 
@@ -17128,18 +16682,28 @@
         </p:nvSpPr>
         <p:spPr/>
         <p:txBody>
-          <a:bodyPr/>
+          <a:bodyPr>
+            <a:normAutofit fontScale="85000" lnSpcReduction="10000"/>
+          </a:bodyPr>
           <a:lstStyle/>
           <a:p>
             <a:r>
               <a:rPr lang="en-US" dirty="0"/>
-              <a:t>Creating </a:t>
-            </a:r>
-            <a:r>
-              <a:rPr lang="en-US" dirty="0" smtClean="0"/>
-              <a:t>an Express application</a:t>
-            </a:r>
+              <a:t>Creating an Express application using the Express Generator</a:t>
+            </a:r>
+          </a:p>
+          <a:p>
             <a:endParaRPr lang="en-US" dirty="0"/>
+          </a:p>
+          <a:p>
+            <a:r>
+              <a:rPr lang="en-US" dirty="0" err="1"/>
+              <a:t>npm</a:t>
+            </a:r>
+            <a:r>
+              <a:rPr lang="en-US" dirty="0"/>
+              <a:t> install -g express-generator</a:t>
+            </a:r>
           </a:p>
         </p:txBody>
       </p:sp>
@@ -17165,13 +16729,6 @@
       </p:transition>
     </mc:Fallback>
   </mc:AlternateContent>
-  <p:timing>
-    <p:tnLst>
-      <p:par>
-        <p:cTn id="1" dur="indefinite" restart="never" nodeType="tmRoot"/>
-      </p:par>
-    </p:tnLst>
-  </p:timing>
 </p:sld>
 </file>
 
@@ -17246,10 +16803,9 @@
           <a:lstStyle/>
           <a:p>
             <a:r>
-              <a:rPr lang="en-US" dirty="0" smtClean="0"/>
+              <a:rPr lang="en-US" dirty="0"/>
               <a:t>Explanation of Routes</a:t>
             </a:r>
-            <a:endParaRPr lang="en-US" dirty="0"/>
           </a:p>
         </p:txBody>
       </p:sp>
@@ -17271,38 +16827,38 @@
           <a:lstStyle/>
           <a:p>
             <a:r>
-              <a:rPr lang="en-US" dirty="0" smtClean="0"/>
+              <a:rPr lang="en-US" dirty="0"/>
               <a:t>A router maps HTTP requests to a callback. </a:t>
             </a:r>
           </a:p>
           <a:p>
             <a:r>
-              <a:rPr lang="en-US" dirty="0" smtClean="0"/>
+              <a:rPr lang="en-US" dirty="0"/>
               <a:t>HTTP requests can be sent as GET/POST/PUT/DELETE, etc.</a:t>
             </a:r>
           </a:p>
           <a:p>
             <a:r>
-              <a:rPr lang="en-US" dirty="0" smtClean="0"/>
+              <a:rPr lang="en-US" dirty="0"/>
               <a:t>URLs describe the location targeted. </a:t>
             </a:r>
           </a:p>
           <a:p>
             <a:r>
-              <a:rPr lang="en-US" dirty="0" smtClean="0"/>
+              <a:rPr lang="en-US" dirty="0"/>
               <a:t>Node helps you map a HTTP GET request like: </a:t>
             </a:r>
           </a:p>
           <a:p>
             <a:pPr lvl="1"/>
             <a:r>
-              <a:rPr lang="en-US" dirty="0" smtClean="0"/>
+              <a:rPr lang="en-US" dirty="0"/>
               <a:t>http://localhost:8888/index</a:t>
             </a:r>
           </a:p>
           <a:p>
             <a:r>
-              <a:rPr lang="en-US" dirty="0" smtClean="0"/>
+              <a:rPr lang="en-US" dirty="0"/>
               <a:t>To a request handler (callback)</a:t>
             </a:r>
           </a:p>
@@ -17316,7 +16872,7 @@
               </a:spcAft>
               <a:buNone/>
             </a:pPr>
-            <a:endParaRPr lang="en-US" altLang="en-US" dirty="0" smtClean="0">
+            <a:endParaRPr lang="en-US" altLang="en-US" dirty="0">
               <a:solidFill>
                 <a:srgbClr val="000000"/>
               </a:solidFill>
@@ -17335,7 +16891,7 @@
               <a:buNone/>
             </a:pPr>
             <a:r>
-              <a:rPr lang="en-US" altLang="en-US" sz="2600" dirty="0" err="1" smtClean="0">
+              <a:rPr lang="en-US" altLang="en-US" sz="2600" dirty="0" err="1">
                 <a:solidFill>
                   <a:srgbClr val="000000"/>
                 </a:solidFill>
@@ -17345,7 +16901,7 @@
               <a:t>app.</a:t>
             </a:r>
             <a:r>
-              <a:rPr lang="en-US" altLang="en-US" sz="2600" dirty="0" err="1" smtClean="0">
+              <a:rPr lang="en-US" altLang="en-US" sz="2600" dirty="0" err="1">
                 <a:solidFill>
                   <a:srgbClr val="0000FF"/>
                 </a:solidFill>
@@ -17355,7 +16911,7 @@
               <a:t>get</a:t>
             </a:r>
             <a:r>
-              <a:rPr lang="en-US" altLang="en-US" sz="2600" dirty="0" smtClean="0">
+              <a:rPr lang="en-US" altLang="en-US" sz="2600" dirty="0">
                 <a:solidFill>
                   <a:srgbClr val="000000"/>
                 </a:solidFill>
@@ -17365,7 +16921,7 @@
               <a:t>(</a:t>
             </a:r>
             <a:r>
-              <a:rPr lang="en-US" altLang="en-US" sz="2600" dirty="0" smtClean="0">
+              <a:rPr lang="en-US" altLang="en-US" sz="2600" dirty="0">
                 <a:solidFill>
                   <a:srgbClr val="A31515"/>
                 </a:solidFill>
@@ -17375,16 +16931,6 @@
               <a:t>'/index'</a:t>
             </a:r>
             <a:r>
-              <a:rPr lang="en-US" altLang="en-US" sz="2600" dirty="0" smtClean="0">
-                <a:solidFill>
-                  <a:srgbClr val="000000"/>
-                </a:solidFill>
-                <a:latin typeface="Consolas" panose="020B0609020204030204" pitchFamily="49" charset="0"/>
-                <a:cs typeface="Consolas" panose="020B0609020204030204" pitchFamily="49" charset="0"/>
-              </a:rPr>
-              <a:t>,</a:t>
-            </a:r>
-            <a:r>
               <a:rPr lang="en-US" altLang="en-US" sz="2600" dirty="0">
                 <a:solidFill>
                   <a:srgbClr val="000000"/>
@@ -17392,7 +16938,7 @@
                 <a:latin typeface="Consolas" panose="020B0609020204030204" pitchFamily="49" charset="0"/>
                 <a:cs typeface="Consolas" panose="020B0609020204030204" pitchFamily="49" charset="0"/>
               </a:rPr>
-              <a:t> </a:t>
+              <a:t>, </a:t>
             </a:r>
             <a:r>
               <a:rPr lang="en-US" altLang="en-US" sz="2600" dirty="0">
@@ -17432,17 +16978,7 @@
                 <a:latin typeface="Consolas" panose="020B0609020204030204" pitchFamily="49" charset="0"/>
                 <a:cs typeface="Consolas" panose="020B0609020204030204" pitchFamily="49" charset="0"/>
               </a:rPr>
-              <a:t>, res) </a:t>
-            </a:r>
-            <a:r>
-              <a:rPr lang="en-US" altLang="en-US" sz="2600" dirty="0" smtClean="0">
-                <a:solidFill>
-                  <a:srgbClr val="000000"/>
-                </a:solidFill>
-                <a:latin typeface="Consolas" panose="020B0609020204030204" pitchFamily="49" charset="0"/>
-                <a:cs typeface="Consolas" panose="020B0609020204030204" pitchFamily="49" charset="0"/>
-              </a:rPr>
-              <a:t>{});</a:t>
+              <a:t>, res) {});</a:t>
             </a:r>
             <a:endParaRPr lang="en-US" altLang="en-US" dirty="0">
               <a:solidFill>
@@ -17476,13 +17012,6 @@
       </p:transition>
     </mc:Fallback>
   </mc:AlternateContent>
-  <p:timing>
-    <p:tnLst>
-      <p:par>
-        <p:cTn id="1" dur="indefinite" restart="never" nodeType="tmRoot"/>
-      </p:par>
-    </p:tnLst>
-  </p:timing>
 </p:sld>
 </file>
 
@@ -17519,10 +17048,9 @@
           <a:lstStyle/>
           <a:p>
             <a:r>
-              <a:rPr lang="en-US" dirty="0" smtClean="0"/>
+              <a:rPr lang="en-US" dirty="0"/>
               <a:t>Creating a Simple Express Application</a:t>
             </a:r>
-            <a:endParaRPr lang="en-US" dirty="0"/>
           </a:p>
         </p:txBody>
       </p:sp>
@@ -17983,13 +17511,6 @@
       </p:transition>
     </mc:Fallback>
   </mc:AlternateContent>
-  <p:timing>
-    <p:tnLst>
-      <p:par>
-        <p:cTn id="1" dur="indefinite" restart="never" nodeType="tmRoot"/>
-      </p:par>
-    </p:tnLst>
-  </p:timing>
 </p:sld>
 </file>
 
@@ -18026,10 +17547,9 @@
           <a:lstStyle/>
           <a:p>
             <a:r>
-              <a:rPr lang="en-US" dirty="0" smtClean="0"/>
+              <a:rPr lang="en-US" dirty="0"/>
               <a:t>Adding a new route</a:t>
             </a:r>
-            <a:endParaRPr lang="en-US" dirty="0"/>
           </a:p>
         </p:txBody>
       </p:sp>
@@ -18055,13 +17575,6 @@
       </p:transition>
     </mc:Fallback>
   </mc:AlternateContent>
-  <p:timing>
-    <p:tnLst>
-      <p:par>
-        <p:cTn id="1" dur="indefinite" restart="never" nodeType="tmRoot"/>
-      </p:par>
-    </p:tnLst>
-  </p:timing>
 </p:sld>
 </file>
 
@@ -18098,10 +17611,9 @@
           <a:lstStyle/>
           <a:p>
             <a:r>
-              <a:rPr lang="en-US" dirty="0" smtClean="0"/>
+              <a:rPr lang="en-US" dirty="0"/>
               <a:t>Resources</a:t>
             </a:r>
-            <a:endParaRPr lang="en-US" dirty="0"/>
           </a:p>
         </p:txBody>
       </p:sp>
@@ -18124,67 +17636,34 @@
           <a:p>
             <a:r>
               <a:rPr lang="en-US" dirty="0"/>
-              <a:t>Express </a:t>
-            </a:r>
-            <a:r>
-              <a:rPr lang="en-US" dirty="0" smtClean="0"/>
-              <a:t>Framework </a:t>
-            </a:r>
+              <a:t>Express Framework http://expressjs.com/</a:t>
+            </a:r>
+          </a:p>
+          <a:p>
             <a:r>
               <a:rPr lang="en-US" dirty="0"/>
-              <a:t>http://expressjs.com/</a:t>
-            </a:r>
-          </a:p>
-          <a:p>
-            <a:r>
-              <a:rPr lang="en-US" dirty="0" smtClean="0"/>
-              <a:t>Intro </a:t>
-            </a:r>
+              <a:t>Intro to Express http://code.tutsplus.com/tutorials/introduction-to-express--net-33367</a:t>
+            </a:r>
+          </a:p>
+          <a:p>
             <a:r>
               <a:rPr lang="en-US" dirty="0"/>
-              <a:t>to Express </a:t>
-            </a:r>
-            <a:r>
-              <a:rPr lang="en-US" dirty="0" smtClean="0"/>
-              <a:t>http</a:t>
-            </a:r>
+              <a:t>Jade Templates http://jade-lang.com/tutorial/</a:t>
+            </a:r>
+          </a:p>
+          <a:p>
             <a:r>
               <a:rPr lang="en-US" dirty="0"/>
-              <a:t>://code.tutsplus.com/tutorials/introduction-to-express--</a:t>
-            </a:r>
-            <a:r>
-              <a:rPr lang="en-US" dirty="0" smtClean="0"/>
-              <a:t>net-33367</a:t>
-            </a:r>
-          </a:p>
-          <a:p>
+              <a:t>JavaScript and Jade </a:t>
+            </a:r>
+            <a:r>
+              <a:rPr lang="en-US" dirty="0" err="1"/>
+              <a:t>Templating</a:t>
+            </a:r>
             <a:r>
               <a:rPr lang="en-US" dirty="0"/>
-              <a:t>Jade Templates http://jade-lang.com/tutorial</a:t>
-            </a:r>
-            <a:r>
-              <a:rPr lang="en-US" dirty="0" smtClean="0"/>
-              <a:t>/</a:t>
-            </a:r>
-          </a:p>
-          <a:p>
-            <a:r>
-              <a:rPr lang="en-US" dirty="0" smtClean="0"/>
-              <a:t>JavaScript and Jade </a:t>
-            </a:r>
-            <a:r>
-              <a:rPr lang="en-US" dirty="0" err="1" smtClean="0"/>
-              <a:t>Templating</a:t>
-            </a:r>
-            <a:r>
-              <a:rPr lang="en-US" dirty="0" smtClean="0"/>
-              <a:t> http</a:t>
-            </a:r>
-            <a:r>
-              <a:rPr lang="en-US" dirty="0"/>
-              <a:t>://www.slideshare.net/wearefractal/jade-javascript-templating</a:t>
-            </a:r>
-            <a:endParaRPr lang="en-US" dirty="0" smtClean="0"/>
+              <a:t> http://www.slideshare.net/wearefractal/jade-javascript-templating</a:t>
+            </a:r>
           </a:p>
           <a:p>
             <a:endParaRPr lang="en-US" dirty="0"/>
@@ -18213,13 +17692,6 @@
       </p:transition>
     </mc:Fallback>
   </mc:AlternateContent>
-  <p:timing>
-    <p:tnLst>
-      <p:par>
-        <p:cTn id="1" dur="indefinite" restart="never" nodeType="tmRoot"/>
-      </p:par>
-    </p:tnLst>
-  </p:timing>
 </p:sld>
 </file>
 
@@ -18262,13 +17734,6 @@
       </p:transition>
     </mc:Fallback>
   </mc:AlternateContent>
-  <p:timing>
-    <p:tnLst>
-      <p:par>
-        <p:cTn id="1" dur="indefinite" restart="never" nodeType="tmRoot"/>
-      </p:par>
-    </p:tnLst>
-  </p:timing>
 </p:sld>
 </file>
 
@@ -18305,10 +17770,9 @@
           <a:lstStyle/>
           <a:p>
             <a:r>
-              <a:rPr lang="en-US" dirty="0" smtClean="0"/>
+              <a:rPr lang="en-US" dirty="0"/>
               <a:t>Agenda</a:t>
             </a:r>
-            <a:endParaRPr lang="en-US" dirty="0"/>
           </a:p>
         </p:txBody>
       </p:sp>
@@ -18373,13 +17837,7 @@
               <a:rPr lang="en-US" sz="5400">
                 <a:latin typeface="+mj-lt"/>
               </a:rPr>
-              <a:t>Rest </a:t>
-            </a:r>
-            <a:r>
-              <a:rPr lang="en-US" sz="5400" smtClean="0">
-                <a:latin typeface="+mj-lt"/>
-              </a:rPr>
-              <a:t>API</a:t>
+              <a:t>Rest API</a:t>
             </a:r>
             <a:endParaRPr lang="en-US" sz="5400" dirty="0">
               <a:latin typeface="+mj-lt"/>
@@ -18409,13 +17867,6 @@
       </p:transition>
     </mc:Fallback>
   </mc:AlternateContent>
-  <p:timing>
-    <p:tnLst>
-      <p:par>
-        <p:cTn id="1" dur="indefinite" restart="never" nodeType="tmRoot"/>
-      </p:par>
-    </p:tnLst>
-  </p:timing>
 </p:sld>
 </file>
 
@@ -18452,18 +17903,9 @@
           <a:lstStyle/>
           <a:p>
             <a:r>
-              <a:rPr lang="en-US" dirty="0" smtClean="0"/>
-              <a:t>What </a:t>
-            </a:r>
-            <a:r>
               <a:rPr lang="en-US" dirty="0"/>
-              <a:t>is </a:t>
-            </a:r>
-            <a:r>
-              <a:rPr lang="en-US" dirty="0" smtClean="0"/>
-              <a:t>Express</a:t>
-            </a:r>
-            <a:endParaRPr lang="en-US" dirty="0"/>
+              <a:t>What is Express</a:t>
+            </a:r>
           </a:p>
         </p:txBody>
       </p:sp>
@@ -18489,13 +17931,6 @@
       </p:transition>
     </mc:Fallback>
   </mc:AlternateContent>
-  <p:timing>
-    <p:tnLst>
-      <p:par>
-        <p:cTn id="1" dur="indefinite" restart="never" nodeType="tmRoot"/>
-      </p:par>
-    </p:tnLst>
-  </p:timing>
 </p:sld>
 </file>
 
@@ -18532,10 +17967,9 @@
           <a:lstStyle/>
           <a:p>
             <a:r>
-              <a:rPr lang="en-US" dirty="0" smtClean="0"/>
+              <a:rPr lang="en-US" dirty="0"/>
               <a:t>What is Express? </a:t>
             </a:r>
-            <a:endParaRPr lang="en-US" dirty="0"/>
           </a:p>
         </p:txBody>
       </p:sp>
@@ -18556,15 +17990,7 @@
           <a:p>
             <a:r>
               <a:rPr lang="en-US" dirty="0"/>
-              <a:t>Express is a minimal, open source and flexible </a:t>
-            </a:r>
-            <a:r>
-              <a:rPr lang="en-US" dirty="0" smtClean="0"/>
-              <a:t>Node.js </a:t>
-            </a:r>
-            <a:r>
-              <a:rPr lang="en-US" dirty="0"/>
-              <a:t>web app framework designed to make developing websites, web apps and APIs much easier.</a:t>
+              <a:t>Express is a minimal, open source and flexible Node.js web app framework designed to make developing websites, web apps and APIs much easier.</a:t>
             </a:r>
           </a:p>
           <a:p>
@@ -18597,13 +18023,6 @@
       </p:transition>
     </mc:Fallback>
   </mc:AlternateContent>
-  <p:timing>
-    <p:tnLst>
-      <p:par>
-        <p:cTn id="1" dur="indefinite" restart="never" nodeType="tmRoot"/>
-      </p:par>
-    </p:tnLst>
-  </p:timing>
 </p:sld>
 </file>
 
@@ -18640,10 +18059,9 @@
           <a:lstStyle/>
           <a:p>
             <a:r>
-              <a:rPr lang="en-US" dirty="0" smtClean="0"/>
+              <a:rPr lang="en-US" dirty="0"/>
               <a:t>Why use Express? </a:t>
             </a:r>
-            <a:endParaRPr lang="en-US" dirty="0"/>
           </a:p>
         </p:txBody>
       </p:sp>
@@ -18666,11 +18084,10 @@
               <a:rPr lang="en-US" dirty="0"/>
               <a:t>Express helps you respond to requests with route support so that you may write responses to specific URLs. </a:t>
             </a:r>
-            <a:endParaRPr lang="en-US" dirty="0" smtClean="0"/>
-          </a:p>
-          <a:p>
-            <a:r>
-              <a:rPr lang="en-US" dirty="0" smtClean="0"/>
+          </a:p>
+          <a:p>
+            <a:r>
+              <a:rPr lang="en-US" dirty="0"/>
               <a:t>Supports multiple </a:t>
             </a:r>
             <a:r>
@@ -18679,13 +18096,8 @@
             </a:r>
             <a:r>
               <a:rPr lang="en-US" dirty="0"/>
-              <a:t> engines to simplify generating </a:t>
-            </a:r>
-            <a:r>
-              <a:rPr lang="en-US" dirty="0" smtClean="0"/>
-              <a:t>HTML.</a:t>
-            </a:r>
-            <a:endParaRPr lang="en-US" dirty="0"/>
+              <a:t> engines to simplify generating HTML.</a:t>
+            </a:r>
           </a:p>
           <a:p>
             <a:endParaRPr lang="en-US" dirty="0"/>
@@ -18714,13 +18126,6 @@
       </p:transition>
     </mc:Fallback>
   </mc:AlternateContent>
-  <p:timing>
-    <p:tnLst>
-      <p:par>
-        <p:cTn id="1" dur="indefinite" restart="never" nodeType="tmRoot"/>
-      </p:par>
-    </p:tnLst>
-  </p:timing>
 </p:sld>
 </file>
 
@@ -18758,13 +18163,8 @@
           <a:p>
             <a:r>
               <a:rPr lang="en-US" dirty="0"/>
-              <a:t>Installing and Using </a:t>
-            </a:r>
-            <a:r>
-              <a:rPr lang="en-US" dirty="0" smtClean="0"/>
-              <a:t>Express</a:t>
-            </a:r>
-            <a:endParaRPr lang="en-US" dirty="0"/>
+              <a:t>Installing and Using Express</a:t>
+            </a:r>
           </a:p>
         </p:txBody>
       </p:sp>
@@ -18790,13 +18190,6 @@
       </p:transition>
     </mc:Fallback>
   </mc:AlternateContent>
-  <p:timing>
-    <p:tnLst>
-      <p:par>
-        <p:cTn id="1" dur="indefinite" restart="never" nodeType="tmRoot"/>
-      </p:par>
-    </p:tnLst>
-  </p:timing>
 </p:sld>
 </file>
 
@@ -18835,10 +18228,9 @@
           <a:lstStyle/>
           <a:p>
             <a:r>
-              <a:rPr lang="en-US" dirty="0" smtClean="0"/>
+              <a:rPr lang="en-US" dirty="0"/>
               <a:t>Installing and Using Express</a:t>
             </a:r>
-            <a:endParaRPr lang="en-US" dirty="0"/>
           </a:p>
         </p:txBody>
       </p:sp>
@@ -18919,7 +18311,7 @@
               <a:tabLst/>
             </a:pPr>
             <a:r>
-              <a:rPr kumimoji="0" lang="en-US" altLang="en-US" sz="3600" b="0" i="0" u="none" strike="noStrike" cap="none" normalizeH="0" baseline="0" dirty="0" err="1" smtClean="0">
+              <a:rPr kumimoji="0" lang="en-US" altLang="en-US" sz="3600" b="0" i="0" u="none" strike="noStrike" cap="none" normalizeH="0" baseline="0" dirty="0" err="1">
                 <a:ln>
                   <a:noFill/>
                 </a:ln>
@@ -18930,7 +18322,7 @@
               <a:t>npm</a:t>
             </a:r>
             <a:r>
-              <a:rPr kumimoji="0" lang="en-US" altLang="en-US" sz="3600" b="0" i="0" u="none" strike="noStrike" cap="none" normalizeH="0" baseline="0" dirty="0" smtClean="0">
+              <a:rPr kumimoji="0" lang="en-US" altLang="en-US" sz="3600" b="0" i="0" u="none" strike="noStrike" cap="none" normalizeH="0" baseline="0" dirty="0">
                 <a:ln>
                   <a:noFill/>
                 </a:ln>
@@ -18958,20 +18350,20 @@
               <a:tabLst/>
             </a:pPr>
             <a:r>
-              <a:rPr lang="en-US" altLang="en-US" sz="3600" dirty="0" err="1" smtClean="0">
+              <a:rPr lang="en-US" altLang="en-US" sz="3600" dirty="0" err="1">
                 <a:latin typeface="Courier New" panose="02070309020205020404" pitchFamily="49" charset="0"/>
                 <a:cs typeface="Courier New" panose="02070309020205020404" pitchFamily="49" charset="0"/>
               </a:rPr>
               <a:t>npm</a:t>
             </a:r>
             <a:r>
-              <a:rPr lang="en-US" altLang="en-US" sz="3600" dirty="0" smtClean="0">
+              <a:rPr lang="en-US" altLang="en-US" sz="3600" dirty="0">
                 <a:latin typeface="Courier New" panose="02070309020205020404" pitchFamily="49" charset="0"/>
                 <a:cs typeface="Courier New" panose="02070309020205020404" pitchFamily="49" charset="0"/>
               </a:rPr>
               <a:t> install jade</a:t>
             </a:r>
-            <a:endParaRPr kumimoji="0" lang="en-US" altLang="en-US" sz="3600" b="0" i="0" u="none" strike="noStrike" cap="none" normalizeH="0" baseline="0" dirty="0" smtClean="0">
+            <a:endParaRPr kumimoji="0" lang="en-US" altLang="en-US" sz="3600" b="0" i="0" u="none" strike="noStrike" cap="none" normalizeH="0" baseline="0" dirty="0">
               <a:ln>
                 <a:noFill/>
               </a:ln>
@@ -19005,13 +18397,6 @@
       </p:transition>
     </mc:Fallback>
   </mc:AlternateContent>
-  <p:timing>
-    <p:tnLst>
-      <p:par>
-        <p:cTn id="1" dur="indefinite" restart="never" nodeType="tmRoot"/>
-      </p:par>
-    </p:tnLst>
-  </p:timing>
 </p:sld>
 </file>
 
@@ -19050,10 +18435,9 @@
           <a:lstStyle/>
           <a:p>
             <a:r>
-              <a:rPr lang="en-US" dirty="0" smtClean="0"/>
+              <a:rPr lang="en-US" dirty="0"/>
               <a:t>Installing Node.js Tools for Visual Studio</a:t>
             </a:r>
-            <a:endParaRPr lang="en-US" dirty="0"/>
           </a:p>
         </p:txBody>
       </p:sp>
@@ -19075,14 +18459,9 @@
           <a:lstStyle/>
           <a:p>
             <a:r>
-              <a:rPr lang="en-US" dirty="0" smtClean="0"/>
-              <a:t>NTVS </a:t>
-            </a:r>
-            <a:r>
               <a:rPr lang="en-US" dirty="0"/>
-              <a:t>is a free, open source plugin that turns Visual Studio into a Node.js IDE. </a:t>
-            </a:r>
-            <a:endParaRPr lang="en-US" dirty="0" smtClean="0"/>
+              <a:t>NTVS is a free, open source plugin that turns Visual Studio into a Node.js IDE. </a:t>
+            </a:r>
           </a:p>
           <a:p>
             <a:r>
@@ -19092,12 +18471,8 @@
           </a:p>
           <a:p>
             <a:r>
-              <a:rPr lang="en-US" dirty="0" smtClean="0"/>
-              <a:t>https</a:t>
-            </a:r>
-            <a:r>
               <a:rPr lang="en-US" dirty="0"/>
-              <a:t>://nodejstools.codeplex.com/</a:t>
+              <a:t>https://nodejstools.codeplex.com/</a:t>
             </a:r>
           </a:p>
         </p:txBody>
@@ -19112,13 +18487,6 @@
   <p:clrMapOvr>
     <a:masterClrMapping/>
   </p:clrMapOvr>
-  <p:timing>
-    <p:tnLst>
-      <p:par>
-        <p:cTn id="1" dur="indefinite" restart="never" nodeType="tmRoot"/>
-      </p:par>
-    </p:tnLst>
-  </p:timing>
 </p:sld>
 </file>
 
@@ -19184,13 +18552,6 @@
       </p:transition>
     </mc:Fallback>
   </mc:AlternateContent>
-  <p:timing>
-    <p:tnLst>
-      <p:par>
-        <p:cTn id="1" dur="indefinite" restart="never" nodeType="tmRoot"/>
-      </p:par>
-    </p:tnLst>
-  </p:timing>
 </p:sld>
 </file>
 
@@ -21217,12 +20578,9 @@
 </file>
 
 <file path=customXml/item1.xml><?xml version="1.0" encoding="utf-8"?>
-<?mso-contentType ?>
-<FormTemplates xmlns="http://schemas.microsoft.com/sharepoint/v3/contenttype/forms">
-  <Display>DocumentLibraryForm</Display>
-  <Edit>DocumentLibraryForm</Edit>
-  <New>DocumentLibraryForm</New>
-</FormTemplates>
+<p:properties xmlns:p="http://schemas.microsoft.com/office/2006/metadata/properties" xmlns:xsi="http://www.w3.org/2001/XMLSchema-instance" xmlns:pc="http://schemas.microsoft.com/office/infopath/2007/PartnerControls">
+  <documentManagement/>
+</p:properties>
 </file>
 
 <file path=customXml/item2.xml><?xml version="1.0" encoding="utf-8"?>
@@ -21366,15 +20724,26 @@
 </file>
 
 <file path=customXml/item3.xml><?xml version="1.0" encoding="utf-8"?>
-<p:properties xmlns:p="http://schemas.microsoft.com/office/2006/metadata/properties" xmlns:xsi="http://www.w3.org/2001/XMLSchema-instance" xmlns:pc="http://schemas.microsoft.com/office/infopath/2007/PartnerControls">
-  <documentManagement/>
-</p:properties>
+<?mso-contentType ?>
+<FormTemplates xmlns="http://schemas.microsoft.com/sharepoint/v3/contenttype/forms">
+  <Display>DocumentLibraryForm</Display>
+  <Edit>DocumentLibraryForm</Edit>
+  <New>DocumentLibraryForm</New>
+</FormTemplates>
 </file>
 
 <file path=customXml/itemProps1.xml><?xml version="1.0" encoding="utf-8"?>
-<ds:datastoreItem xmlns:ds="http://schemas.openxmlformats.org/officeDocument/2006/customXml" ds:itemID="{B0CA13EC-1D3C-4D6F-8D1C-E8A452CFC79A}">
+<ds:datastoreItem xmlns:ds="http://schemas.openxmlformats.org/officeDocument/2006/customXml" ds:itemID="{7025FDD9-4C58-4084-9F89-0E6ADD6FFF55}">
   <ds:schemaRefs>
-    <ds:schemaRef ds:uri="http://schemas.microsoft.com/sharepoint/v3/contenttype/forms"/>
+    <ds:schemaRef ds:uri="http://schemas.microsoft.com/office/infopath/2007/PartnerControls"/>
+    <ds:schemaRef ds:uri="http://purl.org/dc/elements/1.1/"/>
+    <ds:schemaRef ds:uri="http://schemas.microsoft.com/office/2006/metadata/properties"/>
+    <ds:schemaRef ds:uri="636b0322-90fb-440c-9cbc-22749e7231e9"/>
+    <ds:schemaRef ds:uri="http://purl.org/dc/terms/"/>
+    <ds:schemaRef ds:uri="http://schemas.microsoft.com/office/2006/documentManagement/types"/>
+    <ds:schemaRef ds:uri="http://purl.org/dc/dcmitype/"/>
+    <ds:schemaRef ds:uri="http://schemas.openxmlformats.org/package/2006/metadata/core-properties"/>
+    <ds:schemaRef ds:uri="http://www.w3.org/XML/1998/namespace"/>
   </ds:schemaRefs>
 </ds:datastoreItem>
 </file>
@@ -21398,17 +20767,9 @@
 </file>
 
 <file path=customXml/itemProps3.xml><?xml version="1.0" encoding="utf-8"?>
-<ds:datastoreItem xmlns:ds="http://schemas.openxmlformats.org/officeDocument/2006/customXml" ds:itemID="{7025FDD9-4C58-4084-9F89-0E6ADD6FFF55}">
+<ds:datastoreItem xmlns:ds="http://schemas.openxmlformats.org/officeDocument/2006/customXml" ds:itemID="{B0CA13EC-1D3C-4D6F-8D1C-E8A452CFC79A}">
   <ds:schemaRefs>
-    <ds:schemaRef ds:uri="http://schemas.microsoft.com/office/infopath/2007/PartnerControls"/>
-    <ds:schemaRef ds:uri="http://purl.org/dc/elements/1.1/"/>
-    <ds:schemaRef ds:uri="http://schemas.microsoft.com/office/2006/metadata/properties"/>
-    <ds:schemaRef ds:uri="636b0322-90fb-440c-9cbc-22749e7231e9"/>
-    <ds:schemaRef ds:uri="http://purl.org/dc/terms/"/>
-    <ds:schemaRef ds:uri="http://schemas.microsoft.com/office/2006/documentManagement/types"/>
-    <ds:schemaRef ds:uri="http://purl.org/dc/dcmitype/"/>
-    <ds:schemaRef ds:uri="http://schemas.openxmlformats.org/package/2006/metadata/core-properties"/>
-    <ds:schemaRef ds:uri="http://www.w3.org/XML/1998/namespace"/>
+    <ds:schemaRef ds:uri="http://schemas.microsoft.com/sharepoint/v3/contenttype/forms"/>
   </ds:schemaRefs>
 </ds:datastoreItem>
 </file>